--- a/PPT_DevOps.pptx
+++ b/PPT_DevOps.pptx
@@ -10,6 +10,9 @@
     <p:sldId id="259" r:id="rId4"/>
     <p:sldId id="257" r:id="rId5"/>
     <p:sldId id="260" r:id="rId6"/>
+    <p:sldId id="264" r:id="rId7"/>
+    <p:sldId id="265" r:id="rId8"/>
+    <p:sldId id="263" r:id="rId9"/>
   </p:sldIdLst>
   <p:sldSz cx="12192000" cy="6858000"/>
   <p:notesSz cx="6858000" cy="9144000"/>
@@ -1607,6 +1610,753 @@
     <dgm:fillClrLst meth="repeat">
       <a:schemeClr val="accent2">
         <a:tint val="40000"/>
+      </a:schemeClr>
+    </dgm:fillClrLst>
+    <dgm:linClrLst meth="repeat">
+      <a:schemeClr val="lt1"/>
+    </dgm:linClrLst>
+    <dgm:effectClrLst/>
+    <dgm:txLinClrLst/>
+    <dgm:txFillClrLst meth="repeat">
+      <a:schemeClr val="dk1"/>
+    </dgm:txFillClrLst>
+    <dgm:txEffectClrLst/>
+  </dgm:styleLbl>
+  <dgm:styleLbl name="revTx">
+    <dgm:fillClrLst meth="repeat">
+      <a:schemeClr val="lt1">
+        <a:alpha val="0"/>
+      </a:schemeClr>
+    </dgm:fillClrLst>
+    <dgm:linClrLst meth="repeat">
+      <a:schemeClr val="dk1">
+        <a:alpha val="0"/>
+      </a:schemeClr>
+    </dgm:linClrLst>
+    <dgm:effectClrLst/>
+    <dgm:txLinClrLst/>
+    <dgm:txFillClrLst meth="repeat">
+      <a:schemeClr val="tx1"/>
+    </dgm:txFillClrLst>
+    <dgm:txEffectClrLst/>
+  </dgm:styleLbl>
+</dgm:colorsDef>
+</file>
+
+<file path=ppt/diagrams/colors3.xml><?xml version="1.0" encoding="utf-8"?>
+<dgm:colorsDef xmlns:dgm="http://schemas.openxmlformats.org/drawingml/2006/diagram" xmlns:a="http://schemas.openxmlformats.org/drawingml/2006/main" uniqueId="urn:microsoft.com/office/officeart/2005/8/colors/accent1_2">
+  <dgm:title val=""/>
+  <dgm:desc val=""/>
+  <dgm:catLst>
+    <dgm:cat type="accent1" pri="11200"/>
+  </dgm:catLst>
+  <dgm:styleLbl name="node0">
+    <dgm:fillClrLst meth="repeat">
+      <a:schemeClr val="accent1"/>
+    </dgm:fillClrLst>
+    <dgm:linClrLst meth="repeat">
+      <a:schemeClr val="lt1"/>
+    </dgm:linClrLst>
+    <dgm:effectClrLst/>
+    <dgm:txLinClrLst/>
+    <dgm:txFillClrLst/>
+    <dgm:txEffectClrLst/>
+  </dgm:styleLbl>
+  <dgm:styleLbl name="alignNode1">
+    <dgm:fillClrLst meth="repeat">
+      <a:schemeClr val="accent1"/>
+    </dgm:fillClrLst>
+    <dgm:linClrLst meth="repeat">
+      <a:schemeClr val="accent1"/>
+    </dgm:linClrLst>
+    <dgm:effectClrLst/>
+    <dgm:txLinClrLst/>
+    <dgm:txFillClrLst/>
+    <dgm:txEffectClrLst/>
+  </dgm:styleLbl>
+  <dgm:styleLbl name="node1">
+    <dgm:fillClrLst meth="repeat">
+      <a:schemeClr val="accent1"/>
+    </dgm:fillClrLst>
+    <dgm:linClrLst meth="repeat">
+      <a:schemeClr val="lt1"/>
+    </dgm:linClrLst>
+    <dgm:effectClrLst/>
+    <dgm:txLinClrLst/>
+    <dgm:txFillClrLst/>
+    <dgm:txEffectClrLst/>
+  </dgm:styleLbl>
+  <dgm:styleLbl name="lnNode1">
+    <dgm:fillClrLst meth="repeat">
+      <a:schemeClr val="accent1"/>
+    </dgm:fillClrLst>
+    <dgm:linClrLst meth="repeat">
+      <a:schemeClr val="lt1"/>
+    </dgm:linClrLst>
+    <dgm:effectClrLst/>
+    <dgm:txLinClrLst/>
+    <dgm:txFillClrLst/>
+    <dgm:txEffectClrLst/>
+  </dgm:styleLbl>
+  <dgm:styleLbl name="vennNode1">
+    <dgm:fillClrLst meth="repeat">
+      <a:schemeClr val="accent1">
+        <a:alpha val="50000"/>
+      </a:schemeClr>
+    </dgm:fillClrLst>
+    <dgm:linClrLst meth="repeat">
+      <a:schemeClr val="lt1"/>
+    </dgm:linClrLst>
+    <dgm:effectClrLst/>
+    <dgm:txLinClrLst/>
+    <dgm:txFillClrLst/>
+    <dgm:txEffectClrLst/>
+  </dgm:styleLbl>
+  <dgm:styleLbl name="node2">
+    <dgm:fillClrLst meth="repeat">
+      <a:schemeClr val="accent1"/>
+    </dgm:fillClrLst>
+    <dgm:linClrLst meth="repeat">
+      <a:schemeClr val="lt1"/>
+    </dgm:linClrLst>
+    <dgm:effectClrLst/>
+    <dgm:txLinClrLst/>
+    <dgm:txFillClrLst/>
+    <dgm:txEffectClrLst/>
+  </dgm:styleLbl>
+  <dgm:styleLbl name="node3">
+    <dgm:fillClrLst meth="repeat">
+      <a:schemeClr val="accent1"/>
+    </dgm:fillClrLst>
+    <dgm:linClrLst meth="repeat">
+      <a:schemeClr val="lt1"/>
+    </dgm:linClrLst>
+    <dgm:effectClrLst/>
+    <dgm:txLinClrLst/>
+    <dgm:txFillClrLst/>
+    <dgm:txEffectClrLst/>
+  </dgm:styleLbl>
+  <dgm:styleLbl name="node4">
+    <dgm:fillClrLst meth="repeat">
+      <a:schemeClr val="accent1"/>
+    </dgm:fillClrLst>
+    <dgm:linClrLst meth="repeat">
+      <a:schemeClr val="lt1"/>
+    </dgm:linClrLst>
+    <dgm:effectClrLst/>
+    <dgm:txLinClrLst/>
+    <dgm:txFillClrLst/>
+    <dgm:txEffectClrLst/>
+  </dgm:styleLbl>
+  <dgm:styleLbl name="fgImgPlace1">
+    <dgm:fillClrLst meth="repeat">
+      <a:schemeClr val="accent1">
+        <a:tint val="50000"/>
+      </a:schemeClr>
+    </dgm:fillClrLst>
+    <dgm:linClrLst meth="repeat">
+      <a:schemeClr val="lt1"/>
+    </dgm:linClrLst>
+    <dgm:effectClrLst/>
+    <dgm:txLinClrLst/>
+    <dgm:txFillClrLst meth="repeat">
+      <a:schemeClr val="lt1"/>
+    </dgm:txFillClrLst>
+    <dgm:txEffectClrLst/>
+  </dgm:styleLbl>
+  <dgm:styleLbl name="alignImgPlace1">
+    <dgm:fillClrLst meth="repeat">
+      <a:schemeClr val="accent1">
+        <a:tint val="50000"/>
+      </a:schemeClr>
+    </dgm:fillClrLst>
+    <dgm:linClrLst meth="repeat">
+      <a:schemeClr val="lt1"/>
+    </dgm:linClrLst>
+    <dgm:effectClrLst/>
+    <dgm:txLinClrLst/>
+    <dgm:txFillClrLst meth="repeat">
+      <a:schemeClr val="lt1"/>
+    </dgm:txFillClrLst>
+    <dgm:txEffectClrLst/>
+  </dgm:styleLbl>
+  <dgm:styleLbl name="bgImgPlace1">
+    <dgm:fillClrLst meth="repeat">
+      <a:schemeClr val="accent1">
+        <a:tint val="50000"/>
+      </a:schemeClr>
+    </dgm:fillClrLst>
+    <dgm:linClrLst meth="repeat">
+      <a:schemeClr val="lt1"/>
+    </dgm:linClrLst>
+    <dgm:effectClrLst/>
+    <dgm:txLinClrLst/>
+    <dgm:txFillClrLst meth="repeat">
+      <a:schemeClr val="lt1"/>
+    </dgm:txFillClrLst>
+    <dgm:txEffectClrLst/>
+  </dgm:styleLbl>
+  <dgm:styleLbl name="sibTrans2D1">
+    <dgm:fillClrLst meth="repeat">
+      <a:schemeClr val="accent1">
+        <a:tint val="60000"/>
+      </a:schemeClr>
+    </dgm:fillClrLst>
+    <dgm:linClrLst meth="repeat">
+      <a:schemeClr val="accent1">
+        <a:tint val="60000"/>
+      </a:schemeClr>
+    </dgm:linClrLst>
+    <dgm:effectClrLst/>
+    <dgm:txLinClrLst/>
+    <dgm:txFillClrLst/>
+    <dgm:txEffectClrLst/>
+  </dgm:styleLbl>
+  <dgm:styleLbl name="fgSibTrans2D1">
+    <dgm:fillClrLst meth="repeat">
+      <a:schemeClr val="accent1">
+        <a:tint val="60000"/>
+      </a:schemeClr>
+    </dgm:fillClrLst>
+    <dgm:linClrLst meth="repeat">
+      <a:schemeClr val="accent1">
+        <a:tint val="60000"/>
+      </a:schemeClr>
+    </dgm:linClrLst>
+    <dgm:effectClrLst/>
+    <dgm:txLinClrLst/>
+    <dgm:txFillClrLst/>
+    <dgm:txEffectClrLst/>
+  </dgm:styleLbl>
+  <dgm:styleLbl name="bgSibTrans2D1">
+    <dgm:fillClrLst meth="repeat">
+      <a:schemeClr val="accent1">
+        <a:tint val="60000"/>
+      </a:schemeClr>
+    </dgm:fillClrLst>
+    <dgm:linClrLst meth="repeat">
+      <a:schemeClr val="accent1">
+        <a:tint val="60000"/>
+      </a:schemeClr>
+    </dgm:linClrLst>
+    <dgm:effectClrLst/>
+    <dgm:txLinClrLst/>
+    <dgm:txFillClrLst/>
+    <dgm:txEffectClrLst/>
+  </dgm:styleLbl>
+  <dgm:styleLbl name="sibTrans1D1">
+    <dgm:fillClrLst meth="repeat">
+      <a:schemeClr val="accent1"/>
+    </dgm:fillClrLst>
+    <dgm:linClrLst meth="repeat">
+      <a:schemeClr val="accent1"/>
+    </dgm:linClrLst>
+    <dgm:effectClrLst/>
+    <dgm:txLinClrLst/>
+    <dgm:txFillClrLst meth="repeat">
+      <a:schemeClr val="tx1"/>
+    </dgm:txFillClrLst>
+    <dgm:txEffectClrLst/>
+  </dgm:styleLbl>
+  <dgm:styleLbl name="callout">
+    <dgm:fillClrLst meth="repeat">
+      <a:schemeClr val="accent1"/>
+    </dgm:fillClrLst>
+    <dgm:linClrLst meth="repeat">
+      <a:schemeClr val="accent1">
+        <a:tint val="50000"/>
+      </a:schemeClr>
+    </dgm:linClrLst>
+    <dgm:effectClrLst/>
+    <dgm:txLinClrLst/>
+    <dgm:txFillClrLst meth="repeat">
+      <a:schemeClr val="tx1"/>
+    </dgm:txFillClrLst>
+    <dgm:txEffectClrLst/>
+  </dgm:styleLbl>
+  <dgm:styleLbl name="asst0">
+    <dgm:fillClrLst meth="repeat">
+      <a:schemeClr val="accent1"/>
+    </dgm:fillClrLst>
+    <dgm:linClrLst meth="repeat">
+      <a:schemeClr val="lt1"/>
+    </dgm:linClrLst>
+    <dgm:effectClrLst/>
+    <dgm:txLinClrLst/>
+    <dgm:txFillClrLst/>
+    <dgm:txEffectClrLst/>
+  </dgm:styleLbl>
+  <dgm:styleLbl name="asst1">
+    <dgm:fillClrLst meth="repeat">
+      <a:schemeClr val="accent1"/>
+    </dgm:fillClrLst>
+    <dgm:linClrLst meth="repeat">
+      <a:schemeClr val="lt1"/>
+    </dgm:linClrLst>
+    <dgm:effectClrLst/>
+    <dgm:txLinClrLst/>
+    <dgm:txFillClrLst/>
+    <dgm:txEffectClrLst/>
+  </dgm:styleLbl>
+  <dgm:styleLbl name="asst2">
+    <dgm:fillClrLst meth="repeat">
+      <a:schemeClr val="accent1"/>
+    </dgm:fillClrLst>
+    <dgm:linClrLst meth="repeat">
+      <a:schemeClr val="lt1"/>
+    </dgm:linClrLst>
+    <dgm:effectClrLst/>
+    <dgm:txLinClrLst/>
+    <dgm:txFillClrLst/>
+    <dgm:txEffectClrLst/>
+  </dgm:styleLbl>
+  <dgm:styleLbl name="asst3">
+    <dgm:fillClrLst meth="repeat">
+      <a:schemeClr val="accent1"/>
+    </dgm:fillClrLst>
+    <dgm:linClrLst meth="repeat">
+      <a:schemeClr val="lt1"/>
+    </dgm:linClrLst>
+    <dgm:effectClrLst/>
+    <dgm:txLinClrLst/>
+    <dgm:txFillClrLst/>
+    <dgm:txEffectClrLst/>
+  </dgm:styleLbl>
+  <dgm:styleLbl name="asst4">
+    <dgm:fillClrLst meth="repeat">
+      <a:schemeClr val="accent1"/>
+    </dgm:fillClrLst>
+    <dgm:linClrLst meth="repeat">
+      <a:schemeClr val="lt1"/>
+    </dgm:linClrLst>
+    <dgm:effectClrLst/>
+    <dgm:txLinClrLst/>
+    <dgm:txFillClrLst/>
+    <dgm:txEffectClrLst/>
+  </dgm:styleLbl>
+  <dgm:styleLbl name="parChTrans2D1">
+    <dgm:fillClrLst meth="repeat">
+      <a:schemeClr val="accent1">
+        <a:tint val="60000"/>
+      </a:schemeClr>
+    </dgm:fillClrLst>
+    <dgm:linClrLst meth="repeat">
+      <a:schemeClr val="accent1">
+        <a:tint val="60000"/>
+      </a:schemeClr>
+    </dgm:linClrLst>
+    <dgm:effectClrLst/>
+    <dgm:txLinClrLst/>
+    <dgm:txFillClrLst meth="repeat">
+      <a:schemeClr val="lt1"/>
+    </dgm:txFillClrLst>
+    <dgm:txEffectClrLst/>
+  </dgm:styleLbl>
+  <dgm:styleLbl name="parChTrans2D2">
+    <dgm:fillClrLst meth="repeat">
+      <a:schemeClr val="accent1"/>
+    </dgm:fillClrLst>
+    <dgm:linClrLst meth="repeat">
+      <a:schemeClr val="accent1"/>
+    </dgm:linClrLst>
+    <dgm:effectClrLst/>
+    <dgm:txLinClrLst/>
+    <dgm:txFillClrLst meth="repeat">
+      <a:schemeClr val="lt1"/>
+    </dgm:txFillClrLst>
+    <dgm:txEffectClrLst/>
+  </dgm:styleLbl>
+  <dgm:styleLbl name="parChTrans2D3">
+    <dgm:fillClrLst meth="repeat">
+      <a:schemeClr val="accent1"/>
+    </dgm:fillClrLst>
+    <dgm:linClrLst meth="repeat">
+      <a:schemeClr val="accent1"/>
+    </dgm:linClrLst>
+    <dgm:effectClrLst/>
+    <dgm:txLinClrLst/>
+    <dgm:txFillClrLst meth="repeat">
+      <a:schemeClr val="lt1"/>
+    </dgm:txFillClrLst>
+    <dgm:txEffectClrLst/>
+  </dgm:styleLbl>
+  <dgm:styleLbl name="parChTrans2D4">
+    <dgm:fillClrLst meth="repeat">
+      <a:schemeClr val="accent1"/>
+    </dgm:fillClrLst>
+    <dgm:linClrLst meth="repeat">
+      <a:schemeClr val="accent1"/>
+    </dgm:linClrLst>
+    <dgm:effectClrLst/>
+    <dgm:txLinClrLst/>
+    <dgm:txFillClrLst meth="repeat">
+      <a:schemeClr val="lt1"/>
+    </dgm:txFillClrLst>
+    <dgm:txEffectClrLst/>
+  </dgm:styleLbl>
+  <dgm:styleLbl name="parChTrans1D1">
+    <dgm:fillClrLst meth="repeat">
+      <a:schemeClr val="accent1"/>
+    </dgm:fillClrLst>
+    <dgm:linClrLst meth="repeat">
+      <a:schemeClr val="accent1">
+        <a:shade val="60000"/>
+      </a:schemeClr>
+    </dgm:linClrLst>
+    <dgm:effectClrLst/>
+    <dgm:txLinClrLst/>
+    <dgm:txFillClrLst meth="repeat">
+      <a:schemeClr val="tx1"/>
+    </dgm:txFillClrLst>
+    <dgm:txEffectClrLst/>
+  </dgm:styleLbl>
+  <dgm:styleLbl name="parChTrans1D2">
+    <dgm:fillClrLst meth="repeat">
+      <a:schemeClr val="accent1"/>
+    </dgm:fillClrLst>
+    <dgm:linClrLst meth="repeat">
+      <a:schemeClr val="accent1">
+        <a:shade val="60000"/>
+      </a:schemeClr>
+    </dgm:linClrLst>
+    <dgm:effectClrLst/>
+    <dgm:txLinClrLst/>
+    <dgm:txFillClrLst meth="repeat">
+      <a:schemeClr val="tx1"/>
+    </dgm:txFillClrLst>
+    <dgm:txEffectClrLst/>
+  </dgm:styleLbl>
+  <dgm:styleLbl name="parChTrans1D3">
+    <dgm:fillClrLst meth="repeat">
+      <a:schemeClr val="accent1"/>
+    </dgm:fillClrLst>
+    <dgm:linClrLst meth="repeat">
+      <a:schemeClr val="accent1">
+        <a:shade val="80000"/>
+      </a:schemeClr>
+    </dgm:linClrLst>
+    <dgm:effectClrLst/>
+    <dgm:txLinClrLst/>
+    <dgm:txFillClrLst meth="repeat">
+      <a:schemeClr val="tx1"/>
+    </dgm:txFillClrLst>
+    <dgm:txEffectClrLst/>
+  </dgm:styleLbl>
+  <dgm:styleLbl name="parChTrans1D4">
+    <dgm:fillClrLst meth="repeat">
+      <a:schemeClr val="accent1"/>
+    </dgm:fillClrLst>
+    <dgm:linClrLst meth="repeat">
+      <a:schemeClr val="accent1">
+        <a:shade val="80000"/>
+      </a:schemeClr>
+    </dgm:linClrLst>
+    <dgm:effectClrLst/>
+    <dgm:txLinClrLst/>
+    <dgm:txFillClrLst meth="repeat">
+      <a:schemeClr val="tx1"/>
+    </dgm:txFillClrLst>
+    <dgm:txEffectClrLst/>
+  </dgm:styleLbl>
+  <dgm:styleLbl name="fgAcc1">
+    <dgm:fillClrLst meth="repeat">
+      <a:schemeClr val="lt1">
+        <a:alpha val="90000"/>
+      </a:schemeClr>
+    </dgm:fillClrLst>
+    <dgm:linClrLst meth="repeat">
+      <a:schemeClr val="accent1"/>
+    </dgm:linClrLst>
+    <dgm:effectClrLst/>
+    <dgm:txLinClrLst/>
+    <dgm:txFillClrLst meth="repeat">
+      <a:schemeClr val="dk1"/>
+    </dgm:txFillClrLst>
+    <dgm:txEffectClrLst/>
+  </dgm:styleLbl>
+  <dgm:styleLbl name="conFgAcc1">
+    <dgm:fillClrLst meth="repeat">
+      <a:schemeClr val="lt1">
+        <a:alpha val="90000"/>
+      </a:schemeClr>
+    </dgm:fillClrLst>
+    <dgm:linClrLst meth="repeat">
+      <a:schemeClr val="accent1"/>
+    </dgm:linClrLst>
+    <dgm:effectClrLst/>
+    <dgm:txLinClrLst/>
+    <dgm:txFillClrLst meth="repeat">
+      <a:schemeClr val="dk1"/>
+    </dgm:txFillClrLst>
+    <dgm:txEffectClrLst/>
+  </dgm:styleLbl>
+  <dgm:styleLbl name="alignAcc1">
+    <dgm:fillClrLst meth="repeat">
+      <a:schemeClr val="lt1">
+        <a:alpha val="90000"/>
+      </a:schemeClr>
+    </dgm:fillClrLst>
+    <dgm:linClrLst meth="repeat">
+      <a:schemeClr val="accent1"/>
+    </dgm:linClrLst>
+    <dgm:effectClrLst/>
+    <dgm:txLinClrLst/>
+    <dgm:txFillClrLst meth="repeat">
+      <a:schemeClr val="dk1"/>
+    </dgm:txFillClrLst>
+    <dgm:txEffectClrLst/>
+  </dgm:styleLbl>
+  <dgm:styleLbl name="trAlignAcc1">
+    <dgm:fillClrLst meth="repeat">
+      <a:schemeClr val="lt1">
+        <a:alpha val="40000"/>
+      </a:schemeClr>
+    </dgm:fillClrLst>
+    <dgm:linClrLst meth="repeat">
+      <a:schemeClr val="accent1"/>
+    </dgm:linClrLst>
+    <dgm:effectClrLst/>
+    <dgm:txLinClrLst/>
+    <dgm:txFillClrLst meth="repeat">
+      <a:schemeClr val="dk1"/>
+    </dgm:txFillClrLst>
+    <dgm:txEffectClrLst/>
+  </dgm:styleLbl>
+  <dgm:styleLbl name="bgAcc1">
+    <dgm:fillClrLst meth="repeat">
+      <a:schemeClr val="lt1">
+        <a:alpha val="90000"/>
+      </a:schemeClr>
+    </dgm:fillClrLst>
+    <dgm:linClrLst meth="repeat">
+      <a:schemeClr val="accent1"/>
+    </dgm:linClrLst>
+    <dgm:effectClrLst/>
+    <dgm:txLinClrLst/>
+    <dgm:txFillClrLst meth="repeat">
+      <a:schemeClr val="dk1"/>
+    </dgm:txFillClrLst>
+    <dgm:txEffectClrLst/>
+  </dgm:styleLbl>
+  <dgm:styleLbl name="solidFgAcc1">
+    <dgm:fillClrLst meth="repeat">
+      <a:schemeClr val="lt1"/>
+    </dgm:fillClrLst>
+    <dgm:linClrLst meth="repeat">
+      <a:schemeClr val="accent1"/>
+    </dgm:linClrLst>
+    <dgm:effectClrLst/>
+    <dgm:txLinClrLst/>
+    <dgm:txFillClrLst meth="repeat">
+      <a:schemeClr val="dk1"/>
+    </dgm:txFillClrLst>
+    <dgm:txEffectClrLst/>
+  </dgm:styleLbl>
+  <dgm:styleLbl name="solidAlignAcc1">
+    <dgm:fillClrLst meth="repeat">
+      <a:schemeClr val="lt1"/>
+    </dgm:fillClrLst>
+    <dgm:linClrLst meth="repeat">
+      <a:schemeClr val="accent1"/>
+    </dgm:linClrLst>
+    <dgm:effectClrLst/>
+    <dgm:txLinClrLst/>
+    <dgm:txFillClrLst meth="repeat">
+      <a:schemeClr val="dk1"/>
+    </dgm:txFillClrLst>
+    <dgm:txEffectClrLst/>
+  </dgm:styleLbl>
+  <dgm:styleLbl name="solidBgAcc1">
+    <dgm:fillClrLst meth="repeat">
+      <a:schemeClr val="lt1"/>
+    </dgm:fillClrLst>
+    <dgm:linClrLst meth="repeat">
+      <a:schemeClr val="accent1"/>
+    </dgm:linClrLst>
+    <dgm:effectClrLst/>
+    <dgm:txLinClrLst/>
+    <dgm:txFillClrLst meth="repeat">
+      <a:schemeClr val="dk1"/>
+    </dgm:txFillClrLst>
+    <dgm:txEffectClrLst/>
+  </dgm:styleLbl>
+  <dgm:styleLbl name="fgAccFollowNode1">
+    <dgm:fillClrLst meth="repeat">
+      <a:schemeClr val="accent1">
+        <a:alpha val="90000"/>
+        <a:tint val="40000"/>
+      </a:schemeClr>
+    </dgm:fillClrLst>
+    <dgm:linClrLst meth="repeat">
+      <a:schemeClr val="accent1">
+        <a:alpha val="90000"/>
+        <a:tint val="40000"/>
+      </a:schemeClr>
+    </dgm:linClrLst>
+    <dgm:effectClrLst/>
+    <dgm:txLinClrLst/>
+    <dgm:txFillClrLst meth="repeat">
+      <a:schemeClr val="dk1"/>
+    </dgm:txFillClrLst>
+    <dgm:txEffectClrLst/>
+  </dgm:styleLbl>
+  <dgm:styleLbl name="alignAccFollowNode1">
+    <dgm:fillClrLst meth="repeat">
+      <a:schemeClr val="accent1">
+        <a:alpha val="90000"/>
+        <a:tint val="40000"/>
+      </a:schemeClr>
+    </dgm:fillClrLst>
+    <dgm:linClrLst meth="repeat">
+      <a:schemeClr val="accent1">
+        <a:alpha val="90000"/>
+        <a:tint val="40000"/>
+      </a:schemeClr>
+    </dgm:linClrLst>
+    <dgm:effectClrLst/>
+    <dgm:txLinClrLst/>
+    <dgm:txFillClrLst meth="repeat">
+      <a:schemeClr val="dk1"/>
+    </dgm:txFillClrLst>
+    <dgm:txEffectClrLst/>
+  </dgm:styleLbl>
+  <dgm:styleLbl name="bgAccFollowNode1">
+    <dgm:fillClrLst meth="repeat">
+      <a:schemeClr val="accent1">
+        <a:alpha val="90000"/>
+        <a:tint val="40000"/>
+      </a:schemeClr>
+    </dgm:fillClrLst>
+    <dgm:linClrLst meth="repeat">
+      <a:schemeClr val="accent1">
+        <a:alpha val="90000"/>
+        <a:tint val="40000"/>
+      </a:schemeClr>
+    </dgm:linClrLst>
+    <dgm:effectClrLst/>
+    <dgm:txLinClrLst/>
+    <dgm:txFillClrLst meth="repeat">
+      <a:schemeClr val="dk1"/>
+    </dgm:txFillClrLst>
+    <dgm:txEffectClrLst/>
+  </dgm:styleLbl>
+  <dgm:styleLbl name="fgAcc0">
+    <dgm:fillClrLst meth="repeat">
+      <a:schemeClr val="lt1">
+        <a:alpha val="90000"/>
+      </a:schemeClr>
+    </dgm:fillClrLst>
+    <dgm:linClrLst meth="repeat">
+      <a:schemeClr val="accent1"/>
+    </dgm:linClrLst>
+    <dgm:effectClrLst/>
+    <dgm:txLinClrLst/>
+    <dgm:txFillClrLst meth="repeat">
+      <a:schemeClr val="dk1"/>
+    </dgm:txFillClrLst>
+    <dgm:txEffectClrLst/>
+  </dgm:styleLbl>
+  <dgm:styleLbl name="fgAcc2">
+    <dgm:fillClrLst meth="repeat">
+      <a:schemeClr val="lt1">
+        <a:alpha val="90000"/>
+      </a:schemeClr>
+    </dgm:fillClrLst>
+    <dgm:linClrLst meth="repeat">
+      <a:schemeClr val="accent1"/>
+    </dgm:linClrLst>
+    <dgm:effectClrLst/>
+    <dgm:txLinClrLst/>
+    <dgm:txFillClrLst meth="repeat">
+      <a:schemeClr val="dk1"/>
+    </dgm:txFillClrLst>
+    <dgm:txEffectClrLst/>
+  </dgm:styleLbl>
+  <dgm:styleLbl name="fgAcc3">
+    <dgm:fillClrLst meth="repeat">
+      <a:schemeClr val="lt1">
+        <a:alpha val="90000"/>
+      </a:schemeClr>
+    </dgm:fillClrLst>
+    <dgm:linClrLst meth="repeat">
+      <a:schemeClr val="accent1"/>
+    </dgm:linClrLst>
+    <dgm:effectClrLst/>
+    <dgm:txLinClrLst/>
+    <dgm:txFillClrLst meth="repeat">
+      <a:schemeClr val="dk1"/>
+    </dgm:txFillClrLst>
+    <dgm:txEffectClrLst/>
+  </dgm:styleLbl>
+  <dgm:styleLbl name="fgAcc4">
+    <dgm:fillClrLst meth="repeat">
+      <a:schemeClr val="lt1">
+        <a:alpha val="90000"/>
+      </a:schemeClr>
+    </dgm:fillClrLst>
+    <dgm:linClrLst meth="repeat">
+      <a:schemeClr val="accent1"/>
+    </dgm:linClrLst>
+    <dgm:effectClrLst/>
+    <dgm:txLinClrLst/>
+    <dgm:txFillClrLst meth="repeat">
+      <a:schemeClr val="dk1"/>
+    </dgm:txFillClrLst>
+    <dgm:txEffectClrLst/>
+  </dgm:styleLbl>
+  <dgm:styleLbl name="bgShp">
+    <dgm:fillClrLst meth="repeat">
+      <a:schemeClr val="accent1">
+        <a:tint val="40000"/>
+      </a:schemeClr>
+    </dgm:fillClrLst>
+    <dgm:linClrLst meth="repeat">
+      <a:schemeClr val="accent1"/>
+    </dgm:linClrLst>
+    <dgm:effectClrLst/>
+    <dgm:txLinClrLst/>
+    <dgm:txFillClrLst meth="repeat">
+      <a:schemeClr val="dk1"/>
+    </dgm:txFillClrLst>
+    <dgm:txEffectClrLst/>
+  </dgm:styleLbl>
+  <dgm:styleLbl name="dkBgShp">
+    <dgm:fillClrLst meth="repeat">
+      <a:schemeClr val="accent1">
+        <a:shade val="80000"/>
+      </a:schemeClr>
+    </dgm:fillClrLst>
+    <dgm:linClrLst meth="repeat">
+      <a:schemeClr val="accent1"/>
+    </dgm:linClrLst>
+    <dgm:effectClrLst/>
+    <dgm:txLinClrLst/>
+    <dgm:txFillClrLst meth="repeat">
+      <a:schemeClr val="lt1"/>
+    </dgm:txFillClrLst>
+    <dgm:txEffectClrLst/>
+  </dgm:styleLbl>
+  <dgm:styleLbl name="trBgShp">
+    <dgm:fillClrLst meth="repeat">
+      <a:schemeClr val="accent1">
+        <a:tint val="50000"/>
+        <a:alpha val="40000"/>
+      </a:schemeClr>
+    </dgm:fillClrLst>
+    <dgm:linClrLst meth="repeat">
+      <a:schemeClr val="accent1"/>
+    </dgm:linClrLst>
+    <dgm:effectClrLst/>
+    <dgm:txLinClrLst/>
+    <dgm:txFillClrLst meth="repeat">
+      <a:schemeClr val="lt1"/>
+    </dgm:txFillClrLst>
+    <dgm:txEffectClrLst/>
+  </dgm:styleLbl>
+  <dgm:styleLbl name="fgShp">
+    <dgm:fillClrLst meth="repeat">
+      <a:schemeClr val="accent1">
+        <a:tint val="60000"/>
       </a:schemeClr>
     </dgm:fillClrLst>
     <dgm:linClrLst meth="repeat">
@@ -2083,7 +2833,10 @@
         <a:bodyPr/>
         <a:lstStyle/>
         <a:p>
-          <a:endParaRPr lang="es-MX" dirty="0"/>
+          <a:r>
+            <a:rPr lang="es-MX" dirty="0"/>
+            <a:t>Se debe facilitar y agilizar a los equipos de desarrollo con herramientas que permitan automatizar tareas</a:t>
+          </a:r>
         </a:p>
       </dgm:t>
     </dgm:pt>
@@ -2330,6 +3083,560 @@
     <dgm:cxn modelId="{956E328E-5C44-204B-888C-F5856882692F}" type="presParOf" srcId="{29929976-71B3-0F4A-B7B0-5292BFF976F8}" destId="{5B770E6F-F63F-EC4A-96EE-BF5E61B0B151}" srcOrd="4" destOrd="0" presId="urn:microsoft.com/office/officeart/2005/8/layout/balance1"/>
     <dgm:cxn modelId="{F5F51453-D1E8-8040-B952-4050F56C86A6}" type="presParOf" srcId="{29929976-71B3-0F4A-B7B0-5292BFF976F8}" destId="{5A1974D9-4AB9-9E4B-9EB3-EE3D45D82841}" srcOrd="5" destOrd="0" presId="urn:microsoft.com/office/officeart/2005/8/layout/balance1"/>
     <dgm:cxn modelId="{876FAF53-D654-0B4D-9B72-8F5A03CAF745}" type="presParOf" srcId="{29929976-71B3-0F4A-B7B0-5292BFF976F8}" destId="{4C0215C9-0C49-7648-952A-934B7384A3BD}" srcOrd="6" destOrd="0" presId="urn:microsoft.com/office/officeart/2005/8/layout/balance1"/>
+  </dgm:cxnLst>
+  <dgm:bg/>
+  <dgm:whole/>
+  <dgm:extLst>
+    <a:ext uri="http://schemas.microsoft.com/office/drawing/2008/diagram">
+      <dsp:dataModelExt xmlns:dsp="http://schemas.microsoft.com/office/drawing/2008/diagram" relId="rId6" minVer="http://schemas.openxmlformats.org/drawingml/2006/diagram"/>
+    </a:ext>
+  </dgm:extLst>
+</dgm:dataModel>
+</file>
+
+<file path=ppt/diagrams/data3.xml><?xml version="1.0" encoding="utf-8"?>
+<dgm:dataModel xmlns:dgm="http://schemas.openxmlformats.org/drawingml/2006/diagram" xmlns:a="http://schemas.openxmlformats.org/drawingml/2006/main">
+  <dgm:ptLst>
+    <dgm:pt modelId="{1D26773A-8EBB-5B4A-9059-FB8C41A56393}" type="doc">
+      <dgm:prSet loTypeId="urn:microsoft.com/office/officeart/2005/8/layout/cycle1" loCatId="" qsTypeId="urn:microsoft.com/office/officeart/2005/8/quickstyle/simple1" qsCatId="simple" csTypeId="urn:microsoft.com/office/officeart/2005/8/colors/accent1_2" csCatId="accent1" phldr="1"/>
+      <dgm:spPr/>
+      <dgm:t>
+        <a:bodyPr/>
+        <a:lstStyle/>
+        <a:p>
+          <a:endParaRPr lang="es-MX"/>
+        </a:p>
+      </dgm:t>
+    </dgm:pt>
+    <dgm:pt modelId="{7422B817-005B-D64C-AB15-95E839BBE68B}">
+      <dgm:prSet phldrT="[Texto]"/>
+      <dgm:spPr>
+        <a:solidFill>
+          <a:schemeClr val="accent6">
+            <a:lumMod val="20000"/>
+            <a:lumOff val="80000"/>
+          </a:schemeClr>
+        </a:solidFill>
+      </dgm:spPr>
+      <dgm:t>
+        <a:bodyPr/>
+        <a:lstStyle/>
+        <a:p>
+          <a:r>
+            <a:rPr lang="es-MX" dirty="0"/>
+            <a:t>Planificación</a:t>
+          </a:r>
+        </a:p>
+      </dgm:t>
+    </dgm:pt>
+    <dgm:pt modelId="{9D1F67FE-E286-A744-B277-509F5ADC972F}" type="parTrans" cxnId="{F52BF9D5-CC10-8C4C-A75D-EAB28E33870B}">
+      <dgm:prSet/>
+      <dgm:spPr/>
+      <dgm:t>
+        <a:bodyPr/>
+        <a:lstStyle/>
+        <a:p>
+          <a:endParaRPr lang="es-MX"/>
+        </a:p>
+      </dgm:t>
+    </dgm:pt>
+    <dgm:pt modelId="{2237A4D2-25AC-0746-9672-4D87620CA375}" type="sibTrans" cxnId="{F52BF9D5-CC10-8C4C-A75D-EAB28E33870B}">
+      <dgm:prSet/>
+      <dgm:spPr/>
+      <dgm:t>
+        <a:bodyPr/>
+        <a:lstStyle/>
+        <a:p>
+          <a:endParaRPr lang="es-MX"/>
+        </a:p>
+      </dgm:t>
+    </dgm:pt>
+    <dgm:pt modelId="{9998E93D-CF3A-0D47-BCFC-993EC4BC6308}">
+      <dgm:prSet phldrT="[Texto]"/>
+      <dgm:spPr>
+        <a:solidFill>
+          <a:schemeClr val="accent6">
+            <a:lumMod val="40000"/>
+            <a:lumOff val="60000"/>
+          </a:schemeClr>
+        </a:solidFill>
+      </dgm:spPr>
+      <dgm:t>
+        <a:bodyPr/>
+        <a:lstStyle/>
+        <a:p>
+          <a:r>
+            <a:rPr lang="es-MX" dirty="0"/>
+            <a:t>Desarrollo</a:t>
+          </a:r>
+        </a:p>
+      </dgm:t>
+    </dgm:pt>
+    <dgm:pt modelId="{A99E8A5A-00E9-AF4A-B251-07992CA03087}" type="parTrans" cxnId="{6FECFE77-3449-9243-8AE2-F6E7CEB0F766}">
+      <dgm:prSet/>
+      <dgm:spPr/>
+      <dgm:t>
+        <a:bodyPr/>
+        <a:lstStyle/>
+        <a:p>
+          <a:endParaRPr lang="es-MX"/>
+        </a:p>
+      </dgm:t>
+    </dgm:pt>
+    <dgm:pt modelId="{7AC601E2-B451-8B43-ABE7-1B9A056F564C}" type="sibTrans" cxnId="{6FECFE77-3449-9243-8AE2-F6E7CEB0F766}">
+      <dgm:prSet/>
+      <dgm:spPr/>
+      <dgm:t>
+        <a:bodyPr/>
+        <a:lstStyle/>
+        <a:p>
+          <a:endParaRPr lang="es-MX"/>
+        </a:p>
+      </dgm:t>
+    </dgm:pt>
+    <dgm:pt modelId="{A44682E8-70B4-A342-916F-E6EDE2EE1942}">
+      <dgm:prSet/>
+      <dgm:spPr>
+        <a:solidFill>
+          <a:schemeClr val="accent6">
+            <a:lumMod val="50000"/>
+          </a:schemeClr>
+        </a:solidFill>
+      </dgm:spPr>
+      <dgm:t>
+        <a:bodyPr/>
+        <a:lstStyle/>
+        <a:p>
+          <a:r>
+            <a:rPr lang="es-MX" dirty="0"/>
+            <a:t>Pruebas</a:t>
+          </a:r>
+        </a:p>
+      </dgm:t>
+    </dgm:pt>
+    <dgm:pt modelId="{24468068-2EEE-2D43-91E1-DE5728066B69}" type="parTrans" cxnId="{3C6BD8F9-90E8-E148-BE38-DBE0B4E2E7F6}">
+      <dgm:prSet/>
+      <dgm:spPr/>
+      <dgm:t>
+        <a:bodyPr/>
+        <a:lstStyle/>
+        <a:p>
+          <a:endParaRPr lang="es-MX"/>
+        </a:p>
+      </dgm:t>
+    </dgm:pt>
+    <dgm:pt modelId="{0EE313ED-2100-FC4F-A739-EAF08E9A269F}" type="sibTrans" cxnId="{3C6BD8F9-90E8-E148-BE38-DBE0B4E2E7F6}">
+      <dgm:prSet/>
+      <dgm:spPr/>
+      <dgm:t>
+        <a:bodyPr/>
+        <a:lstStyle/>
+        <a:p>
+          <a:endParaRPr lang="es-MX"/>
+        </a:p>
+      </dgm:t>
+    </dgm:pt>
+    <dgm:pt modelId="{A259826A-C01F-054B-B86E-C6B73C96D128}">
+      <dgm:prSet/>
+      <dgm:spPr>
+        <a:solidFill>
+          <a:schemeClr val="accent6">
+            <a:lumMod val="75000"/>
+          </a:schemeClr>
+        </a:solidFill>
+      </dgm:spPr>
+      <dgm:t>
+        <a:bodyPr/>
+        <a:lstStyle/>
+        <a:p>
+          <a:r>
+            <a:rPr lang="es-MX" dirty="0"/>
+            <a:t>Construcción</a:t>
+          </a:r>
+        </a:p>
+      </dgm:t>
+    </dgm:pt>
+    <dgm:pt modelId="{DFD6664D-062F-9F48-B1BC-6B71B5ABF82C}" type="parTrans" cxnId="{78951E95-81EF-DF4A-82CA-0465113D86E6}">
+      <dgm:prSet/>
+      <dgm:spPr/>
+      <dgm:t>
+        <a:bodyPr/>
+        <a:lstStyle/>
+        <a:p>
+          <a:endParaRPr lang="es-MX"/>
+        </a:p>
+      </dgm:t>
+    </dgm:pt>
+    <dgm:pt modelId="{D319552B-176E-1744-AB9B-B6C6E9B74A7A}" type="sibTrans" cxnId="{78951E95-81EF-DF4A-82CA-0465113D86E6}">
+      <dgm:prSet/>
+      <dgm:spPr/>
+      <dgm:t>
+        <a:bodyPr/>
+        <a:lstStyle/>
+        <a:p>
+          <a:endParaRPr lang="es-MX"/>
+        </a:p>
+      </dgm:t>
+    </dgm:pt>
+    <dgm:pt modelId="{4E40399F-6BDE-554A-8DEC-CDF8C22373A3}">
+      <dgm:prSet/>
+      <dgm:spPr>
+        <a:solidFill>
+          <a:schemeClr val="accent1">
+            <a:lumMod val="20000"/>
+            <a:lumOff val="80000"/>
+          </a:schemeClr>
+        </a:solidFill>
+      </dgm:spPr>
+      <dgm:t>
+        <a:bodyPr/>
+        <a:lstStyle/>
+        <a:p>
+          <a:r>
+            <a:rPr lang="es-MX" dirty="0"/>
+            <a:t>Lanzamiento</a:t>
+          </a:r>
+        </a:p>
+      </dgm:t>
+    </dgm:pt>
+    <dgm:pt modelId="{3C8104DA-FCAD-1242-9EC6-38EA855C60D3}" type="parTrans" cxnId="{3EBB4FF2-252D-5B45-AF5B-3F43D9F9BC73}">
+      <dgm:prSet/>
+      <dgm:spPr/>
+      <dgm:t>
+        <a:bodyPr/>
+        <a:lstStyle/>
+        <a:p>
+          <a:endParaRPr lang="es-MX"/>
+        </a:p>
+      </dgm:t>
+    </dgm:pt>
+    <dgm:pt modelId="{3B62ABDC-5314-014A-98B0-885CE7A9359F}" type="sibTrans" cxnId="{3EBB4FF2-252D-5B45-AF5B-3F43D9F9BC73}">
+      <dgm:prSet/>
+      <dgm:spPr/>
+      <dgm:t>
+        <a:bodyPr/>
+        <a:lstStyle/>
+        <a:p>
+          <a:endParaRPr lang="es-MX"/>
+        </a:p>
+      </dgm:t>
+    </dgm:pt>
+    <dgm:pt modelId="{10BB11CC-7E52-0E47-BF47-4564CF46A43F}">
+      <dgm:prSet/>
+      <dgm:spPr>
+        <a:solidFill>
+          <a:schemeClr val="accent1">
+            <a:lumMod val="40000"/>
+            <a:lumOff val="60000"/>
+          </a:schemeClr>
+        </a:solidFill>
+      </dgm:spPr>
+      <dgm:t>
+        <a:bodyPr/>
+        <a:lstStyle/>
+        <a:p>
+          <a:r>
+            <a:rPr lang="es-MX" dirty="0"/>
+            <a:t>Despliegue</a:t>
+          </a:r>
+        </a:p>
+      </dgm:t>
+    </dgm:pt>
+    <dgm:pt modelId="{616C4A27-421F-0744-A475-0A1D34F02D80}" type="parTrans" cxnId="{410B9969-78CE-F44B-BDC3-9864D86A02F4}">
+      <dgm:prSet/>
+      <dgm:spPr/>
+      <dgm:t>
+        <a:bodyPr/>
+        <a:lstStyle/>
+        <a:p>
+          <a:endParaRPr lang="es-MX"/>
+        </a:p>
+      </dgm:t>
+    </dgm:pt>
+    <dgm:pt modelId="{3087C8D4-B06F-2B4D-9080-36AD9D74ECD5}" type="sibTrans" cxnId="{410B9969-78CE-F44B-BDC3-9864D86A02F4}">
+      <dgm:prSet/>
+      <dgm:spPr/>
+      <dgm:t>
+        <a:bodyPr/>
+        <a:lstStyle/>
+        <a:p>
+          <a:endParaRPr lang="es-MX"/>
+        </a:p>
+      </dgm:t>
+    </dgm:pt>
+    <dgm:pt modelId="{1E355139-E17D-D643-8526-474AF5BC3A59}">
+      <dgm:prSet/>
+      <dgm:spPr>
+        <a:solidFill>
+          <a:schemeClr val="accent1">
+            <a:lumMod val="60000"/>
+            <a:lumOff val="40000"/>
+          </a:schemeClr>
+        </a:solidFill>
+      </dgm:spPr>
+      <dgm:t>
+        <a:bodyPr/>
+        <a:lstStyle/>
+        <a:p>
+          <a:r>
+            <a:rPr lang="es-MX" dirty="0"/>
+            <a:t>Operación</a:t>
+          </a:r>
+        </a:p>
+      </dgm:t>
+    </dgm:pt>
+    <dgm:pt modelId="{6D9E25DD-1DC7-2745-A6C9-7345A4567552}" type="parTrans" cxnId="{7CA8BD19-D181-1D43-8831-44CB7016C0D1}">
+      <dgm:prSet/>
+      <dgm:spPr/>
+      <dgm:t>
+        <a:bodyPr/>
+        <a:lstStyle/>
+        <a:p>
+          <a:endParaRPr lang="es-MX"/>
+        </a:p>
+      </dgm:t>
+    </dgm:pt>
+    <dgm:pt modelId="{5B744D23-F1BB-344E-ABC2-6D9087E8D667}" type="sibTrans" cxnId="{7CA8BD19-D181-1D43-8831-44CB7016C0D1}">
+      <dgm:prSet/>
+      <dgm:spPr/>
+      <dgm:t>
+        <a:bodyPr/>
+        <a:lstStyle/>
+        <a:p>
+          <a:endParaRPr lang="es-MX"/>
+        </a:p>
+      </dgm:t>
+    </dgm:pt>
+    <dgm:pt modelId="{404D18DB-E23C-8E46-BD7D-C5B9B2E9F4E2}">
+      <dgm:prSet/>
+      <dgm:spPr>
+        <a:solidFill>
+          <a:schemeClr val="accent1">
+            <a:lumMod val="75000"/>
+          </a:schemeClr>
+        </a:solidFill>
+      </dgm:spPr>
+      <dgm:t>
+        <a:bodyPr/>
+        <a:lstStyle/>
+        <a:p>
+          <a:r>
+            <a:rPr lang="es-MX" dirty="0"/>
+            <a:t>Monitoreo</a:t>
+          </a:r>
+        </a:p>
+      </dgm:t>
+    </dgm:pt>
+    <dgm:pt modelId="{43E19FC0-4E4A-5F4B-9A01-1FAF07400636}" type="parTrans" cxnId="{1530DF2F-1E85-7147-8037-BCBC04110273}">
+      <dgm:prSet/>
+      <dgm:spPr/>
+      <dgm:t>
+        <a:bodyPr/>
+        <a:lstStyle/>
+        <a:p>
+          <a:endParaRPr lang="es-MX"/>
+        </a:p>
+      </dgm:t>
+    </dgm:pt>
+    <dgm:pt modelId="{7F7999EB-DFBD-5F4C-B988-93409EA43C6F}" type="sibTrans" cxnId="{1530DF2F-1E85-7147-8037-BCBC04110273}">
+      <dgm:prSet/>
+      <dgm:spPr/>
+      <dgm:t>
+        <a:bodyPr/>
+        <a:lstStyle/>
+        <a:p>
+          <a:endParaRPr lang="es-MX"/>
+        </a:p>
+      </dgm:t>
+    </dgm:pt>
+    <dgm:pt modelId="{FFD3AF24-85CD-D643-BEBD-1151F3631FB5}" type="pres">
+      <dgm:prSet presAssocID="{1D26773A-8EBB-5B4A-9059-FB8C41A56393}" presName="cycle" presStyleCnt="0">
+        <dgm:presLayoutVars>
+          <dgm:dir/>
+          <dgm:resizeHandles val="exact"/>
+        </dgm:presLayoutVars>
+      </dgm:prSet>
+      <dgm:spPr/>
+    </dgm:pt>
+    <dgm:pt modelId="{7A385CF5-4635-2249-A7D0-F3E0AB01C3F2}" type="pres">
+      <dgm:prSet presAssocID="{7422B817-005B-D64C-AB15-95E839BBE68B}" presName="dummy" presStyleCnt="0"/>
+      <dgm:spPr/>
+    </dgm:pt>
+    <dgm:pt modelId="{6F2BE029-3F0E-AA40-8A64-47FC8E6A58D7}" type="pres">
+      <dgm:prSet presAssocID="{7422B817-005B-D64C-AB15-95E839BBE68B}" presName="node" presStyleLbl="revTx" presStyleIdx="0" presStyleCnt="8">
+        <dgm:presLayoutVars>
+          <dgm:bulletEnabled val="1"/>
+        </dgm:presLayoutVars>
+      </dgm:prSet>
+      <dgm:spPr/>
+    </dgm:pt>
+    <dgm:pt modelId="{59FBCC2C-7115-1940-96E0-740D04EEB75B}" type="pres">
+      <dgm:prSet presAssocID="{2237A4D2-25AC-0746-9672-4D87620CA375}" presName="sibTrans" presStyleLbl="node1" presStyleIdx="0" presStyleCnt="8"/>
+      <dgm:spPr/>
+    </dgm:pt>
+    <dgm:pt modelId="{7FBCD313-37CD-0346-A67A-E3F47DC8D4EF}" type="pres">
+      <dgm:prSet presAssocID="{9998E93D-CF3A-0D47-BCFC-993EC4BC6308}" presName="dummy" presStyleCnt="0"/>
+      <dgm:spPr/>
+    </dgm:pt>
+    <dgm:pt modelId="{5CE1E758-D02F-3748-B79A-A17266060B8A}" type="pres">
+      <dgm:prSet presAssocID="{9998E93D-CF3A-0D47-BCFC-993EC4BC6308}" presName="node" presStyleLbl="revTx" presStyleIdx="1" presStyleCnt="8">
+        <dgm:presLayoutVars>
+          <dgm:bulletEnabled val="1"/>
+        </dgm:presLayoutVars>
+      </dgm:prSet>
+      <dgm:spPr/>
+    </dgm:pt>
+    <dgm:pt modelId="{56111384-E928-DD4D-996A-CAA3B153D94A}" type="pres">
+      <dgm:prSet presAssocID="{7AC601E2-B451-8B43-ABE7-1B9A056F564C}" presName="sibTrans" presStyleLbl="node1" presStyleIdx="1" presStyleCnt="8"/>
+      <dgm:spPr/>
+    </dgm:pt>
+    <dgm:pt modelId="{DAFB1950-B1EA-804C-95A6-9A8735CA27A0}" type="pres">
+      <dgm:prSet presAssocID="{A259826A-C01F-054B-B86E-C6B73C96D128}" presName="dummy" presStyleCnt="0"/>
+      <dgm:spPr/>
+    </dgm:pt>
+    <dgm:pt modelId="{FBEA552C-2FB2-3545-93F5-163D707C8D28}" type="pres">
+      <dgm:prSet presAssocID="{A259826A-C01F-054B-B86E-C6B73C96D128}" presName="node" presStyleLbl="revTx" presStyleIdx="2" presStyleCnt="8">
+        <dgm:presLayoutVars>
+          <dgm:bulletEnabled val="1"/>
+        </dgm:presLayoutVars>
+      </dgm:prSet>
+      <dgm:spPr/>
+    </dgm:pt>
+    <dgm:pt modelId="{1F70416F-6B74-3148-A56A-9B48382373B4}" type="pres">
+      <dgm:prSet presAssocID="{D319552B-176E-1744-AB9B-B6C6E9B74A7A}" presName="sibTrans" presStyleLbl="node1" presStyleIdx="2" presStyleCnt="8"/>
+      <dgm:spPr/>
+    </dgm:pt>
+    <dgm:pt modelId="{03D051D0-CCCF-4A4B-B6C9-631940D16F8E}" type="pres">
+      <dgm:prSet presAssocID="{A44682E8-70B4-A342-916F-E6EDE2EE1942}" presName="dummy" presStyleCnt="0"/>
+      <dgm:spPr/>
+    </dgm:pt>
+    <dgm:pt modelId="{F555A510-35CC-F34C-AE3F-ED6ED1FFF545}" type="pres">
+      <dgm:prSet presAssocID="{A44682E8-70B4-A342-916F-E6EDE2EE1942}" presName="node" presStyleLbl="revTx" presStyleIdx="3" presStyleCnt="8">
+        <dgm:presLayoutVars>
+          <dgm:bulletEnabled val="1"/>
+        </dgm:presLayoutVars>
+      </dgm:prSet>
+      <dgm:spPr/>
+    </dgm:pt>
+    <dgm:pt modelId="{3B3A8A4E-30AA-554C-908F-7DB1F0E79A9C}" type="pres">
+      <dgm:prSet presAssocID="{0EE313ED-2100-FC4F-A739-EAF08E9A269F}" presName="sibTrans" presStyleLbl="node1" presStyleIdx="3" presStyleCnt="8"/>
+      <dgm:spPr/>
+    </dgm:pt>
+    <dgm:pt modelId="{E14E5F5F-681E-3741-AD44-E714BA16E666}" type="pres">
+      <dgm:prSet presAssocID="{4E40399F-6BDE-554A-8DEC-CDF8C22373A3}" presName="dummy" presStyleCnt="0"/>
+      <dgm:spPr/>
+    </dgm:pt>
+    <dgm:pt modelId="{BA711818-CA63-8F4C-A5D6-B46F271E91A2}" type="pres">
+      <dgm:prSet presAssocID="{4E40399F-6BDE-554A-8DEC-CDF8C22373A3}" presName="node" presStyleLbl="revTx" presStyleIdx="4" presStyleCnt="8">
+        <dgm:presLayoutVars>
+          <dgm:bulletEnabled val="1"/>
+        </dgm:presLayoutVars>
+      </dgm:prSet>
+      <dgm:spPr/>
+    </dgm:pt>
+    <dgm:pt modelId="{AAA7C9CF-B8F7-6B44-91DD-B9A566595B2E}" type="pres">
+      <dgm:prSet presAssocID="{3B62ABDC-5314-014A-98B0-885CE7A9359F}" presName="sibTrans" presStyleLbl="node1" presStyleIdx="4" presStyleCnt="8"/>
+      <dgm:spPr/>
+    </dgm:pt>
+    <dgm:pt modelId="{9099FB61-FA8D-5B4C-BE5B-422603DEC248}" type="pres">
+      <dgm:prSet presAssocID="{10BB11CC-7E52-0E47-BF47-4564CF46A43F}" presName="dummy" presStyleCnt="0"/>
+      <dgm:spPr/>
+    </dgm:pt>
+    <dgm:pt modelId="{CC11B02C-24FF-694E-ADCE-EC988BEBF132}" type="pres">
+      <dgm:prSet presAssocID="{10BB11CC-7E52-0E47-BF47-4564CF46A43F}" presName="node" presStyleLbl="revTx" presStyleIdx="5" presStyleCnt="8">
+        <dgm:presLayoutVars>
+          <dgm:bulletEnabled val="1"/>
+        </dgm:presLayoutVars>
+      </dgm:prSet>
+      <dgm:spPr/>
+    </dgm:pt>
+    <dgm:pt modelId="{D71B8427-83DA-4F4C-A607-06015F2E15BA}" type="pres">
+      <dgm:prSet presAssocID="{3087C8D4-B06F-2B4D-9080-36AD9D74ECD5}" presName="sibTrans" presStyleLbl="node1" presStyleIdx="5" presStyleCnt="8"/>
+      <dgm:spPr/>
+    </dgm:pt>
+    <dgm:pt modelId="{62F6B7F4-9505-814D-ACDE-D05E302E271F}" type="pres">
+      <dgm:prSet presAssocID="{1E355139-E17D-D643-8526-474AF5BC3A59}" presName="dummy" presStyleCnt="0"/>
+      <dgm:spPr/>
+    </dgm:pt>
+    <dgm:pt modelId="{330AD81B-A02E-3C4B-802D-24CAE893CE56}" type="pres">
+      <dgm:prSet presAssocID="{1E355139-E17D-D643-8526-474AF5BC3A59}" presName="node" presStyleLbl="revTx" presStyleIdx="6" presStyleCnt="8">
+        <dgm:presLayoutVars>
+          <dgm:bulletEnabled val="1"/>
+        </dgm:presLayoutVars>
+      </dgm:prSet>
+      <dgm:spPr/>
+    </dgm:pt>
+    <dgm:pt modelId="{CA63B60C-93D2-064D-9DAB-D081AE26CCB4}" type="pres">
+      <dgm:prSet presAssocID="{5B744D23-F1BB-344E-ABC2-6D9087E8D667}" presName="sibTrans" presStyleLbl="node1" presStyleIdx="6" presStyleCnt="8"/>
+      <dgm:spPr/>
+    </dgm:pt>
+    <dgm:pt modelId="{AB85CD83-7976-7041-B21D-74E8BC922AFF}" type="pres">
+      <dgm:prSet presAssocID="{404D18DB-E23C-8E46-BD7D-C5B9B2E9F4E2}" presName="dummy" presStyleCnt="0"/>
+      <dgm:spPr/>
+    </dgm:pt>
+    <dgm:pt modelId="{8193E53C-9DCB-E741-8E11-92524FD72C6B}" type="pres">
+      <dgm:prSet presAssocID="{404D18DB-E23C-8E46-BD7D-C5B9B2E9F4E2}" presName="node" presStyleLbl="revTx" presStyleIdx="7" presStyleCnt="8">
+        <dgm:presLayoutVars>
+          <dgm:bulletEnabled val="1"/>
+        </dgm:presLayoutVars>
+      </dgm:prSet>
+      <dgm:spPr/>
+    </dgm:pt>
+    <dgm:pt modelId="{A0AFF8A4-7721-4E49-8355-BB6A0EACABC5}" type="pres">
+      <dgm:prSet presAssocID="{7F7999EB-DFBD-5F4C-B988-93409EA43C6F}" presName="sibTrans" presStyleLbl="node1" presStyleIdx="7" presStyleCnt="8"/>
+      <dgm:spPr/>
+    </dgm:pt>
+  </dgm:ptLst>
+  <dgm:cxnLst>
+    <dgm:cxn modelId="{4FDAE416-1103-B94C-B390-E88D1EE30751}" type="presOf" srcId="{404D18DB-E23C-8E46-BD7D-C5B9B2E9F4E2}" destId="{8193E53C-9DCB-E741-8E11-92524FD72C6B}" srcOrd="0" destOrd="0" presId="urn:microsoft.com/office/officeart/2005/8/layout/cycle1"/>
+    <dgm:cxn modelId="{7CA8BD19-D181-1D43-8831-44CB7016C0D1}" srcId="{1D26773A-8EBB-5B4A-9059-FB8C41A56393}" destId="{1E355139-E17D-D643-8526-474AF5BC3A59}" srcOrd="6" destOrd="0" parTransId="{6D9E25DD-1DC7-2745-A6C9-7345A4567552}" sibTransId="{5B744D23-F1BB-344E-ABC2-6D9087E8D667}"/>
+    <dgm:cxn modelId="{C0996F2A-B6AE-8046-A78E-301BC201FAE7}" type="presOf" srcId="{7AC601E2-B451-8B43-ABE7-1B9A056F564C}" destId="{56111384-E928-DD4D-996A-CAA3B153D94A}" srcOrd="0" destOrd="0" presId="urn:microsoft.com/office/officeart/2005/8/layout/cycle1"/>
+    <dgm:cxn modelId="{1530DF2F-1E85-7147-8037-BCBC04110273}" srcId="{1D26773A-8EBB-5B4A-9059-FB8C41A56393}" destId="{404D18DB-E23C-8E46-BD7D-C5B9B2E9F4E2}" srcOrd="7" destOrd="0" parTransId="{43E19FC0-4E4A-5F4B-9A01-1FAF07400636}" sibTransId="{7F7999EB-DFBD-5F4C-B988-93409EA43C6F}"/>
+    <dgm:cxn modelId="{9B403232-8526-384A-9023-7BE701179B7C}" type="presOf" srcId="{3B62ABDC-5314-014A-98B0-885CE7A9359F}" destId="{AAA7C9CF-B8F7-6B44-91DD-B9A566595B2E}" srcOrd="0" destOrd="0" presId="urn:microsoft.com/office/officeart/2005/8/layout/cycle1"/>
+    <dgm:cxn modelId="{2E6B4667-F8CA-3549-9817-60037AE8AFBC}" type="presOf" srcId="{5B744D23-F1BB-344E-ABC2-6D9087E8D667}" destId="{CA63B60C-93D2-064D-9DAB-D081AE26CCB4}" srcOrd="0" destOrd="0" presId="urn:microsoft.com/office/officeart/2005/8/layout/cycle1"/>
+    <dgm:cxn modelId="{04B1E067-6522-A443-8652-F5793C525B59}" type="presOf" srcId="{A259826A-C01F-054B-B86E-C6B73C96D128}" destId="{FBEA552C-2FB2-3545-93F5-163D707C8D28}" srcOrd="0" destOrd="0" presId="urn:microsoft.com/office/officeart/2005/8/layout/cycle1"/>
+    <dgm:cxn modelId="{410B9969-78CE-F44B-BDC3-9864D86A02F4}" srcId="{1D26773A-8EBB-5B4A-9059-FB8C41A56393}" destId="{10BB11CC-7E52-0E47-BF47-4564CF46A43F}" srcOrd="5" destOrd="0" parTransId="{616C4A27-421F-0744-A475-0A1D34F02D80}" sibTransId="{3087C8D4-B06F-2B4D-9080-36AD9D74ECD5}"/>
+    <dgm:cxn modelId="{2BCB6671-520B-3C42-ABB9-A5C9A64C9009}" type="presOf" srcId="{1D26773A-8EBB-5B4A-9059-FB8C41A56393}" destId="{FFD3AF24-85CD-D643-BEBD-1151F3631FB5}" srcOrd="0" destOrd="0" presId="urn:microsoft.com/office/officeart/2005/8/layout/cycle1"/>
+    <dgm:cxn modelId="{6FECFE77-3449-9243-8AE2-F6E7CEB0F766}" srcId="{1D26773A-8EBB-5B4A-9059-FB8C41A56393}" destId="{9998E93D-CF3A-0D47-BCFC-993EC4BC6308}" srcOrd="1" destOrd="0" parTransId="{A99E8A5A-00E9-AF4A-B251-07992CA03087}" sibTransId="{7AC601E2-B451-8B43-ABE7-1B9A056F564C}"/>
+    <dgm:cxn modelId="{AD8A0E83-6DFD-D343-8DC0-99CC3ECC6BE1}" type="presOf" srcId="{10BB11CC-7E52-0E47-BF47-4564CF46A43F}" destId="{CC11B02C-24FF-694E-ADCE-EC988BEBF132}" srcOrd="0" destOrd="0" presId="urn:microsoft.com/office/officeart/2005/8/layout/cycle1"/>
+    <dgm:cxn modelId="{E3B0D484-691C-B64F-831F-267D688CB64C}" type="presOf" srcId="{3087C8D4-B06F-2B4D-9080-36AD9D74ECD5}" destId="{D71B8427-83DA-4F4C-A607-06015F2E15BA}" srcOrd="0" destOrd="0" presId="urn:microsoft.com/office/officeart/2005/8/layout/cycle1"/>
+    <dgm:cxn modelId="{78951E95-81EF-DF4A-82CA-0465113D86E6}" srcId="{1D26773A-8EBB-5B4A-9059-FB8C41A56393}" destId="{A259826A-C01F-054B-B86E-C6B73C96D128}" srcOrd="2" destOrd="0" parTransId="{DFD6664D-062F-9F48-B1BC-6B71B5ABF82C}" sibTransId="{D319552B-176E-1744-AB9B-B6C6E9B74A7A}"/>
+    <dgm:cxn modelId="{9172E399-EFCA-5347-A7BD-B7C709FCD702}" type="presOf" srcId="{1E355139-E17D-D643-8526-474AF5BC3A59}" destId="{330AD81B-A02E-3C4B-802D-24CAE893CE56}" srcOrd="0" destOrd="0" presId="urn:microsoft.com/office/officeart/2005/8/layout/cycle1"/>
+    <dgm:cxn modelId="{F4D431A0-2FBC-B946-A608-E2F4DDBDF81C}" type="presOf" srcId="{7F7999EB-DFBD-5F4C-B988-93409EA43C6F}" destId="{A0AFF8A4-7721-4E49-8355-BB6A0EACABC5}" srcOrd="0" destOrd="0" presId="urn:microsoft.com/office/officeart/2005/8/layout/cycle1"/>
+    <dgm:cxn modelId="{2E5D4DB2-C4B9-5246-8942-6EC1861B308A}" type="presOf" srcId="{2237A4D2-25AC-0746-9672-4D87620CA375}" destId="{59FBCC2C-7115-1940-96E0-740D04EEB75B}" srcOrd="0" destOrd="0" presId="urn:microsoft.com/office/officeart/2005/8/layout/cycle1"/>
+    <dgm:cxn modelId="{A5C959BC-C433-2243-8005-3B783D0A389D}" type="presOf" srcId="{0EE313ED-2100-FC4F-A739-EAF08E9A269F}" destId="{3B3A8A4E-30AA-554C-908F-7DB1F0E79A9C}" srcOrd="0" destOrd="0" presId="urn:microsoft.com/office/officeart/2005/8/layout/cycle1"/>
+    <dgm:cxn modelId="{FAE739C3-5171-2F42-A4CA-E45AA9B4779D}" type="presOf" srcId="{7422B817-005B-D64C-AB15-95E839BBE68B}" destId="{6F2BE029-3F0E-AA40-8A64-47FC8E6A58D7}" srcOrd="0" destOrd="0" presId="urn:microsoft.com/office/officeart/2005/8/layout/cycle1"/>
+    <dgm:cxn modelId="{D9F875C8-110A-864E-92AA-851D7586C2D8}" type="presOf" srcId="{A44682E8-70B4-A342-916F-E6EDE2EE1942}" destId="{F555A510-35CC-F34C-AE3F-ED6ED1FFF545}" srcOrd="0" destOrd="0" presId="urn:microsoft.com/office/officeart/2005/8/layout/cycle1"/>
+    <dgm:cxn modelId="{F52BF9D5-CC10-8C4C-A75D-EAB28E33870B}" srcId="{1D26773A-8EBB-5B4A-9059-FB8C41A56393}" destId="{7422B817-005B-D64C-AB15-95E839BBE68B}" srcOrd="0" destOrd="0" parTransId="{9D1F67FE-E286-A744-B277-509F5ADC972F}" sibTransId="{2237A4D2-25AC-0746-9672-4D87620CA375}"/>
+    <dgm:cxn modelId="{2CD664DF-C756-7048-B92D-4563CCC9FC66}" type="presOf" srcId="{D319552B-176E-1744-AB9B-B6C6E9B74A7A}" destId="{1F70416F-6B74-3148-A56A-9B48382373B4}" srcOrd="0" destOrd="0" presId="urn:microsoft.com/office/officeart/2005/8/layout/cycle1"/>
+    <dgm:cxn modelId="{F8F06FE9-76F3-D548-BD28-66C4CA67EBF3}" type="presOf" srcId="{9998E93D-CF3A-0D47-BCFC-993EC4BC6308}" destId="{5CE1E758-D02F-3748-B79A-A17266060B8A}" srcOrd="0" destOrd="0" presId="urn:microsoft.com/office/officeart/2005/8/layout/cycle1"/>
+    <dgm:cxn modelId="{3EBB4FF2-252D-5B45-AF5B-3F43D9F9BC73}" srcId="{1D26773A-8EBB-5B4A-9059-FB8C41A56393}" destId="{4E40399F-6BDE-554A-8DEC-CDF8C22373A3}" srcOrd="4" destOrd="0" parTransId="{3C8104DA-FCAD-1242-9EC6-38EA855C60D3}" sibTransId="{3B62ABDC-5314-014A-98B0-885CE7A9359F}"/>
+    <dgm:cxn modelId="{29620BF9-E748-6B41-9B32-4BC7F6A864D4}" type="presOf" srcId="{4E40399F-6BDE-554A-8DEC-CDF8C22373A3}" destId="{BA711818-CA63-8F4C-A5D6-B46F271E91A2}" srcOrd="0" destOrd="0" presId="urn:microsoft.com/office/officeart/2005/8/layout/cycle1"/>
+    <dgm:cxn modelId="{3C6BD8F9-90E8-E148-BE38-DBE0B4E2E7F6}" srcId="{1D26773A-8EBB-5B4A-9059-FB8C41A56393}" destId="{A44682E8-70B4-A342-916F-E6EDE2EE1942}" srcOrd="3" destOrd="0" parTransId="{24468068-2EEE-2D43-91E1-DE5728066B69}" sibTransId="{0EE313ED-2100-FC4F-A739-EAF08E9A269F}"/>
+    <dgm:cxn modelId="{F4A2E81E-D8BC-ED42-8086-77777D22B5C2}" type="presParOf" srcId="{FFD3AF24-85CD-D643-BEBD-1151F3631FB5}" destId="{7A385CF5-4635-2249-A7D0-F3E0AB01C3F2}" srcOrd="0" destOrd="0" presId="urn:microsoft.com/office/officeart/2005/8/layout/cycle1"/>
+    <dgm:cxn modelId="{778FA88B-6080-7D47-8BE4-B9EDFBC1EAD9}" type="presParOf" srcId="{FFD3AF24-85CD-D643-BEBD-1151F3631FB5}" destId="{6F2BE029-3F0E-AA40-8A64-47FC8E6A58D7}" srcOrd="1" destOrd="0" presId="urn:microsoft.com/office/officeart/2005/8/layout/cycle1"/>
+    <dgm:cxn modelId="{34B7B70E-70ED-AE4A-9008-F4F065F2C2C5}" type="presParOf" srcId="{FFD3AF24-85CD-D643-BEBD-1151F3631FB5}" destId="{59FBCC2C-7115-1940-96E0-740D04EEB75B}" srcOrd="2" destOrd="0" presId="urn:microsoft.com/office/officeart/2005/8/layout/cycle1"/>
+    <dgm:cxn modelId="{E88DDEFB-3D4A-314A-A107-FAFC7132787C}" type="presParOf" srcId="{FFD3AF24-85CD-D643-BEBD-1151F3631FB5}" destId="{7FBCD313-37CD-0346-A67A-E3F47DC8D4EF}" srcOrd="3" destOrd="0" presId="urn:microsoft.com/office/officeart/2005/8/layout/cycle1"/>
+    <dgm:cxn modelId="{BEEA7E8A-7BB2-F242-8D02-F5133CDB2F71}" type="presParOf" srcId="{FFD3AF24-85CD-D643-BEBD-1151F3631FB5}" destId="{5CE1E758-D02F-3748-B79A-A17266060B8A}" srcOrd="4" destOrd="0" presId="urn:microsoft.com/office/officeart/2005/8/layout/cycle1"/>
+    <dgm:cxn modelId="{A5C54418-A10B-FE4C-BBC6-BDA3B1CAC0AD}" type="presParOf" srcId="{FFD3AF24-85CD-D643-BEBD-1151F3631FB5}" destId="{56111384-E928-DD4D-996A-CAA3B153D94A}" srcOrd="5" destOrd="0" presId="urn:microsoft.com/office/officeart/2005/8/layout/cycle1"/>
+    <dgm:cxn modelId="{915FE3B3-BC84-4E4F-B267-778990CC3AA5}" type="presParOf" srcId="{FFD3AF24-85CD-D643-BEBD-1151F3631FB5}" destId="{DAFB1950-B1EA-804C-95A6-9A8735CA27A0}" srcOrd="6" destOrd="0" presId="urn:microsoft.com/office/officeart/2005/8/layout/cycle1"/>
+    <dgm:cxn modelId="{87FE7D3B-E958-DC4B-B31C-7F4919642884}" type="presParOf" srcId="{FFD3AF24-85CD-D643-BEBD-1151F3631FB5}" destId="{FBEA552C-2FB2-3545-93F5-163D707C8D28}" srcOrd="7" destOrd="0" presId="urn:microsoft.com/office/officeart/2005/8/layout/cycle1"/>
+    <dgm:cxn modelId="{20D850A0-39F6-6241-B2C7-48A1D9050FA1}" type="presParOf" srcId="{FFD3AF24-85CD-D643-BEBD-1151F3631FB5}" destId="{1F70416F-6B74-3148-A56A-9B48382373B4}" srcOrd="8" destOrd="0" presId="urn:microsoft.com/office/officeart/2005/8/layout/cycle1"/>
+    <dgm:cxn modelId="{39BD88CD-2157-054C-B14B-0FB3666A6B7A}" type="presParOf" srcId="{FFD3AF24-85CD-D643-BEBD-1151F3631FB5}" destId="{03D051D0-CCCF-4A4B-B6C9-631940D16F8E}" srcOrd="9" destOrd="0" presId="urn:microsoft.com/office/officeart/2005/8/layout/cycle1"/>
+    <dgm:cxn modelId="{829B121B-495F-B847-AA49-A9DAF282FBD4}" type="presParOf" srcId="{FFD3AF24-85CD-D643-BEBD-1151F3631FB5}" destId="{F555A510-35CC-F34C-AE3F-ED6ED1FFF545}" srcOrd="10" destOrd="0" presId="urn:microsoft.com/office/officeart/2005/8/layout/cycle1"/>
+    <dgm:cxn modelId="{3609A60D-42D7-AD4B-946A-3E4A9BDF3A06}" type="presParOf" srcId="{FFD3AF24-85CD-D643-BEBD-1151F3631FB5}" destId="{3B3A8A4E-30AA-554C-908F-7DB1F0E79A9C}" srcOrd="11" destOrd="0" presId="urn:microsoft.com/office/officeart/2005/8/layout/cycle1"/>
+    <dgm:cxn modelId="{397C5ECD-FABF-E54A-ADF8-3A20CE0BF7E0}" type="presParOf" srcId="{FFD3AF24-85CD-D643-BEBD-1151F3631FB5}" destId="{E14E5F5F-681E-3741-AD44-E714BA16E666}" srcOrd="12" destOrd="0" presId="urn:microsoft.com/office/officeart/2005/8/layout/cycle1"/>
+    <dgm:cxn modelId="{089637BB-35BC-D746-9F14-A161ADF97D70}" type="presParOf" srcId="{FFD3AF24-85CD-D643-BEBD-1151F3631FB5}" destId="{BA711818-CA63-8F4C-A5D6-B46F271E91A2}" srcOrd="13" destOrd="0" presId="urn:microsoft.com/office/officeart/2005/8/layout/cycle1"/>
+    <dgm:cxn modelId="{9AFDB801-125E-BB46-9720-F62B22F33F24}" type="presParOf" srcId="{FFD3AF24-85CD-D643-BEBD-1151F3631FB5}" destId="{AAA7C9CF-B8F7-6B44-91DD-B9A566595B2E}" srcOrd="14" destOrd="0" presId="urn:microsoft.com/office/officeart/2005/8/layout/cycle1"/>
+    <dgm:cxn modelId="{9CC2332E-C20C-EE43-BE3B-5AF548F90647}" type="presParOf" srcId="{FFD3AF24-85CD-D643-BEBD-1151F3631FB5}" destId="{9099FB61-FA8D-5B4C-BE5B-422603DEC248}" srcOrd="15" destOrd="0" presId="urn:microsoft.com/office/officeart/2005/8/layout/cycle1"/>
+    <dgm:cxn modelId="{C17720AF-BA80-7D45-BFF3-47D0EB4BB674}" type="presParOf" srcId="{FFD3AF24-85CD-D643-BEBD-1151F3631FB5}" destId="{CC11B02C-24FF-694E-ADCE-EC988BEBF132}" srcOrd="16" destOrd="0" presId="urn:microsoft.com/office/officeart/2005/8/layout/cycle1"/>
+    <dgm:cxn modelId="{5A1F3663-F05D-6D4A-A645-BF4C05EA6754}" type="presParOf" srcId="{FFD3AF24-85CD-D643-BEBD-1151F3631FB5}" destId="{D71B8427-83DA-4F4C-A607-06015F2E15BA}" srcOrd="17" destOrd="0" presId="urn:microsoft.com/office/officeart/2005/8/layout/cycle1"/>
+    <dgm:cxn modelId="{D98F1D19-0117-CB42-98E8-FB8F9E533AF4}" type="presParOf" srcId="{FFD3AF24-85CD-D643-BEBD-1151F3631FB5}" destId="{62F6B7F4-9505-814D-ACDE-D05E302E271F}" srcOrd="18" destOrd="0" presId="urn:microsoft.com/office/officeart/2005/8/layout/cycle1"/>
+    <dgm:cxn modelId="{36EF8D34-7FCB-5E40-9BB6-F03523F5B9BC}" type="presParOf" srcId="{FFD3AF24-85CD-D643-BEBD-1151F3631FB5}" destId="{330AD81B-A02E-3C4B-802D-24CAE893CE56}" srcOrd="19" destOrd="0" presId="urn:microsoft.com/office/officeart/2005/8/layout/cycle1"/>
+    <dgm:cxn modelId="{C5BB6459-9651-E848-9B47-28D96B5426D1}" type="presParOf" srcId="{FFD3AF24-85CD-D643-BEBD-1151F3631FB5}" destId="{CA63B60C-93D2-064D-9DAB-D081AE26CCB4}" srcOrd="20" destOrd="0" presId="urn:microsoft.com/office/officeart/2005/8/layout/cycle1"/>
+    <dgm:cxn modelId="{1C5B8BF1-E68C-E149-AABB-FFADC611BCE2}" type="presParOf" srcId="{FFD3AF24-85CD-D643-BEBD-1151F3631FB5}" destId="{AB85CD83-7976-7041-B21D-74E8BC922AFF}" srcOrd="21" destOrd="0" presId="urn:microsoft.com/office/officeart/2005/8/layout/cycle1"/>
+    <dgm:cxn modelId="{F9398460-3517-DF4E-9461-D538F46025C5}" type="presParOf" srcId="{FFD3AF24-85CD-D643-BEBD-1151F3631FB5}" destId="{8193E53C-9DCB-E741-8E11-92524FD72C6B}" srcOrd="22" destOrd="0" presId="urn:microsoft.com/office/officeart/2005/8/layout/cycle1"/>
+    <dgm:cxn modelId="{0C9A8DCC-CD0E-5742-A255-7AD71E4B334D}" type="presParOf" srcId="{FFD3AF24-85CD-D643-BEBD-1151F3631FB5}" destId="{A0AFF8A4-7721-4E49-8355-BB6A0EACABC5}" srcOrd="23" destOrd="0" presId="urn:microsoft.com/office/officeart/2005/8/layout/cycle1"/>
   </dgm:cxnLst>
   <dgm:bg/>
   <dgm:whole/>
@@ -3549,13 +4856,985 @@
             </a:spcAft>
             <a:buNone/>
           </a:pPr>
-          <a:endParaRPr lang="es-MX" sz="1100" kern="1200" dirty="0"/>
+          <a:r>
+            <a:rPr lang="es-MX" sz="1100" kern="1200" dirty="0"/>
+            <a:t>Se debe facilitar y agilizar a los equipos de desarrollo con herramientas que permitan automatizar tareas</a:t>
+          </a:r>
         </a:p>
       </dsp:txBody>
       <dsp:txXfrm>
         <a:off x="1645054" y="1277792"/>
         <a:ext cx="1594315" cy="1099373"/>
       </dsp:txXfrm>
+    </dsp:sp>
+  </dsp:spTree>
+</dsp:drawing>
+</file>
+
+<file path=ppt/diagrams/drawing3.xml><?xml version="1.0" encoding="utf-8"?>
+<dsp:drawing xmlns:dgm="http://schemas.openxmlformats.org/drawingml/2006/diagram" xmlns:dsp="http://schemas.microsoft.com/office/drawing/2008/diagram" xmlns:a="http://schemas.openxmlformats.org/drawingml/2006/main">
+  <dsp:spTree>
+    <dsp:nvGrpSpPr>
+      <dsp:cNvPr id="0" name=""/>
+      <dsp:cNvGrpSpPr/>
+    </dsp:nvGrpSpPr>
+    <dsp:grpSpPr/>
+    <dsp:sp modelId="{6F2BE029-3F0E-AA40-8A64-47FC8E6A58D7}">
+      <dsp:nvSpPr>
+        <dsp:cNvPr id="0" name=""/>
+        <dsp:cNvSpPr/>
+      </dsp:nvSpPr>
+      <dsp:spPr>
+        <a:xfrm>
+          <a:off x="3294290" y="1373"/>
+          <a:ext cx="830171" cy="830171"/>
+        </a:xfrm>
+        <a:prstGeom prst="rect">
+          <a:avLst/>
+        </a:prstGeom>
+        <a:solidFill>
+          <a:schemeClr val="accent6">
+            <a:lumMod val="20000"/>
+            <a:lumOff val="80000"/>
+          </a:schemeClr>
+        </a:solidFill>
+        <a:ln>
+          <a:noFill/>
+        </a:ln>
+        <a:effectLst/>
+      </dsp:spPr>
+      <dsp:style>
+        <a:lnRef idx="0">
+          <a:scrgbClr r="0" g="0" b="0"/>
+        </a:lnRef>
+        <a:fillRef idx="0">
+          <a:scrgbClr r="0" g="0" b="0"/>
+        </a:fillRef>
+        <a:effectRef idx="0">
+          <a:scrgbClr r="0" g="0" b="0"/>
+        </a:effectRef>
+        <a:fontRef idx="minor"/>
+      </dsp:style>
+      <dsp:txBody>
+        <a:bodyPr spcFirstLastPara="0" vert="horz" wrap="square" lIns="11430" tIns="11430" rIns="11430" bIns="11430" numCol="1" spcCol="1270" anchor="ctr" anchorCtr="0">
+          <a:noAutofit/>
+        </a:bodyPr>
+        <a:lstStyle/>
+        <a:p>
+          <a:pPr marL="0" lvl="0" indent="0" algn="ctr" defTabSz="400050">
+            <a:lnSpc>
+              <a:spcPct val="90000"/>
+            </a:lnSpc>
+            <a:spcBef>
+              <a:spcPct val="0"/>
+            </a:spcBef>
+            <a:spcAft>
+              <a:spcPct val="35000"/>
+            </a:spcAft>
+            <a:buNone/>
+          </a:pPr>
+          <a:r>
+            <a:rPr lang="es-MX" sz="900" kern="1200" dirty="0"/>
+            <a:t>Planificación</a:t>
+          </a:r>
+        </a:p>
+      </dsp:txBody>
+      <dsp:txXfrm>
+        <a:off x="3294290" y="1373"/>
+        <a:ext cx="830171" cy="830171"/>
+      </dsp:txXfrm>
+    </dsp:sp>
+    <dsp:sp modelId="{59FBCC2C-7115-1940-96E0-740D04EEB75B}">
+      <dsp:nvSpPr>
+        <dsp:cNvPr id="0" name=""/>
+        <dsp:cNvSpPr/>
+      </dsp:nvSpPr>
+      <dsp:spPr>
+        <a:xfrm>
+          <a:off x="578844" y="78396"/>
+          <a:ext cx="4625272" cy="4625272"/>
+        </a:xfrm>
+        <a:prstGeom prst="circularArrow">
+          <a:avLst>
+            <a:gd name="adj1" fmla="val 3500"/>
+            <a:gd name="adj2" fmla="val 217025"/>
+            <a:gd name="adj3" fmla="val 19269019"/>
+            <a:gd name="adj4" fmla="val 18313956"/>
+            <a:gd name="adj5" fmla="val 4083"/>
+          </a:avLst>
+        </a:prstGeom>
+        <a:solidFill>
+          <a:schemeClr val="accent1">
+            <a:hueOff val="0"/>
+            <a:satOff val="0"/>
+            <a:lumOff val="0"/>
+            <a:alphaOff val="0"/>
+          </a:schemeClr>
+        </a:solidFill>
+        <a:ln w="19050" cap="rnd" cmpd="sng" algn="ctr">
+          <a:solidFill>
+            <a:schemeClr val="lt1">
+              <a:hueOff val="0"/>
+              <a:satOff val="0"/>
+              <a:lumOff val="0"/>
+              <a:alphaOff val="0"/>
+            </a:schemeClr>
+          </a:solidFill>
+          <a:prstDash val="solid"/>
+        </a:ln>
+        <a:effectLst/>
+      </dsp:spPr>
+      <dsp:style>
+        <a:lnRef idx="2">
+          <a:scrgbClr r="0" g="0" b="0"/>
+        </a:lnRef>
+        <a:fillRef idx="1">
+          <a:scrgbClr r="0" g="0" b="0"/>
+        </a:fillRef>
+        <a:effectRef idx="0">
+          <a:scrgbClr r="0" g="0" b="0"/>
+        </a:effectRef>
+        <a:fontRef idx="minor">
+          <a:schemeClr val="lt1"/>
+        </a:fontRef>
+      </dsp:style>
+    </dsp:sp>
+    <dsp:sp modelId="{5CE1E758-D02F-3748-B79A-A17266060B8A}">
+      <dsp:nvSpPr>
+        <dsp:cNvPr id="0" name=""/>
+        <dsp:cNvSpPr/>
+      </dsp:nvSpPr>
+      <dsp:spPr>
+        <a:xfrm>
+          <a:off x="4450968" y="1158051"/>
+          <a:ext cx="830171" cy="830171"/>
+        </a:xfrm>
+        <a:prstGeom prst="rect">
+          <a:avLst/>
+        </a:prstGeom>
+        <a:solidFill>
+          <a:schemeClr val="accent6">
+            <a:lumMod val="40000"/>
+            <a:lumOff val="60000"/>
+          </a:schemeClr>
+        </a:solidFill>
+        <a:ln>
+          <a:noFill/>
+        </a:ln>
+        <a:effectLst/>
+      </dsp:spPr>
+      <dsp:style>
+        <a:lnRef idx="0">
+          <a:scrgbClr r="0" g="0" b="0"/>
+        </a:lnRef>
+        <a:fillRef idx="0">
+          <a:scrgbClr r="0" g="0" b="0"/>
+        </a:fillRef>
+        <a:effectRef idx="0">
+          <a:scrgbClr r="0" g="0" b="0"/>
+        </a:effectRef>
+        <a:fontRef idx="minor"/>
+      </dsp:style>
+      <dsp:txBody>
+        <a:bodyPr spcFirstLastPara="0" vert="horz" wrap="square" lIns="11430" tIns="11430" rIns="11430" bIns="11430" numCol="1" spcCol="1270" anchor="ctr" anchorCtr="0">
+          <a:noAutofit/>
+        </a:bodyPr>
+        <a:lstStyle/>
+        <a:p>
+          <a:pPr marL="0" lvl="0" indent="0" algn="ctr" defTabSz="400050">
+            <a:lnSpc>
+              <a:spcPct val="90000"/>
+            </a:lnSpc>
+            <a:spcBef>
+              <a:spcPct val="0"/>
+            </a:spcBef>
+            <a:spcAft>
+              <a:spcPct val="35000"/>
+            </a:spcAft>
+            <a:buNone/>
+          </a:pPr>
+          <a:r>
+            <a:rPr lang="es-MX" sz="900" kern="1200" dirty="0"/>
+            <a:t>Desarrollo</a:t>
+          </a:r>
+        </a:p>
+      </dsp:txBody>
+      <dsp:txXfrm>
+        <a:off x="4450968" y="1158051"/>
+        <a:ext cx="830171" cy="830171"/>
+      </dsp:txXfrm>
+    </dsp:sp>
+    <dsp:sp modelId="{56111384-E928-DD4D-996A-CAA3B153D94A}">
+      <dsp:nvSpPr>
+        <dsp:cNvPr id="0" name=""/>
+        <dsp:cNvSpPr/>
+      </dsp:nvSpPr>
+      <dsp:spPr>
+        <a:xfrm>
+          <a:off x="578844" y="78396"/>
+          <a:ext cx="4625272" cy="4625272"/>
+        </a:xfrm>
+        <a:prstGeom prst="circularArrow">
+          <a:avLst>
+            <a:gd name="adj1" fmla="val 3500"/>
+            <a:gd name="adj2" fmla="val 217025"/>
+            <a:gd name="adj3" fmla="val 434785"/>
+            <a:gd name="adj4" fmla="val 20948190"/>
+            <a:gd name="adj5" fmla="val 4083"/>
+          </a:avLst>
+        </a:prstGeom>
+        <a:solidFill>
+          <a:schemeClr val="accent1">
+            <a:hueOff val="0"/>
+            <a:satOff val="0"/>
+            <a:lumOff val="0"/>
+            <a:alphaOff val="0"/>
+          </a:schemeClr>
+        </a:solidFill>
+        <a:ln w="19050" cap="rnd" cmpd="sng" algn="ctr">
+          <a:solidFill>
+            <a:schemeClr val="lt1">
+              <a:hueOff val="0"/>
+              <a:satOff val="0"/>
+              <a:lumOff val="0"/>
+              <a:alphaOff val="0"/>
+            </a:schemeClr>
+          </a:solidFill>
+          <a:prstDash val="solid"/>
+        </a:ln>
+        <a:effectLst/>
+      </dsp:spPr>
+      <dsp:style>
+        <a:lnRef idx="2">
+          <a:scrgbClr r="0" g="0" b="0"/>
+        </a:lnRef>
+        <a:fillRef idx="1">
+          <a:scrgbClr r="0" g="0" b="0"/>
+        </a:fillRef>
+        <a:effectRef idx="0">
+          <a:scrgbClr r="0" g="0" b="0"/>
+        </a:effectRef>
+        <a:fontRef idx="minor">
+          <a:schemeClr val="lt1"/>
+        </a:fontRef>
+      </dsp:style>
+    </dsp:sp>
+    <dsp:sp modelId="{FBEA552C-2FB2-3545-93F5-163D707C8D28}">
+      <dsp:nvSpPr>
+        <dsp:cNvPr id="0" name=""/>
+        <dsp:cNvSpPr/>
+      </dsp:nvSpPr>
+      <dsp:spPr>
+        <a:xfrm>
+          <a:off x="4450968" y="2793841"/>
+          <a:ext cx="830171" cy="830171"/>
+        </a:xfrm>
+        <a:prstGeom prst="rect">
+          <a:avLst/>
+        </a:prstGeom>
+        <a:solidFill>
+          <a:schemeClr val="accent6">
+            <a:lumMod val="75000"/>
+          </a:schemeClr>
+        </a:solidFill>
+        <a:ln>
+          <a:noFill/>
+        </a:ln>
+        <a:effectLst/>
+      </dsp:spPr>
+      <dsp:style>
+        <a:lnRef idx="0">
+          <a:scrgbClr r="0" g="0" b="0"/>
+        </a:lnRef>
+        <a:fillRef idx="0">
+          <a:scrgbClr r="0" g="0" b="0"/>
+        </a:fillRef>
+        <a:effectRef idx="0">
+          <a:scrgbClr r="0" g="0" b="0"/>
+        </a:effectRef>
+        <a:fontRef idx="minor"/>
+      </dsp:style>
+      <dsp:txBody>
+        <a:bodyPr spcFirstLastPara="0" vert="horz" wrap="square" lIns="11430" tIns="11430" rIns="11430" bIns="11430" numCol="1" spcCol="1270" anchor="ctr" anchorCtr="0">
+          <a:noAutofit/>
+        </a:bodyPr>
+        <a:lstStyle/>
+        <a:p>
+          <a:pPr marL="0" lvl="0" indent="0" algn="ctr" defTabSz="400050">
+            <a:lnSpc>
+              <a:spcPct val="90000"/>
+            </a:lnSpc>
+            <a:spcBef>
+              <a:spcPct val="0"/>
+            </a:spcBef>
+            <a:spcAft>
+              <a:spcPct val="35000"/>
+            </a:spcAft>
+            <a:buNone/>
+          </a:pPr>
+          <a:r>
+            <a:rPr lang="es-MX" sz="900" kern="1200" dirty="0"/>
+            <a:t>Construcción</a:t>
+          </a:r>
+        </a:p>
+      </dsp:txBody>
+      <dsp:txXfrm>
+        <a:off x="4450968" y="2793841"/>
+        <a:ext cx="830171" cy="830171"/>
+      </dsp:txXfrm>
+    </dsp:sp>
+    <dsp:sp modelId="{1F70416F-6B74-3148-A56A-9B48382373B4}">
+      <dsp:nvSpPr>
+        <dsp:cNvPr id="0" name=""/>
+        <dsp:cNvSpPr/>
+      </dsp:nvSpPr>
+      <dsp:spPr>
+        <a:xfrm>
+          <a:off x="578844" y="78396"/>
+          <a:ext cx="4625272" cy="4625272"/>
+        </a:xfrm>
+        <a:prstGeom prst="circularArrow">
+          <a:avLst>
+            <a:gd name="adj1" fmla="val 3500"/>
+            <a:gd name="adj2" fmla="val 217025"/>
+            <a:gd name="adj3" fmla="val 3069019"/>
+            <a:gd name="adj4" fmla="val 2113956"/>
+            <a:gd name="adj5" fmla="val 4083"/>
+          </a:avLst>
+        </a:prstGeom>
+        <a:solidFill>
+          <a:schemeClr val="accent1">
+            <a:hueOff val="0"/>
+            <a:satOff val="0"/>
+            <a:lumOff val="0"/>
+            <a:alphaOff val="0"/>
+          </a:schemeClr>
+        </a:solidFill>
+        <a:ln w="19050" cap="rnd" cmpd="sng" algn="ctr">
+          <a:solidFill>
+            <a:schemeClr val="lt1">
+              <a:hueOff val="0"/>
+              <a:satOff val="0"/>
+              <a:lumOff val="0"/>
+              <a:alphaOff val="0"/>
+            </a:schemeClr>
+          </a:solidFill>
+          <a:prstDash val="solid"/>
+        </a:ln>
+        <a:effectLst/>
+      </dsp:spPr>
+      <dsp:style>
+        <a:lnRef idx="2">
+          <a:scrgbClr r="0" g="0" b="0"/>
+        </a:lnRef>
+        <a:fillRef idx="1">
+          <a:scrgbClr r="0" g="0" b="0"/>
+        </a:fillRef>
+        <a:effectRef idx="0">
+          <a:scrgbClr r="0" g="0" b="0"/>
+        </a:effectRef>
+        <a:fontRef idx="minor">
+          <a:schemeClr val="lt1"/>
+        </a:fontRef>
+      </dsp:style>
+    </dsp:sp>
+    <dsp:sp modelId="{F555A510-35CC-F34C-AE3F-ED6ED1FFF545}">
+      <dsp:nvSpPr>
+        <dsp:cNvPr id="0" name=""/>
+        <dsp:cNvSpPr/>
+      </dsp:nvSpPr>
+      <dsp:spPr>
+        <a:xfrm>
+          <a:off x="3294290" y="3950519"/>
+          <a:ext cx="830171" cy="830171"/>
+        </a:xfrm>
+        <a:prstGeom prst="rect">
+          <a:avLst/>
+        </a:prstGeom>
+        <a:solidFill>
+          <a:schemeClr val="accent6">
+            <a:lumMod val="50000"/>
+          </a:schemeClr>
+        </a:solidFill>
+        <a:ln>
+          <a:noFill/>
+        </a:ln>
+        <a:effectLst/>
+      </dsp:spPr>
+      <dsp:style>
+        <a:lnRef idx="0">
+          <a:scrgbClr r="0" g="0" b="0"/>
+        </a:lnRef>
+        <a:fillRef idx="0">
+          <a:scrgbClr r="0" g="0" b="0"/>
+        </a:fillRef>
+        <a:effectRef idx="0">
+          <a:scrgbClr r="0" g="0" b="0"/>
+        </a:effectRef>
+        <a:fontRef idx="minor"/>
+      </dsp:style>
+      <dsp:txBody>
+        <a:bodyPr spcFirstLastPara="0" vert="horz" wrap="square" lIns="11430" tIns="11430" rIns="11430" bIns="11430" numCol="1" spcCol="1270" anchor="ctr" anchorCtr="0">
+          <a:noAutofit/>
+        </a:bodyPr>
+        <a:lstStyle/>
+        <a:p>
+          <a:pPr marL="0" lvl="0" indent="0" algn="ctr" defTabSz="400050">
+            <a:lnSpc>
+              <a:spcPct val="90000"/>
+            </a:lnSpc>
+            <a:spcBef>
+              <a:spcPct val="0"/>
+            </a:spcBef>
+            <a:spcAft>
+              <a:spcPct val="35000"/>
+            </a:spcAft>
+            <a:buNone/>
+          </a:pPr>
+          <a:r>
+            <a:rPr lang="es-MX" sz="900" kern="1200" dirty="0"/>
+            <a:t>Pruebas</a:t>
+          </a:r>
+        </a:p>
+      </dsp:txBody>
+      <dsp:txXfrm>
+        <a:off x="3294290" y="3950519"/>
+        <a:ext cx="830171" cy="830171"/>
+      </dsp:txXfrm>
+    </dsp:sp>
+    <dsp:sp modelId="{3B3A8A4E-30AA-554C-908F-7DB1F0E79A9C}">
+      <dsp:nvSpPr>
+        <dsp:cNvPr id="0" name=""/>
+        <dsp:cNvSpPr/>
+      </dsp:nvSpPr>
+      <dsp:spPr>
+        <a:xfrm>
+          <a:off x="578844" y="78396"/>
+          <a:ext cx="4625272" cy="4625272"/>
+        </a:xfrm>
+        <a:prstGeom prst="circularArrow">
+          <a:avLst>
+            <a:gd name="adj1" fmla="val 3500"/>
+            <a:gd name="adj2" fmla="val 217025"/>
+            <a:gd name="adj3" fmla="val 5834785"/>
+            <a:gd name="adj4" fmla="val 4748190"/>
+            <a:gd name="adj5" fmla="val 4083"/>
+          </a:avLst>
+        </a:prstGeom>
+        <a:solidFill>
+          <a:schemeClr val="accent1">
+            <a:hueOff val="0"/>
+            <a:satOff val="0"/>
+            <a:lumOff val="0"/>
+            <a:alphaOff val="0"/>
+          </a:schemeClr>
+        </a:solidFill>
+        <a:ln w="19050" cap="rnd" cmpd="sng" algn="ctr">
+          <a:solidFill>
+            <a:schemeClr val="lt1">
+              <a:hueOff val="0"/>
+              <a:satOff val="0"/>
+              <a:lumOff val="0"/>
+              <a:alphaOff val="0"/>
+            </a:schemeClr>
+          </a:solidFill>
+          <a:prstDash val="solid"/>
+        </a:ln>
+        <a:effectLst/>
+      </dsp:spPr>
+      <dsp:style>
+        <a:lnRef idx="2">
+          <a:scrgbClr r="0" g="0" b="0"/>
+        </a:lnRef>
+        <a:fillRef idx="1">
+          <a:scrgbClr r="0" g="0" b="0"/>
+        </a:fillRef>
+        <a:effectRef idx="0">
+          <a:scrgbClr r="0" g="0" b="0"/>
+        </a:effectRef>
+        <a:fontRef idx="minor">
+          <a:schemeClr val="lt1"/>
+        </a:fontRef>
+      </dsp:style>
+    </dsp:sp>
+    <dsp:sp modelId="{BA711818-CA63-8F4C-A5D6-B46F271E91A2}">
+      <dsp:nvSpPr>
+        <dsp:cNvPr id="0" name=""/>
+        <dsp:cNvSpPr/>
+      </dsp:nvSpPr>
+      <dsp:spPr>
+        <a:xfrm>
+          <a:off x="1658500" y="3950519"/>
+          <a:ext cx="830171" cy="830171"/>
+        </a:xfrm>
+        <a:prstGeom prst="rect">
+          <a:avLst/>
+        </a:prstGeom>
+        <a:solidFill>
+          <a:schemeClr val="accent1">
+            <a:lumMod val="20000"/>
+            <a:lumOff val="80000"/>
+          </a:schemeClr>
+        </a:solidFill>
+        <a:ln>
+          <a:noFill/>
+        </a:ln>
+        <a:effectLst/>
+      </dsp:spPr>
+      <dsp:style>
+        <a:lnRef idx="0">
+          <a:scrgbClr r="0" g="0" b="0"/>
+        </a:lnRef>
+        <a:fillRef idx="0">
+          <a:scrgbClr r="0" g="0" b="0"/>
+        </a:fillRef>
+        <a:effectRef idx="0">
+          <a:scrgbClr r="0" g="0" b="0"/>
+        </a:effectRef>
+        <a:fontRef idx="minor"/>
+      </dsp:style>
+      <dsp:txBody>
+        <a:bodyPr spcFirstLastPara="0" vert="horz" wrap="square" lIns="11430" tIns="11430" rIns="11430" bIns="11430" numCol="1" spcCol="1270" anchor="ctr" anchorCtr="0">
+          <a:noAutofit/>
+        </a:bodyPr>
+        <a:lstStyle/>
+        <a:p>
+          <a:pPr marL="0" lvl="0" indent="0" algn="ctr" defTabSz="400050">
+            <a:lnSpc>
+              <a:spcPct val="90000"/>
+            </a:lnSpc>
+            <a:spcBef>
+              <a:spcPct val="0"/>
+            </a:spcBef>
+            <a:spcAft>
+              <a:spcPct val="35000"/>
+            </a:spcAft>
+            <a:buNone/>
+          </a:pPr>
+          <a:r>
+            <a:rPr lang="es-MX" sz="900" kern="1200" dirty="0"/>
+            <a:t>Lanzamiento</a:t>
+          </a:r>
+        </a:p>
+      </dsp:txBody>
+      <dsp:txXfrm>
+        <a:off x="1658500" y="3950519"/>
+        <a:ext cx="830171" cy="830171"/>
+      </dsp:txXfrm>
+    </dsp:sp>
+    <dsp:sp modelId="{AAA7C9CF-B8F7-6B44-91DD-B9A566595B2E}">
+      <dsp:nvSpPr>
+        <dsp:cNvPr id="0" name=""/>
+        <dsp:cNvSpPr/>
+      </dsp:nvSpPr>
+      <dsp:spPr>
+        <a:xfrm>
+          <a:off x="578844" y="78396"/>
+          <a:ext cx="4625272" cy="4625272"/>
+        </a:xfrm>
+        <a:prstGeom prst="circularArrow">
+          <a:avLst>
+            <a:gd name="adj1" fmla="val 3500"/>
+            <a:gd name="adj2" fmla="val 217025"/>
+            <a:gd name="adj3" fmla="val 8469019"/>
+            <a:gd name="adj4" fmla="val 7513956"/>
+            <a:gd name="adj5" fmla="val 4083"/>
+          </a:avLst>
+        </a:prstGeom>
+        <a:solidFill>
+          <a:schemeClr val="accent1">
+            <a:hueOff val="0"/>
+            <a:satOff val="0"/>
+            <a:lumOff val="0"/>
+            <a:alphaOff val="0"/>
+          </a:schemeClr>
+        </a:solidFill>
+        <a:ln w="19050" cap="rnd" cmpd="sng" algn="ctr">
+          <a:solidFill>
+            <a:schemeClr val="lt1">
+              <a:hueOff val="0"/>
+              <a:satOff val="0"/>
+              <a:lumOff val="0"/>
+              <a:alphaOff val="0"/>
+            </a:schemeClr>
+          </a:solidFill>
+          <a:prstDash val="solid"/>
+        </a:ln>
+        <a:effectLst/>
+      </dsp:spPr>
+      <dsp:style>
+        <a:lnRef idx="2">
+          <a:scrgbClr r="0" g="0" b="0"/>
+        </a:lnRef>
+        <a:fillRef idx="1">
+          <a:scrgbClr r="0" g="0" b="0"/>
+        </a:fillRef>
+        <a:effectRef idx="0">
+          <a:scrgbClr r="0" g="0" b="0"/>
+        </a:effectRef>
+        <a:fontRef idx="minor">
+          <a:schemeClr val="lt1"/>
+        </a:fontRef>
+      </dsp:style>
+    </dsp:sp>
+    <dsp:sp modelId="{CC11B02C-24FF-694E-ADCE-EC988BEBF132}">
+      <dsp:nvSpPr>
+        <dsp:cNvPr id="0" name=""/>
+        <dsp:cNvSpPr/>
+      </dsp:nvSpPr>
+      <dsp:spPr>
+        <a:xfrm>
+          <a:off x="501822" y="2793841"/>
+          <a:ext cx="830171" cy="830171"/>
+        </a:xfrm>
+        <a:prstGeom prst="rect">
+          <a:avLst/>
+        </a:prstGeom>
+        <a:solidFill>
+          <a:schemeClr val="accent1">
+            <a:lumMod val="40000"/>
+            <a:lumOff val="60000"/>
+          </a:schemeClr>
+        </a:solidFill>
+        <a:ln>
+          <a:noFill/>
+        </a:ln>
+        <a:effectLst/>
+      </dsp:spPr>
+      <dsp:style>
+        <a:lnRef idx="0">
+          <a:scrgbClr r="0" g="0" b="0"/>
+        </a:lnRef>
+        <a:fillRef idx="0">
+          <a:scrgbClr r="0" g="0" b="0"/>
+        </a:fillRef>
+        <a:effectRef idx="0">
+          <a:scrgbClr r="0" g="0" b="0"/>
+        </a:effectRef>
+        <a:fontRef idx="minor"/>
+      </dsp:style>
+      <dsp:txBody>
+        <a:bodyPr spcFirstLastPara="0" vert="horz" wrap="square" lIns="11430" tIns="11430" rIns="11430" bIns="11430" numCol="1" spcCol="1270" anchor="ctr" anchorCtr="0">
+          <a:noAutofit/>
+        </a:bodyPr>
+        <a:lstStyle/>
+        <a:p>
+          <a:pPr marL="0" lvl="0" indent="0" algn="ctr" defTabSz="400050">
+            <a:lnSpc>
+              <a:spcPct val="90000"/>
+            </a:lnSpc>
+            <a:spcBef>
+              <a:spcPct val="0"/>
+            </a:spcBef>
+            <a:spcAft>
+              <a:spcPct val="35000"/>
+            </a:spcAft>
+            <a:buNone/>
+          </a:pPr>
+          <a:r>
+            <a:rPr lang="es-MX" sz="900" kern="1200" dirty="0"/>
+            <a:t>Despliegue</a:t>
+          </a:r>
+        </a:p>
+      </dsp:txBody>
+      <dsp:txXfrm>
+        <a:off x="501822" y="2793841"/>
+        <a:ext cx="830171" cy="830171"/>
+      </dsp:txXfrm>
+    </dsp:sp>
+    <dsp:sp modelId="{D71B8427-83DA-4F4C-A607-06015F2E15BA}">
+      <dsp:nvSpPr>
+        <dsp:cNvPr id="0" name=""/>
+        <dsp:cNvSpPr/>
+      </dsp:nvSpPr>
+      <dsp:spPr>
+        <a:xfrm>
+          <a:off x="578844" y="78396"/>
+          <a:ext cx="4625272" cy="4625272"/>
+        </a:xfrm>
+        <a:prstGeom prst="circularArrow">
+          <a:avLst>
+            <a:gd name="adj1" fmla="val 3500"/>
+            <a:gd name="adj2" fmla="val 217025"/>
+            <a:gd name="adj3" fmla="val 11234785"/>
+            <a:gd name="adj4" fmla="val 10148190"/>
+            <a:gd name="adj5" fmla="val 4083"/>
+          </a:avLst>
+        </a:prstGeom>
+        <a:solidFill>
+          <a:schemeClr val="accent1">
+            <a:hueOff val="0"/>
+            <a:satOff val="0"/>
+            <a:lumOff val="0"/>
+            <a:alphaOff val="0"/>
+          </a:schemeClr>
+        </a:solidFill>
+        <a:ln w="19050" cap="rnd" cmpd="sng" algn="ctr">
+          <a:solidFill>
+            <a:schemeClr val="lt1">
+              <a:hueOff val="0"/>
+              <a:satOff val="0"/>
+              <a:lumOff val="0"/>
+              <a:alphaOff val="0"/>
+            </a:schemeClr>
+          </a:solidFill>
+          <a:prstDash val="solid"/>
+        </a:ln>
+        <a:effectLst/>
+      </dsp:spPr>
+      <dsp:style>
+        <a:lnRef idx="2">
+          <a:scrgbClr r="0" g="0" b="0"/>
+        </a:lnRef>
+        <a:fillRef idx="1">
+          <a:scrgbClr r="0" g="0" b="0"/>
+        </a:fillRef>
+        <a:effectRef idx="0">
+          <a:scrgbClr r="0" g="0" b="0"/>
+        </a:effectRef>
+        <a:fontRef idx="minor">
+          <a:schemeClr val="lt1"/>
+        </a:fontRef>
+      </dsp:style>
+    </dsp:sp>
+    <dsp:sp modelId="{330AD81B-A02E-3C4B-802D-24CAE893CE56}">
+      <dsp:nvSpPr>
+        <dsp:cNvPr id="0" name=""/>
+        <dsp:cNvSpPr/>
+      </dsp:nvSpPr>
+      <dsp:spPr>
+        <a:xfrm>
+          <a:off x="501822" y="1158051"/>
+          <a:ext cx="830171" cy="830171"/>
+        </a:xfrm>
+        <a:prstGeom prst="rect">
+          <a:avLst/>
+        </a:prstGeom>
+        <a:solidFill>
+          <a:schemeClr val="accent1">
+            <a:lumMod val="60000"/>
+            <a:lumOff val="40000"/>
+          </a:schemeClr>
+        </a:solidFill>
+        <a:ln>
+          <a:noFill/>
+        </a:ln>
+        <a:effectLst/>
+      </dsp:spPr>
+      <dsp:style>
+        <a:lnRef idx="0">
+          <a:scrgbClr r="0" g="0" b="0"/>
+        </a:lnRef>
+        <a:fillRef idx="0">
+          <a:scrgbClr r="0" g="0" b="0"/>
+        </a:fillRef>
+        <a:effectRef idx="0">
+          <a:scrgbClr r="0" g="0" b="0"/>
+        </a:effectRef>
+        <a:fontRef idx="minor"/>
+      </dsp:style>
+      <dsp:txBody>
+        <a:bodyPr spcFirstLastPara="0" vert="horz" wrap="square" lIns="11430" tIns="11430" rIns="11430" bIns="11430" numCol="1" spcCol="1270" anchor="ctr" anchorCtr="0">
+          <a:noAutofit/>
+        </a:bodyPr>
+        <a:lstStyle/>
+        <a:p>
+          <a:pPr marL="0" lvl="0" indent="0" algn="ctr" defTabSz="400050">
+            <a:lnSpc>
+              <a:spcPct val="90000"/>
+            </a:lnSpc>
+            <a:spcBef>
+              <a:spcPct val="0"/>
+            </a:spcBef>
+            <a:spcAft>
+              <a:spcPct val="35000"/>
+            </a:spcAft>
+            <a:buNone/>
+          </a:pPr>
+          <a:r>
+            <a:rPr lang="es-MX" sz="900" kern="1200" dirty="0"/>
+            <a:t>Operación</a:t>
+          </a:r>
+        </a:p>
+      </dsp:txBody>
+      <dsp:txXfrm>
+        <a:off x="501822" y="1158051"/>
+        <a:ext cx="830171" cy="830171"/>
+      </dsp:txXfrm>
+    </dsp:sp>
+    <dsp:sp modelId="{CA63B60C-93D2-064D-9DAB-D081AE26CCB4}">
+      <dsp:nvSpPr>
+        <dsp:cNvPr id="0" name=""/>
+        <dsp:cNvSpPr/>
+      </dsp:nvSpPr>
+      <dsp:spPr>
+        <a:xfrm>
+          <a:off x="578844" y="78396"/>
+          <a:ext cx="4625272" cy="4625272"/>
+        </a:xfrm>
+        <a:prstGeom prst="circularArrow">
+          <a:avLst>
+            <a:gd name="adj1" fmla="val 3500"/>
+            <a:gd name="adj2" fmla="val 217025"/>
+            <a:gd name="adj3" fmla="val 13869019"/>
+            <a:gd name="adj4" fmla="val 12913956"/>
+            <a:gd name="adj5" fmla="val 4083"/>
+          </a:avLst>
+        </a:prstGeom>
+        <a:solidFill>
+          <a:schemeClr val="accent1">
+            <a:hueOff val="0"/>
+            <a:satOff val="0"/>
+            <a:lumOff val="0"/>
+            <a:alphaOff val="0"/>
+          </a:schemeClr>
+        </a:solidFill>
+        <a:ln w="19050" cap="rnd" cmpd="sng" algn="ctr">
+          <a:solidFill>
+            <a:schemeClr val="lt1">
+              <a:hueOff val="0"/>
+              <a:satOff val="0"/>
+              <a:lumOff val="0"/>
+              <a:alphaOff val="0"/>
+            </a:schemeClr>
+          </a:solidFill>
+          <a:prstDash val="solid"/>
+        </a:ln>
+        <a:effectLst/>
+      </dsp:spPr>
+      <dsp:style>
+        <a:lnRef idx="2">
+          <a:scrgbClr r="0" g="0" b="0"/>
+        </a:lnRef>
+        <a:fillRef idx="1">
+          <a:scrgbClr r="0" g="0" b="0"/>
+        </a:fillRef>
+        <a:effectRef idx="0">
+          <a:scrgbClr r="0" g="0" b="0"/>
+        </a:effectRef>
+        <a:fontRef idx="minor">
+          <a:schemeClr val="lt1"/>
+        </a:fontRef>
+      </dsp:style>
+    </dsp:sp>
+    <dsp:sp modelId="{8193E53C-9DCB-E741-8E11-92524FD72C6B}">
+      <dsp:nvSpPr>
+        <dsp:cNvPr id="0" name=""/>
+        <dsp:cNvSpPr/>
+      </dsp:nvSpPr>
+      <dsp:spPr>
+        <a:xfrm>
+          <a:off x="1658500" y="1373"/>
+          <a:ext cx="830171" cy="830171"/>
+        </a:xfrm>
+        <a:prstGeom prst="rect">
+          <a:avLst/>
+        </a:prstGeom>
+        <a:solidFill>
+          <a:schemeClr val="accent1">
+            <a:lumMod val="75000"/>
+          </a:schemeClr>
+        </a:solidFill>
+        <a:ln>
+          <a:noFill/>
+        </a:ln>
+        <a:effectLst/>
+      </dsp:spPr>
+      <dsp:style>
+        <a:lnRef idx="0">
+          <a:scrgbClr r="0" g="0" b="0"/>
+        </a:lnRef>
+        <a:fillRef idx="0">
+          <a:scrgbClr r="0" g="0" b="0"/>
+        </a:fillRef>
+        <a:effectRef idx="0">
+          <a:scrgbClr r="0" g="0" b="0"/>
+        </a:effectRef>
+        <a:fontRef idx="minor"/>
+      </dsp:style>
+      <dsp:txBody>
+        <a:bodyPr spcFirstLastPara="0" vert="horz" wrap="square" lIns="11430" tIns="11430" rIns="11430" bIns="11430" numCol="1" spcCol="1270" anchor="ctr" anchorCtr="0">
+          <a:noAutofit/>
+        </a:bodyPr>
+        <a:lstStyle/>
+        <a:p>
+          <a:pPr marL="0" lvl="0" indent="0" algn="ctr" defTabSz="400050">
+            <a:lnSpc>
+              <a:spcPct val="90000"/>
+            </a:lnSpc>
+            <a:spcBef>
+              <a:spcPct val="0"/>
+            </a:spcBef>
+            <a:spcAft>
+              <a:spcPct val="35000"/>
+            </a:spcAft>
+            <a:buNone/>
+          </a:pPr>
+          <a:r>
+            <a:rPr lang="es-MX" sz="900" kern="1200" dirty="0"/>
+            <a:t>Monitoreo</a:t>
+          </a:r>
+        </a:p>
+      </dsp:txBody>
+      <dsp:txXfrm>
+        <a:off x="1658500" y="1373"/>
+        <a:ext cx="830171" cy="830171"/>
+      </dsp:txXfrm>
+    </dsp:sp>
+    <dsp:sp modelId="{A0AFF8A4-7721-4E49-8355-BB6A0EACABC5}">
+      <dsp:nvSpPr>
+        <dsp:cNvPr id="0" name=""/>
+        <dsp:cNvSpPr/>
+      </dsp:nvSpPr>
+      <dsp:spPr>
+        <a:xfrm>
+          <a:off x="578844" y="78396"/>
+          <a:ext cx="4625272" cy="4625272"/>
+        </a:xfrm>
+        <a:prstGeom prst="circularArrow">
+          <a:avLst>
+            <a:gd name="adj1" fmla="val 3500"/>
+            <a:gd name="adj2" fmla="val 217025"/>
+            <a:gd name="adj3" fmla="val 16634785"/>
+            <a:gd name="adj4" fmla="val 15548190"/>
+            <a:gd name="adj5" fmla="val 4083"/>
+          </a:avLst>
+        </a:prstGeom>
+        <a:solidFill>
+          <a:schemeClr val="accent1">
+            <a:hueOff val="0"/>
+            <a:satOff val="0"/>
+            <a:lumOff val="0"/>
+            <a:alphaOff val="0"/>
+          </a:schemeClr>
+        </a:solidFill>
+        <a:ln w="19050" cap="rnd" cmpd="sng" algn="ctr">
+          <a:solidFill>
+            <a:schemeClr val="lt1">
+              <a:hueOff val="0"/>
+              <a:satOff val="0"/>
+              <a:lumOff val="0"/>
+              <a:alphaOff val="0"/>
+            </a:schemeClr>
+          </a:solidFill>
+          <a:prstDash val="solid"/>
+        </a:ln>
+        <a:effectLst/>
+      </dsp:spPr>
+      <dsp:style>
+        <a:lnRef idx="2">
+          <a:scrgbClr r="0" g="0" b="0"/>
+        </a:lnRef>
+        <a:fillRef idx="1">
+          <a:scrgbClr r="0" g="0" b="0"/>
+        </a:fillRef>
+        <a:effectRef idx="0">
+          <a:scrgbClr r="0" g="0" b="0"/>
+        </a:effectRef>
+        <a:fontRef idx="minor">
+          <a:schemeClr val="lt1"/>
+        </a:fontRef>
+      </dsp:style>
     </dsp:sp>
   </dsp:spTree>
 </dsp:drawing>
@@ -7059,6 +9338,204 @@
 </dgm:layoutDef>
 </file>
 
+<file path=ppt/diagrams/layout3.xml><?xml version="1.0" encoding="utf-8"?>
+<dgm:layoutDef xmlns:dgm="http://schemas.openxmlformats.org/drawingml/2006/diagram" xmlns:a="http://schemas.openxmlformats.org/drawingml/2006/main" uniqueId="urn:microsoft.com/office/officeart/2005/8/layout/cycle1">
+  <dgm:title val=""/>
+  <dgm:desc val=""/>
+  <dgm:catLst>
+    <dgm:cat type="cycle" pri="2000"/>
+  </dgm:catLst>
+  <dgm:sampData>
+    <dgm:dataModel>
+      <dgm:ptLst>
+        <dgm:pt modelId="0" type="doc"/>
+        <dgm:pt modelId="1">
+          <dgm:prSet phldr="1"/>
+        </dgm:pt>
+        <dgm:pt modelId="2">
+          <dgm:prSet phldr="1"/>
+        </dgm:pt>
+        <dgm:pt modelId="3">
+          <dgm:prSet phldr="1"/>
+        </dgm:pt>
+        <dgm:pt modelId="4">
+          <dgm:prSet phldr="1"/>
+        </dgm:pt>
+        <dgm:pt modelId="5">
+          <dgm:prSet phldr="1"/>
+        </dgm:pt>
+      </dgm:ptLst>
+      <dgm:cxnLst>
+        <dgm:cxn modelId="6" srcId="0" destId="1" srcOrd="0" destOrd="0"/>
+        <dgm:cxn modelId="7" srcId="0" destId="2" srcOrd="1" destOrd="0"/>
+        <dgm:cxn modelId="8" srcId="0" destId="3" srcOrd="2" destOrd="0"/>
+        <dgm:cxn modelId="9" srcId="0" destId="4" srcOrd="3" destOrd="0"/>
+        <dgm:cxn modelId="10" srcId="0" destId="5" srcOrd="4" destOrd="0"/>
+      </dgm:cxnLst>
+      <dgm:bg/>
+      <dgm:whole/>
+    </dgm:dataModel>
+  </dgm:sampData>
+  <dgm:styleData>
+    <dgm:dataModel>
+      <dgm:ptLst>
+        <dgm:pt modelId="0" type="doc"/>
+        <dgm:pt modelId="1"/>
+        <dgm:pt modelId="2"/>
+        <dgm:pt modelId="3"/>
+      </dgm:ptLst>
+      <dgm:cxnLst>
+        <dgm:cxn modelId="4" srcId="0" destId="1" srcOrd="0" destOrd="0"/>
+        <dgm:cxn modelId="5" srcId="0" destId="2" srcOrd="1" destOrd="0"/>
+        <dgm:cxn modelId="6" srcId="0" destId="3" srcOrd="2" destOrd="0"/>
+      </dgm:cxnLst>
+      <dgm:bg/>
+      <dgm:whole/>
+    </dgm:dataModel>
+  </dgm:styleData>
+  <dgm:clrData>
+    <dgm:dataModel>
+      <dgm:ptLst>
+        <dgm:pt modelId="0" type="doc"/>
+        <dgm:pt modelId="1"/>
+        <dgm:pt modelId="2"/>
+        <dgm:pt modelId="3"/>
+        <dgm:pt modelId="4"/>
+        <dgm:pt modelId="5"/>
+        <dgm:pt modelId="6"/>
+      </dgm:ptLst>
+      <dgm:cxnLst>
+        <dgm:cxn modelId="7" srcId="0" destId="1" srcOrd="0" destOrd="0"/>
+        <dgm:cxn modelId="8" srcId="0" destId="2" srcOrd="1" destOrd="0"/>
+        <dgm:cxn modelId="9" srcId="0" destId="3" srcOrd="2" destOrd="0"/>
+        <dgm:cxn modelId="10" srcId="0" destId="4" srcOrd="3" destOrd="0"/>
+        <dgm:cxn modelId="11" srcId="0" destId="5" srcOrd="4" destOrd="0"/>
+        <dgm:cxn modelId="12" srcId="0" destId="6" srcOrd="5" destOrd="0"/>
+      </dgm:cxnLst>
+      <dgm:bg/>
+      <dgm:whole/>
+    </dgm:dataModel>
+  </dgm:clrData>
+  <dgm:layoutNode name="cycle">
+    <dgm:varLst>
+      <dgm:dir/>
+      <dgm:resizeHandles val="exact"/>
+    </dgm:varLst>
+    <dgm:choose name="Name0">
+      <dgm:if name="Name1" func="var" arg="dir" op="equ" val="norm">
+        <dgm:alg type="cycle">
+          <dgm:param type="stAng" val="0"/>
+          <dgm:param type="spanAng" val="360"/>
+        </dgm:alg>
+      </dgm:if>
+      <dgm:else name="Name2">
+        <dgm:alg type="cycle">
+          <dgm:param type="stAng" val="0"/>
+          <dgm:param type="spanAng" val="-360"/>
+        </dgm:alg>
+      </dgm:else>
+    </dgm:choose>
+    <dgm:shape xmlns:r="http://schemas.openxmlformats.org/officeDocument/2006/relationships" r:blip="">
+      <dgm:adjLst/>
+    </dgm:shape>
+    <dgm:presOf/>
+    <dgm:choose name="Name3">
+      <dgm:if name="Name4" func="var" arg="dir" op="equ" val="norm">
+        <dgm:constrLst>
+          <dgm:constr type="diam" val="1"/>
+          <dgm:constr type="w" for="ch" forName="node" refType="w"/>
+          <dgm:constr type="w" for="ch" ptType="sibTrans" refType="w" refFor="ch" refForName="node" fact="0.5"/>
+          <dgm:constr type="h" for="ch" ptType="sibTrans" op="equ"/>
+          <dgm:constr type="diam" for="ch" ptType="sibTrans" refType="diam" op="equ"/>
+          <dgm:constr type="sibSp" refType="w" refFor="ch" refForName="node" fact="0.15"/>
+          <dgm:constr type="w" for="ch" forName="dummy" refType="sibSp" fact="2.8"/>
+          <dgm:constr type="primFontSz" for="ch" forName="node" op="equ" val="65"/>
+        </dgm:constrLst>
+      </dgm:if>
+      <dgm:else name="Name5">
+        <dgm:constrLst>
+          <dgm:constr type="diam" val="1"/>
+          <dgm:constr type="w" for="ch" forName="node" refType="w"/>
+          <dgm:constr type="w" for="ch" ptType="sibTrans" refType="w" refFor="ch" refForName="node" fact="0.5"/>
+          <dgm:constr type="h" for="ch" ptType="sibTrans" op="equ"/>
+          <dgm:constr type="diam" for="ch" ptType="sibTrans" refType="diam" op="equ" fact="-1"/>
+          <dgm:constr type="sibSp" refType="w" refFor="ch" refForName="node" fact="0.15"/>
+          <dgm:constr type="w" for="ch" forName="dummy" refType="sibSp" fact="2.8"/>
+          <dgm:constr type="primFontSz" for="ch" forName="node" op="equ" val="65"/>
+        </dgm:constrLst>
+      </dgm:else>
+    </dgm:choose>
+    <dgm:ruleLst>
+      <dgm:rule type="diam" val="INF" fact="NaN" max="NaN"/>
+    </dgm:ruleLst>
+    <dgm:forEach name="nodesForEach" axis="ch" ptType="node">
+      <dgm:choose name="Name6">
+        <dgm:if name="Name7" axis="par ch" ptType="doc node" func="cnt" op="gt" val="1">
+          <dgm:layoutNode name="dummy">
+            <dgm:alg type="sp"/>
+            <dgm:shape xmlns:r="http://schemas.openxmlformats.org/officeDocument/2006/relationships" r:blip="">
+              <dgm:adjLst/>
+            </dgm:shape>
+            <dgm:presOf/>
+            <dgm:constrLst>
+              <dgm:constr type="h" refType="w"/>
+            </dgm:constrLst>
+            <dgm:ruleLst/>
+          </dgm:layoutNode>
+        </dgm:if>
+        <dgm:else name="Name8"/>
+      </dgm:choose>
+      <dgm:layoutNode name="node" styleLbl="revTx">
+        <dgm:varLst>
+          <dgm:bulletEnabled val="1"/>
+        </dgm:varLst>
+        <dgm:alg type="tx">
+          <dgm:param type="txAnchorVertCh" val="mid"/>
+        </dgm:alg>
+        <dgm:shape xmlns:r="http://schemas.openxmlformats.org/officeDocument/2006/relationships" type="rect" r:blip="">
+          <dgm:adjLst/>
+        </dgm:shape>
+        <dgm:presOf axis="desOrSelf" ptType="node"/>
+        <dgm:constrLst>
+          <dgm:constr type="h" refType="w"/>
+          <dgm:constr type="lMarg" refType="primFontSz" fact="0.1"/>
+          <dgm:constr type="rMarg" refType="primFontSz" fact="0.1"/>
+          <dgm:constr type="tMarg" refType="primFontSz" fact="0.1"/>
+          <dgm:constr type="bMarg" refType="primFontSz" fact="0.1"/>
+        </dgm:constrLst>
+        <dgm:ruleLst>
+          <dgm:rule type="primFontSz" val="5" fact="NaN" max="NaN"/>
+        </dgm:ruleLst>
+      </dgm:layoutNode>
+      <dgm:choose name="Name9">
+        <dgm:if name="Name10" axis="par ch" ptType="doc node" func="cnt" op="gt" val="1">
+          <dgm:forEach name="Name11" axis="followSib" ptType="sibTrans" hideLastTrans="0" cnt="1">
+            <dgm:layoutNode name="sibTrans" styleLbl="node1">
+              <dgm:alg type="conn">
+                <dgm:param type="connRout" val="curve"/>
+                <dgm:param type="begPts" val="radial"/>
+                <dgm:param type="endPts" val="radial"/>
+              </dgm:alg>
+              <dgm:shape xmlns:r="http://schemas.openxmlformats.org/officeDocument/2006/relationships" type="conn" r:blip="">
+                <dgm:adjLst/>
+              </dgm:shape>
+              <dgm:presOf axis="self"/>
+              <dgm:constrLst>
+                <dgm:constr type="h" refType="w" fact="0.65"/>
+                <dgm:constr type="begPad"/>
+                <dgm:constr type="endPad"/>
+              </dgm:constrLst>
+              <dgm:ruleLst/>
+            </dgm:layoutNode>
+          </dgm:forEach>
+        </dgm:if>
+        <dgm:else name="Name12"/>
+      </dgm:choose>
+    </dgm:forEach>
+  </dgm:layoutNode>
+</dgm:layoutDef>
+</file>
+
 <file path=ppt/diagrams/quickStyle1.xml><?xml version="1.0" encoding="utf-8"?>
 <dgm:styleDef xmlns:dgm="http://schemas.openxmlformats.org/drawingml/2006/diagram" xmlns:a="http://schemas.openxmlformats.org/drawingml/2006/main" uniqueId="urn:microsoft.com/office/officeart/2005/8/quickstyle/simple1">
   <dgm:title val=""/>
@@ -9185,6 +11662,1040 @@
       <a:fontRef idx="minor">
         <a:schemeClr val="lt1"/>
       </a:fontRef>
+    </dgm:style>
+  </dgm:styleLbl>
+  <dgm:styleLbl name="revTx">
+    <dgm:scene3d>
+      <a:camera prst="orthographicFront"/>
+      <a:lightRig rig="threePt" dir="t"/>
+    </dgm:scene3d>
+    <dgm:sp3d/>
+    <dgm:txPr/>
+    <dgm:style>
+      <a:lnRef idx="0">
+        <a:scrgbClr r="0" g="0" b="0"/>
+      </a:lnRef>
+      <a:fillRef idx="0">
+        <a:scrgbClr r="0" g="0" b="0"/>
+      </a:fillRef>
+      <a:effectRef idx="0">
+        <a:scrgbClr r="0" g="0" b="0"/>
+      </a:effectRef>
+      <a:fontRef idx="minor"/>
+    </dgm:style>
+  </dgm:styleLbl>
+</dgm:styleDef>
+</file>
+
+<file path=ppt/diagrams/quickStyle3.xml><?xml version="1.0" encoding="utf-8"?>
+<dgm:styleDef xmlns:dgm="http://schemas.openxmlformats.org/drawingml/2006/diagram" xmlns:a="http://schemas.openxmlformats.org/drawingml/2006/main" uniqueId="urn:microsoft.com/office/officeart/2005/8/quickstyle/simple1">
+  <dgm:title val=""/>
+  <dgm:desc val=""/>
+  <dgm:catLst>
+    <dgm:cat type="simple" pri="10100"/>
+  </dgm:catLst>
+  <dgm:scene3d>
+    <a:camera prst="orthographicFront"/>
+    <a:lightRig rig="threePt" dir="t"/>
+  </dgm:scene3d>
+  <dgm:styleLbl name="node0">
+    <dgm:scene3d>
+      <a:camera prst="orthographicFront"/>
+      <a:lightRig rig="threePt" dir="t"/>
+    </dgm:scene3d>
+    <dgm:sp3d/>
+    <dgm:txPr/>
+    <dgm:style>
+      <a:lnRef idx="2">
+        <a:scrgbClr r="0" g="0" b="0"/>
+      </a:lnRef>
+      <a:fillRef idx="1">
+        <a:scrgbClr r="0" g="0" b="0"/>
+      </a:fillRef>
+      <a:effectRef idx="0">
+        <a:scrgbClr r="0" g="0" b="0"/>
+      </a:effectRef>
+      <a:fontRef idx="minor">
+        <a:schemeClr val="lt1"/>
+      </a:fontRef>
+    </dgm:style>
+  </dgm:styleLbl>
+  <dgm:styleLbl name="lnNode1">
+    <dgm:scene3d>
+      <a:camera prst="orthographicFront"/>
+      <a:lightRig rig="threePt" dir="t"/>
+    </dgm:scene3d>
+    <dgm:sp3d/>
+    <dgm:txPr/>
+    <dgm:style>
+      <a:lnRef idx="2">
+        <a:scrgbClr r="0" g="0" b="0"/>
+      </a:lnRef>
+      <a:fillRef idx="1">
+        <a:scrgbClr r="0" g="0" b="0"/>
+      </a:fillRef>
+      <a:effectRef idx="0">
+        <a:scrgbClr r="0" g="0" b="0"/>
+      </a:effectRef>
+      <a:fontRef idx="minor">
+        <a:schemeClr val="lt1"/>
+      </a:fontRef>
+    </dgm:style>
+  </dgm:styleLbl>
+  <dgm:styleLbl name="vennNode1">
+    <dgm:scene3d>
+      <a:camera prst="orthographicFront"/>
+      <a:lightRig rig="threePt" dir="t"/>
+    </dgm:scene3d>
+    <dgm:sp3d/>
+    <dgm:txPr/>
+    <dgm:style>
+      <a:lnRef idx="2">
+        <a:scrgbClr r="0" g="0" b="0"/>
+      </a:lnRef>
+      <a:fillRef idx="1">
+        <a:scrgbClr r="0" g="0" b="0"/>
+      </a:fillRef>
+      <a:effectRef idx="0">
+        <a:scrgbClr r="0" g="0" b="0"/>
+      </a:effectRef>
+      <a:fontRef idx="minor">
+        <a:schemeClr val="tx1"/>
+      </a:fontRef>
+    </dgm:style>
+  </dgm:styleLbl>
+  <dgm:styleLbl name="alignNode1">
+    <dgm:scene3d>
+      <a:camera prst="orthographicFront"/>
+      <a:lightRig rig="threePt" dir="t"/>
+    </dgm:scene3d>
+    <dgm:sp3d/>
+    <dgm:txPr/>
+    <dgm:style>
+      <a:lnRef idx="2">
+        <a:scrgbClr r="0" g="0" b="0"/>
+      </a:lnRef>
+      <a:fillRef idx="1">
+        <a:scrgbClr r="0" g="0" b="0"/>
+      </a:fillRef>
+      <a:effectRef idx="0">
+        <a:scrgbClr r="0" g="0" b="0"/>
+      </a:effectRef>
+      <a:fontRef idx="minor">
+        <a:schemeClr val="lt1"/>
+      </a:fontRef>
+    </dgm:style>
+  </dgm:styleLbl>
+  <dgm:styleLbl name="node1">
+    <dgm:scene3d>
+      <a:camera prst="orthographicFront"/>
+      <a:lightRig rig="threePt" dir="t"/>
+    </dgm:scene3d>
+    <dgm:sp3d/>
+    <dgm:txPr/>
+    <dgm:style>
+      <a:lnRef idx="2">
+        <a:scrgbClr r="0" g="0" b="0"/>
+      </a:lnRef>
+      <a:fillRef idx="1">
+        <a:scrgbClr r="0" g="0" b="0"/>
+      </a:fillRef>
+      <a:effectRef idx="0">
+        <a:scrgbClr r="0" g="0" b="0"/>
+      </a:effectRef>
+      <a:fontRef idx="minor">
+        <a:schemeClr val="lt1"/>
+      </a:fontRef>
+    </dgm:style>
+  </dgm:styleLbl>
+  <dgm:styleLbl name="node2">
+    <dgm:scene3d>
+      <a:camera prst="orthographicFront"/>
+      <a:lightRig rig="threePt" dir="t"/>
+    </dgm:scene3d>
+    <dgm:sp3d/>
+    <dgm:txPr/>
+    <dgm:style>
+      <a:lnRef idx="2">
+        <a:scrgbClr r="0" g="0" b="0"/>
+      </a:lnRef>
+      <a:fillRef idx="1">
+        <a:scrgbClr r="0" g="0" b="0"/>
+      </a:fillRef>
+      <a:effectRef idx="0">
+        <a:scrgbClr r="0" g="0" b="0"/>
+      </a:effectRef>
+      <a:fontRef idx="minor">
+        <a:schemeClr val="lt1"/>
+      </a:fontRef>
+    </dgm:style>
+  </dgm:styleLbl>
+  <dgm:styleLbl name="node3">
+    <dgm:scene3d>
+      <a:camera prst="orthographicFront"/>
+      <a:lightRig rig="threePt" dir="t"/>
+    </dgm:scene3d>
+    <dgm:sp3d/>
+    <dgm:txPr/>
+    <dgm:style>
+      <a:lnRef idx="2">
+        <a:scrgbClr r="0" g="0" b="0"/>
+      </a:lnRef>
+      <a:fillRef idx="1">
+        <a:scrgbClr r="0" g="0" b="0"/>
+      </a:fillRef>
+      <a:effectRef idx="0">
+        <a:scrgbClr r="0" g="0" b="0"/>
+      </a:effectRef>
+      <a:fontRef idx="minor">
+        <a:schemeClr val="lt1"/>
+      </a:fontRef>
+    </dgm:style>
+  </dgm:styleLbl>
+  <dgm:styleLbl name="node4">
+    <dgm:scene3d>
+      <a:camera prst="orthographicFront"/>
+      <a:lightRig rig="threePt" dir="t"/>
+    </dgm:scene3d>
+    <dgm:sp3d/>
+    <dgm:txPr/>
+    <dgm:style>
+      <a:lnRef idx="2">
+        <a:scrgbClr r="0" g="0" b="0"/>
+      </a:lnRef>
+      <a:fillRef idx="1">
+        <a:scrgbClr r="0" g="0" b="0"/>
+      </a:fillRef>
+      <a:effectRef idx="0">
+        <a:scrgbClr r="0" g="0" b="0"/>
+      </a:effectRef>
+      <a:fontRef idx="minor">
+        <a:schemeClr val="lt1"/>
+      </a:fontRef>
+    </dgm:style>
+  </dgm:styleLbl>
+  <dgm:styleLbl name="fgImgPlace1">
+    <dgm:scene3d>
+      <a:camera prst="orthographicFront"/>
+      <a:lightRig rig="threePt" dir="t"/>
+    </dgm:scene3d>
+    <dgm:sp3d/>
+    <dgm:txPr/>
+    <dgm:style>
+      <a:lnRef idx="2">
+        <a:scrgbClr r="0" g="0" b="0"/>
+      </a:lnRef>
+      <a:fillRef idx="1">
+        <a:scrgbClr r="0" g="0" b="0"/>
+      </a:fillRef>
+      <a:effectRef idx="0">
+        <a:scrgbClr r="0" g="0" b="0"/>
+      </a:effectRef>
+      <a:fontRef idx="minor"/>
+    </dgm:style>
+  </dgm:styleLbl>
+  <dgm:styleLbl name="alignImgPlace1">
+    <dgm:scene3d>
+      <a:camera prst="orthographicFront"/>
+      <a:lightRig rig="threePt" dir="t"/>
+    </dgm:scene3d>
+    <dgm:sp3d/>
+    <dgm:txPr/>
+    <dgm:style>
+      <a:lnRef idx="2">
+        <a:scrgbClr r="0" g="0" b="0"/>
+      </a:lnRef>
+      <a:fillRef idx="1">
+        <a:scrgbClr r="0" g="0" b="0"/>
+      </a:fillRef>
+      <a:effectRef idx="0">
+        <a:scrgbClr r="0" g="0" b="0"/>
+      </a:effectRef>
+      <a:fontRef idx="minor"/>
+    </dgm:style>
+  </dgm:styleLbl>
+  <dgm:styleLbl name="bgImgPlace1">
+    <dgm:scene3d>
+      <a:camera prst="orthographicFront"/>
+      <a:lightRig rig="threePt" dir="t"/>
+    </dgm:scene3d>
+    <dgm:sp3d/>
+    <dgm:txPr/>
+    <dgm:style>
+      <a:lnRef idx="2">
+        <a:scrgbClr r="0" g="0" b="0"/>
+      </a:lnRef>
+      <a:fillRef idx="1">
+        <a:scrgbClr r="0" g="0" b="0"/>
+      </a:fillRef>
+      <a:effectRef idx="0">
+        <a:scrgbClr r="0" g="0" b="0"/>
+      </a:effectRef>
+      <a:fontRef idx="minor"/>
+    </dgm:style>
+  </dgm:styleLbl>
+  <dgm:styleLbl name="sibTrans2D1">
+    <dgm:scene3d>
+      <a:camera prst="orthographicFront"/>
+      <a:lightRig rig="threePt" dir="t"/>
+    </dgm:scene3d>
+    <dgm:sp3d/>
+    <dgm:txPr/>
+    <dgm:style>
+      <a:lnRef idx="0">
+        <a:scrgbClr r="0" g="0" b="0"/>
+      </a:lnRef>
+      <a:fillRef idx="1">
+        <a:scrgbClr r="0" g="0" b="0"/>
+      </a:fillRef>
+      <a:effectRef idx="0">
+        <a:scrgbClr r="0" g="0" b="0"/>
+      </a:effectRef>
+      <a:fontRef idx="minor">
+        <a:schemeClr val="lt1"/>
+      </a:fontRef>
+    </dgm:style>
+  </dgm:styleLbl>
+  <dgm:styleLbl name="fgSibTrans2D1">
+    <dgm:scene3d>
+      <a:camera prst="orthographicFront"/>
+      <a:lightRig rig="threePt" dir="t"/>
+    </dgm:scene3d>
+    <dgm:sp3d/>
+    <dgm:txPr/>
+    <dgm:style>
+      <a:lnRef idx="0">
+        <a:scrgbClr r="0" g="0" b="0"/>
+      </a:lnRef>
+      <a:fillRef idx="1">
+        <a:scrgbClr r="0" g="0" b="0"/>
+      </a:fillRef>
+      <a:effectRef idx="0">
+        <a:scrgbClr r="0" g="0" b="0"/>
+      </a:effectRef>
+      <a:fontRef idx="minor">
+        <a:schemeClr val="lt1"/>
+      </a:fontRef>
+    </dgm:style>
+  </dgm:styleLbl>
+  <dgm:styleLbl name="bgSibTrans2D1">
+    <dgm:scene3d>
+      <a:camera prst="orthographicFront"/>
+      <a:lightRig rig="threePt" dir="t"/>
+    </dgm:scene3d>
+    <dgm:sp3d/>
+    <dgm:txPr/>
+    <dgm:style>
+      <a:lnRef idx="0">
+        <a:scrgbClr r="0" g="0" b="0"/>
+      </a:lnRef>
+      <a:fillRef idx="1">
+        <a:scrgbClr r="0" g="0" b="0"/>
+      </a:fillRef>
+      <a:effectRef idx="0">
+        <a:scrgbClr r="0" g="0" b="0"/>
+      </a:effectRef>
+      <a:fontRef idx="minor">
+        <a:schemeClr val="lt1"/>
+      </a:fontRef>
+    </dgm:style>
+  </dgm:styleLbl>
+  <dgm:styleLbl name="sibTrans1D1">
+    <dgm:scene3d>
+      <a:camera prst="orthographicFront"/>
+      <a:lightRig rig="threePt" dir="t"/>
+    </dgm:scene3d>
+    <dgm:sp3d/>
+    <dgm:txPr/>
+    <dgm:style>
+      <a:lnRef idx="1">
+        <a:scrgbClr r="0" g="0" b="0"/>
+      </a:lnRef>
+      <a:fillRef idx="0">
+        <a:scrgbClr r="0" g="0" b="0"/>
+      </a:fillRef>
+      <a:effectRef idx="0">
+        <a:scrgbClr r="0" g="0" b="0"/>
+      </a:effectRef>
+      <a:fontRef idx="minor"/>
+    </dgm:style>
+  </dgm:styleLbl>
+  <dgm:styleLbl name="callout">
+    <dgm:scene3d>
+      <a:camera prst="orthographicFront"/>
+      <a:lightRig rig="threePt" dir="t"/>
+    </dgm:scene3d>
+    <dgm:sp3d/>
+    <dgm:txPr/>
+    <dgm:style>
+      <a:lnRef idx="2">
+        <a:scrgbClr r="0" g="0" b="0"/>
+      </a:lnRef>
+      <a:fillRef idx="1">
+        <a:scrgbClr r="0" g="0" b="0"/>
+      </a:fillRef>
+      <a:effectRef idx="0">
+        <a:scrgbClr r="0" g="0" b="0"/>
+      </a:effectRef>
+      <a:fontRef idx="minor"/>
+    </dgm:style>
+  </dgm:styleLbl>
+  <dgm:styleLbl name="asst0">
+    <dgm:scene3d>
+      <a:camera prst="orthographicFront"/>
+      <a:lightRig rig="threePt" dir="t"/>
+    </dgm:scene3d>
+    <dgm:sp3d/>
+    <dgm:txPr/>
+    <dgm:style>
+      <a:lnRef idx="2">
+        <a:scrgbClr r="0" g="0" b="0"/>
+      </a:lnRef>
+      <a:fillRef idx="1">
+        <a:scrgbClr r="0" g="0" b="0"/>
+      </a:fillRef>
+      <a:effectRef idx="0">
+        <a:scrgbClr r="0" g="0" b="0"/>
+      </a:effectRef>
+      <a:fontRef idx="minor">
+        <a:schemeClr val="lt1"/>
+      </a:fontRef>
+    </dgm:style>
+  </dgm:styleLbl>
+  <dgm:styleLbl name="asst1">
+    <dgm:scene3d>
+      <a:camera prst="orthographicFront"/>
+      <a:lightRig rig="threePt" dir="t"/>
+    </dgm:scene3d>
+    <dgm:sp3d/>
+    <dgm:txPr/>
+    <dgm:style>
+      <a:lnRef idx="2">
+        <a:scrgbClr r="0" g="0" b="0"/>
+      </a:lnRef>
+      <a:fillRef idx="1">
+        <a:scrgbClr r="0" g="0" b="0"/>
+      </a:fillRef>
+      <a:effectRef idx="0">
+        <a:scrgbClr r="0" g="0" b="0"/>
+      </a:effectRef>
+      <a:fontRef idx="minor">
+        <a:schemeClr val="lt1"/>
+      </a:fontRef>
+    </dgm:style>
+  </dgm:styleLbl>
+  <dgm:styleLbl name="asst2">
+    <dgm:scene3d>
+      <a:camera prst="orthographicFront"/>
+      <a:lightRig rig="threePt" dir="t"/>
+    </dgm:scene3d>
+    <dgm:sp3d/>
+    <dgm:txPr/>
+    <dgm:style>
+      <a:lnRef idx="2">
+        <a:scrgbClr r="0" g="0" b="0"/>
+      </a:lnRef>
+      <a:fillRef idx="1">
+        <a:scrgbClr r="0" g="0" b="0"/>
+      </a:fillRef>
+      <a:effectRef idx="0">
+        <a:scrgbClr r="0" g="0" b="0"/>
+      </a:effectRef>
+      <a:fontRef idx="minor">
+        <a:schemeClr val="lt1"/>
+      </a:fontRef>
+    </dgm:style>
+  </dgm:styleLbl>
+  <dgm:styleLbl name="asst3">
+    <dgm:scene3d>
+      <a:camera prst="orthographicFront"/>
+      <a:lightRig rig="threePt" dir="t"/>
+    </dgm:scene3d>
+    <dgm:sp3d/>
+    <dgm:txPr/>
+    <dgm:style>
+      <a:lnRef idx="2">
+        <a:scrgbClr r="0" g="0" b="0"/>
+      </a:lnRef>
+      <a:fillRef idx="1">
+        <a:scrgbClr r="0" g="0" b="0"/>
+      </a:fillRef>
+      <a:effectRef idx="0">
+        <a:scrgbClr r="0" g="0" b="0"/>
+      </a:effectRef>
+      <a:fontRef idx="minor">
+        <a:schemeClr val="lt1"/>
+      </a:fontRef>
+    </dgm:style>
+  </dgm:styleLbl>
+  <dgm:styleLbl name="asst4">
+    <dgm:scene3d>
+      <a:camera prst="orthographicFront"/>
+      <a:lightRig rig="threePt" dir="t"/>
+    </dgm:scene3d>
+    <dgm:sp3d/>
+    <dgm:txPr/>
+    <dgm:style>
+      <a:lnRef idx="2">
+        <a:scrgbClr r="0" g="0" b="0"/>
+      </a:lnRef>
+      <a:fillRef idx="1">
+        <a:scrgbClr r="0" g="0" b="0"/>
+      </a:fillRef>
+      <a:effectRef idx="0">
+        <a:scrgbClr r="0" g="0" b="0"/>
+      </a:effectRef>
+      <a:fontRef idx="minor">
+        <a:schemeClr val="lt1"/>
+      </a:fontRef>
+    </dgm:style>
+  </dgm:styleLbl>
+  <dgm:styleLbl name="parChTrans2D1">
+    <dgm:scene3d>
+      <a:camera prst="orthographicFront"/>
+      <a:lightRig rig="threePt" dir="t"/>
+    </dgm:scene3d>
+    <dgm:sp3d/>
+    <dgm:txPr/>
+    <dgm:style>
+      <a:lnRef idx="2">
+        <a:scrgbClr r="0" g="0" b="0"/>
+      </a:lnRef>
+      <a:fillRef idx="1">
+        <a:scrgbClr r="0" g="0" b="0"/>
+      </a:fillRef>
+      <a:effectRef idx="0">
+        <a:scrgbClr r="0" g="0" b="0"/>
+      </a:effectRef>
+      <a:fontRef idx="minor">
+        <a:schemeClr val="lt1"/>
+      </a:fontRef>
+    </dgm:style>
+  </dgm:styleLbl>
+  <dgm:styleLbl name="parChTrans2D2">
+    <dgm:scene3d>
+      <a:camera prst="orthographicFront"/>
+      <a:lightRig rig="threePt" dir="t"/>
+    </dgm:scene3d>
+    <dgm:sp3d/>
+    <dgm:txPr/>
+    <dgm:style>
+      <a:lnRef idx="2">
+        <a:scrgbClr r="0" g="0" b="0"/>
+      </a:lnRef>
+      <a:fillRef idx="1">
+        <a:scrgbClr r="0" g="0" b="0"/>
+      </a:fillRef>
+      <a:effectRef idx="0">
+        <a:scrgbClr r="0" g="0" b="0"/>
+      </a:effectRef>
+      <a:fontRef idx="minor">
+        <a:schemeClr val="lt1"/>
+      </a:fontRef>
+    </dgm:style>
+  </dgm:styleLbl>
+  <dgm:styleLbl name="parChTrans2D3">
+    <dgm:scene3d>
+      <a:camera prst="orthographicFront"/>
+      <a:lightRig rig="threePt" dir="t"/>
+    </dgm:scene3d>
+    <dgm:sp3d/>
+    <dgm:txPr/>
+    <dgm:style>
+      <a:lnRef idx="2">
+        <a:scrgbClr r="0" g="0" b="0"/>
+      </a:lnRef>
+      <a:fillRef idx="1">
+        <a:scrgbClr r="0" g="0" b="0"/>
+      </a:fillRef>
+      <a:effectRef idx="0">
+        <a:scrgbClr r="0" g="0" b="0"/>
+      </a:effectRef>
+      <a:fontRef idx="minor">
+        <a:schemeClr val="lt1"/>
+      </a:fontRef>
+    </dgm:style>
+  </dgm:styleLbl>
+  <dgm:styleLbl name="parChTrans2D4">
+    <dgm:scene3d>
+      <a:camera prst="orthographicFront"/>
+      <a:lightRig rig="threePt" dir="t"/>
+    </dgm:scene3d>
+    <dgm:sp3d/>
+    <dgm:txPr/>
+    <dgm:style>
+      <a:lnRef idx="2">
+        <a:scrgbClr r="0" g="0" b="0"/>
+      </a:lnRef>
+      <a:fillRef idx="1">
+        <a:scrgbClr r="0" g="0" b="0"/>
+      </a:fillRef>
+      <a:effectRef idx="0">
+        <a:scrgbClr r="0" g="0" b="0"/>
+      </a:effectRef>
+      <a:fontRef idx="minor">
+        <a:schemeClr val="lt1"/>
+      </a:fontRef>
+    </dgm:style>
+  </dgm:styleLbl>
+  <dgm:styleLbl name="parChTrans1D1">
+    <dgm:scene3d>
+      <a:camera prst="orthographicFront"/>
+      <a:lightRig rig="threePt" dir="t"/>
+    </dgm:scene3d>
+    <dgm:sp3d/>
+    <dgm:txPr/>
+    <dgm:style>
+      <a:lnRef idx="2">
+        <a:scrgbClr r="0" g="0" b="0"/>
+      </a:lnRef>
+      <a:fillRef idx="0">
+        <a:scrgbClr r="0" g="0" b="0"/>
+      </a:fillRef>
+      <a:effectRef idx="0">
+        <a:scrgbClr r="0" g="0" b="0"/>
+      </a:effectRef>
+      <a:fontRef idx="minor"/>
+    </dgm:style>
+  </dgm:styleLbl>
+  <dgm:styleLbl name="parChTrans1D2">
+    <dgm:scene3d>
+      <a:camera prst="orthographicFront"/>
+      <a:lightRig rig="threePt" dir="t"/>
+    </dgm:scene3d>
+    <dgm:sp3d/>
+    <dgm:txPr/>
+    <dgm:style>
+      <a:lnRef idx="2">
+        <a:scrgbClr r="0" g="0" b="0"/>
+      </a:lnRef>
+      <a:fillRef idx="0">
+        <a:scrgbClr r="0" g="0" b="0"/>
+      </a:fillRef>
+      <a:effectRef idx="0">
+        <a:scrgbClr r="0" g="0" b="0"/>
+      </a:effectRef>
+      <a:fontRef idx="minor"/>
+    </dgm:style>
+  </dgm:styleLbl>
+  <dgm:styleLbl name="parChTrans1D3">
+    <dgm:scene3d>
+      <a:camera prst="orthographicFront"/>
+      <a:lightRig rig="threePt" dir="t"/>
+    </dgm:scene3d>
+    <dgm:sp3d/>
+    <dgm:txPr/>
+    <dgm:style>
+      <a:lnRef idx="2">
+        <a:scrgbClr r="0" g="0" b="0"/>
+      </a:lnRef>
+      <a:fillRef idx="0">
+        <a:scrgbClr r="0" g="0" b="0"/>
+      </a:fillRef>
+      <a:effectRef idx="0">
+        <a:scrgbClr r="0" g="0" b="0"/>
+      </a:effectRef>
+      <a:fontRef idx="minor"/>
+    </dgm:style>
+  </dgm:styleLbl>
+  <dgm:styleLbl name="parChTrans1D4">
+    <dgm:scene3d>
+      <a:camera prst="orthographicFront"/>
+      <a:lightRig rig="threePt" dir="t"/>
+    </dgm:scene3d>
+    <dgm:sp3d/>
+    <dgm:txPr/>
+    <dgm:style>
+      <a:lnRef idx="2">
+        <a:scrgbClr r="0" g="0" b="0"/>
+      </a:lnRef>
+      <a:fillRef idx="0">
+        <a:scrgbClr r="0" g="0" b="0"/>
+      </a:fillRef>
+      <a:effectRef idx="0">
+        <a:scrgbClr r="0" g="0" b="0"/>
+      </a:effectRef>
+      <a:fontRef idx="minor"/>
+    </dgm:style>
+  </dgm:styleLbl>
+  <dgm:styleLbl name="fgAcc1">
+    <dgm:scene3d>
+      <a:camera prst="orthographicFront"/>
+      <a:lightRig rig="threePt" dir="t"/>
+    </dgm:scene3d>
+    <dgm:sp3d/>
+    <dgm:txPr/>
+    <dgm:style>
+      <a:lnRef idx="2">
+        <a:scrgbClr r="0" g="0" b="0"/>
+      </a:lnRef>
+      <a:fillRef idx="1">
+        <a:scrgbClr r="0" g="0" b="0"/>
+      </a:fillRef>
+      <a:effectRef idx="0">
+        <a:scrgbClr r="0" g="0" b="0"/>
+      </a:effectRef>
+      <a:fontRef idx="minor"/>
+    </dgm:style>
+  </dgm:styleLbl>
+  <dgm:styleLbl name="conFgAcc1">
+    <dgm:scene3d>
+      <a:camera prst="orthographicFront"/>
+      <a:lightRig rig="threePt" dir="t"/>
+    </dgm:scene3d>
+    <dgm:sp3d/>
+    <dgm:txPr/>
+    <dgm:style>
+      <a:lnRef idx="2">
+        <a:scrgbClr r="0" g="0" b="0"/>
+      </a:lnRef>
+      <a:fillRef idx="1">
+        <a:scrgbClr r="0" g="0" b="0"/>
+      </a:fillRef>
+      <a:effectRef idx="0">
+        <a:scrgbClr r="0" g="0" b="0"/>
+      </a:effectRef>
+      <a:fontRef idx="minor"/>
+    </dgm:style>
+  </dgm:styleLbl>
+  <dgm:styleLbl name="alignAcc1">
+    <dgm:scene3d>
+      <a:camera prst="orthographicFront"/>
+      <a:lightRig rig="threePt" dir="t"/>
+    </dgm:scene3d>
+    <dgm:sp3d/>
+    <dgm:txPr/>
+    <dgm:style>
+      <a:lnRef idx="2">
+        <a:scrgbClr r="0" g="0" b="0"/>
+      </a:lnRef>
+      <a:fillRef idx="1">
+        <a:scrgbClr r="0" g="0" b="0"/>
+      </a:fillRef>
+      <a:effectRef idx="0">
+        <a:scrgbClr r="0" g="0" b="0"/>
+      </a:effectRef>
+      <a:fontRef idx="minor"/>
+    </dgm:style>
+  </dgm:styleLbl>
+  <dgm:styleLbl name="trAlignAcc1">
+    <dgm:scene3d>
+      <a:camera prst="orthographicFront"/>
+      <a:lightRig rig="threePt" dir="t"/>
+    </dgm:scene3d>
+    <dgm:sp3d/>
+    <dgm:txPr/>
+    <dgm:style>
+      <a:lnRef idx="1">
+        <a:scrgbClr r="0" g="0" b="0"/>
+      </a:lnRef>
+      <a:fillRef idx="1">
+        <a:scrgbClr r="0" g="0" b="0"/>
+      </a:fillRef>
+      <a:effectRef idx="0">
+        <a:scrgbClr r="0" g="0" b="0"/>
+      </a:effectRef>
+      <a:fontRef idx="minor"/>
+    </dgm:style>
+  </dgm:styleLbl>
+  <dgm:styleLbl name="bgAcc1">
+    <dgm:scene3d>
+      <a:camera prst="orthographicFront"/>
+      <a:lightRig rig="threePt" dir="t"/>
+    </dgm:scene3d>
+    <dgm:sp3d/>
+    <dgm:txPr/>
+    <dgm:style>
+      <a:lnRef idx="2">
+        <a:scrgbClr r="0" g="0" b="0"/>
+      </a:lnRef>
+      <a:fillRef idx="1">
+        <a:scrgbClr r="0" g="0" b="0"/>
+      </a:fillRef>
+      <a:effectRef idx="0">
+        <a:scrgbClr r="0" g="0" b="0"/>
+      </a:effectRef>
+      <a:fontRef idx="minor"/>
+    </dgm:style>
+  </dgm:styleLbl>
+  <dgm:styleLbl name="solidFgAcc1">
+    <dgm:scene3d>
+      <a:camera prst="orthographicFront"/>
+      <a:lightRig rig="threePt" dir="t"/>
+    </dgm:scene3d>
+    <dgm:sp3d/>
+    <dgm:txPr/>
+    <dgm:style>
+      <a:lnRef idx="2">
+        <a:scrgbClr r="0" g="0" b="0"/>
+      </a:lnRef>
+      <a:fillRef idx="1">
+        <a:scrgbClr r="0" g="0" b="0"/>
+      </a:fillRef>
+      <a:effectRef idx="0">
+        <a:scrgbClr r="0" g="0" b="0"/>
+      </a:effectRef>
+      <a:fontRef idx="minor"/>
+    </dgm:style>
+  </dgm:styleLbl>
+  <dgm:styleLbl name="solidAlignAcc1">
+    <dgm:scene3d>
+      <a:camera prst="orthographicFront"/>
+      <a:lightRig rig="threePt" dir="t"/>
+    </dgm:scene3d>
+    <dgm:sp3d/>
+    <dgm:txPr/>
+    <dgm:style>
+      <a:lnRef idx="2">
+        <a:scrgbClr r="0" g="0" b="0"/>
+      </a:lnRef>
+      <a:fillRef idx="1">
+        <a:scrgbClr r="0" g="0" b="0"/>
+      </a:fillRef>
+      <a:effectRef idx="0">
+        <a:scrgbClr r="0" g="0" b="0"/>
+      </a:effectRef>
+      <a:fontRef idx="minor"/>
+    </dgm:style>
+  </dgm:styleLbl>
+  <dgm:styleLbl name="solidBgAcc1">
+    <dgm:scene3d>
+      <a:camera prst="orthographicFront"/>
+      <a:lightRig rig="threePt" dir="t"/>
+    </dgm:scene3d>
+    <dgm:sp3d/>
+    <dgm:txPr/>
+    <dgm:style>
+      <a:lnRef idx="2">
+        <a:scrgbClr r="0" g="0" b="0"/>
+      </a:lnRef>
+      <a:fillRef idx="1">
+        <a:scrgbClr r="0" g="0" b="0"/>
+      </a:fillRef>
+      <a:effectRef idx="0">
+        <a:scrgbClr r="0" g="0" b="0"/>
+      </a:effectRef>
+      <a:fontRef idx="minor"/>
+    </dgm:style>
+  </dgm:styleLbl>
+  <dgm:styleLbl name="fgAccFollowNode1">
+    <dgm:scene3d>
+      <a:camera prst="orthographicFront"/>
+      <a:lightRig rig="threePt" dir="t"/>
+    </dgm:scene3d>
+    <dgm:sp3d/>
+    <dgm:txPr/>
+    <dgm:style>
+      <a:lnRef idx="2">
+        <a:scrgbClr r="0" g="0" b="0"/>
+      </a:lnRef>
+      <a:fillRef idx="1">
+        <a:scrgbClr r="0" g="0" b="0"/>
+      </a:fillRef>
+      <a:effectRef idx="0">
+        <a:scrgbClr r="0" g="0" b="0"/>
+      </a:effectRef>
+      <a:fontRef idx="minor"/>
+    </dgm:style>
+  </dgm:styleLbl>
+  <dgm:styleLbl name="alignAccFollowNode1">
+    <dgm:scene3d>
+      <a:camera prst="orthographicFront"/>
+      <a:lightRig rig="threePt" dir="t"/>
+    </dgm:scene3d>
+    <dgm:sp3d/>
+    <dgm:txPr/>
+    <dgm:style>
+      <a:lnRef idx="2">
+        <a:scrgbClr r="0" g="0" b="0"/>
+      </a:lnRef>
+      <a:fillRef idx="1">
+        <a:scrgbClr r="0" g="0" b="0"/>
+      </a:fillRef>
+      <a:effectRef idx="0">
+        <a:scrgbClr r="0" g="0" b="0"/>
+      </a:effectRef>
+      <a:fontRef idx="minor"/>
+    </dgm:style>
+  </dgm:styleLbl>
+  <dgm:styleLbl name="bgAccFollowNode1">
+    <dgm:scene3d>
+      <a:camera prst="orthographicFront"/>
+      <a:lightRig rig="threePt" dir="t"/>
+    </dgm:scene3d>
+    <dgm:sp3d/>
+    <dgm:txPr/>
+    <dgm:style>
+      <a:lnRef idx="2">
+        <a:scrgbClr r="0" g="0" b="0"/>
+      </a:lnRef>
+      <a:fillRef idx="1">
+        <a:scrgbClr r="0" g="0" b="0"/>
+      </a:fillRef>
+      <a:effectRef idx="0">
+        <a:scrgbClr r="0" g="0" b="0"/>
+      </a:effectRef>
+      <a:fontRef idx="minor"/>
+    </dgm:style>
+  </dgm:styleLbl>
+  <dgm:styleLbl name="fgAcc0">
+    <dgm:scene3d>
+      <a:camera prst="orthographicFront"/>
+      <a:lightRig rig="threePt" dir="t"/>
+    </dgm:scene3d>
+    <dgm:sp3d/>
+    <dgm:txPr/>
+    <dgm:style>
+      <a:lnRef idx="2">
+        <a:scrgbClr r="0" g="0" b="0"/>
+      </a:lnRef>
+      <a:fillRef idx="1">
+        <a:scrgbClr r="0" g="0" b="0"/>
+      </a:fillRef>
+      <a:effectRef idx="0">
+        <a:scrgbClr r="0" g="0" b="0"/>
+      </a:effectRef>
+      <a:fontRef idx="minor"/>
+    </dgm:style>
+  </dgm:styleLbl>
+  <dgm:styleLbl name="fgAcc2">
+    <dgm:scene3d>
+      <a:camera prst="orthographicFront"/>
+      <a:lightRig rig="threePt" dir="t"/>
+    </dgm:scene3d>
+    <dgm:sp3d/>
+    <dgm:txPr/>
+    <dgm:style>
+      <a:lnRef idx="2">
+        <a:scrgbClr r="0" g="0" b="0"/>
+      </a:lnRef>
+      <a:fillRef idx="1">
+        <a:scrgbClr r="0" g="0" b="0"/>
+      </a:fillRef>
+      <a:effectRef idx="0">
+        <a:scrgbClr r="0" g="0" b="0"/>
+      </a:effectRef>
+      <a:fontRef idx="minor"/>
+    </dgm:style>
+  </dgm:styleLbl>
+  <dgm:styleLbl name="fgAcc3">
+    <dgm:scene3d>
+      <a:camera prst="orthographicFront"/>
+      <a:lightRig rig="threePt" dir="t"/>
+    </dgm:scene3d>
+    <dgm:sp3d/>
+    <dgm:txPr/>
+    <dgm:style>
+      <a:lnRef idx="2">
+        <a:scrgbClr r="0" g="0" b="0"/>
+      </a:lnRef>
+      <a:fillRef idx="1">
+        <a:scrgbClr r="0" g="0" b="0"/>
+      </a:fillRef>
+      <a:effectRef idx="0">
+        <a:scrgbClr r="0" g="0" b="0"/>
+      </a:effectRef>
+      <a:fontRef idx="minor"/>
+    </dgm:style>
+  </dgm:styleLbl>
+  <dgm:styleLbl name="fgAcc4">
+    <dgm:scene3d>
+      <a:camera prst="orthographicFront"/>
+      <a:lightRig rig="threePt" dir="t"/>
+    </dgm:scene3d>
+    <dgm:sp3d/>
+    <dgm:txPr/>
+    <dgm:style>
+      <a:lnRef idx="2">
+        <a:scrgbClr r="0" g="0" b="0"/>
+      </a:lnRef>
+      <a:fillRef idx="1">
+        <a:scrgbClr r="0" g="0" b="0"/>
+      </a:fillRef>
+      <a:effectRef idx="0">
+        <a:scrgbClr r="0" g="0" b="0"/>
+      </a:effectRef>
+      <a:fontRef idx="minor"/>
+    </dgm:style>
+  </dgm:styleLbl>
+  <dgm:styleLbl name="bgShp">
+    <dgm:scene3d>
+      <a:camera prst="orthographicFront"/>
+      <a:lightRig rig="threePt" dir="t"/>
+    </dgm:scene3d>
+    <dgm:sp3d/>
+    <dgm:txPr/>
+    <dgm:style>
+      <a:lnRef idx="0">
+        <a:scrgbClr r="0" g="0" b="0"/>
+      </a:lnRef>
+      <a:fillRef idx="1">
+        <a:scrgbClr r="0" g="0" b="0"/>
+      </a:fillRef>
+      <a:effectRef idx="0">
+        <a:scrgbClr r="0" g="0" b="0"/>
+      </a:effectRef>
+      <a:fontRef idx="minor"/>
+    </dgm:style>
+  </dgm:styleLbl>
+  <dgm:styleLbl name="dkBgShp">
+    <dgm:scene3d>
+      <a:camera prst="orthographicFront"/>
+      <a:lightRig rig="threePt" dir="t"/>
+    </dgm:scene3d>
+    <dgm:sp3d/>
+    <dgm:txPr/>
+    <dgm:style>
+      <a:lnRef idx="0">
+        <a:scrgbClr r="0" g="0" b="0"/>
+      </a:lnRef>
+      <a:fillRef idx="1">
+        <a:scrgbClr r="0" g="0" b="0"/>
+      </a:fillRef>
+      <a:effectRef idx="0">
+        <a:scrgbClr r="0" g="0" b="0"/>
+      </a:effectRef>
+      <a:fontRef idx="minor"/>
+    </dgm:style>
+  </dgm:styleLbl>
+  <dgm:styleLbl name="trBgShp">
+    <dgm:scene3d>
+      <a:camera prst="orthographicFront"/>
+      <a:lightRig rig="threePt" dir="t"/>
+    </dgm:scene3d>
+    <dgm:sp3d/>
+    <dgm:txPr/>
+    <dgm:style>
+      <a:lnRef idx="0">
+        <a:scrgbClr r="0" g="0" b="0"/>
+      </a:lnRef>
+      <a:fillRef idx="1">
+        <a:scrgbClr r="0" g="0" b="0"/>
+      </a:fillRef>
+      <a:effectRef idx="0">
+        <a:scrgbClr r="0" g="0" b="0"/>
+      </a:effectRef>
+      <a:fontRef idx="minor"/>
+    </dgm:style>
+  </dgm:styleLbl>
+  <dgm:styleLbl name="fgShp">
+    <dgm:scene3d>
+      <a:camera prst="orthographicFront"/>
+      <a:lightRig rig="threePt" dir="t"/>
+    </dgm:scene3d>
+    <dgm:sp3d/>
+    <dgm:txPr/>
+    <dgm:style>
+      <a:lnRef idx="2">
+        <a:scrgbClr r="0" g="0" b="0"/>
+      </a:lnRef>
+      <a:fillRef idx="1">
+        <a:scrgbClr r="0" g="0" b="0"/>
+      </a:fillRef>
+      <a:effectRef idx="0">
+        <a:scrgbClr r="0" g="0" b="0"/>
+      </a:effectRef>
+      <a:fontRef idx="minor"/>
     </dgm:style>
   </dgm:styleLbl>
   <dgm:styleLbl name="revTx">
@@ -16280,7 +19791,7 @@
           <p:nvPr>
             <p:extLst>
               <p:ext uri="{D42A27DB-BD31-4B8C-83A1-F6EECF244321}">
-                <p14:modId xmlns:p14="http://schemas.microsoft.com/office/powerpoint/2010/main" val="307252166"/>
+                <p14:modId xmlns:p14="http://schemas.microsoft.com/office/powerpoint/2010/main" val="3094028156"/>
               </p:ext>
             </p:extLst>
           </p:nvPr>
@@ -16299,6 +19810,598 @@
     <p:extLst>
       <p:ext uri="{BB962C8B-B14F-4D97-AF65-F5344CB8AC3E}">
         <p14:creationId xmlns:p14="http://schemas.microsoft.com/office/powerpoint/2010/main" val="27304583"/>
+      </p:ext>
+    </p:extLst>
+  </p:cSld>
+  <p:clrMapOvr>
+    <a:masterClrMapping/>
+  </p:clrMapOvr>
+</p:sld>
+</file>
+
+<file path=ppt/slides/slide6.xml><?xml version="1.0" encoding="utf-8"?>
+<p:sld xmlns:a="http://schemas.openxmlformats.org/drawingml/2006/main" xmlns:r="http://schemas.openxmlformats.org/officeDocument/2006/relationships" xmlns:p="http://schemas.openxmlformats.org/presentationml/2006/main">
+  <p:cSld>
+    <p:spTree>
+      <p:nvGrpSpPr>
+        <p:cNvPr id="1" name=""/>
+        <p:cNvGrpSpPr/>
+        <p:nvPr/>
+      </p:nvGrpSpPr>
+      <p:grpSpPr>
+        <a:xfrm>
+          <a:off x="0" y="0"/>
+          <a:ext cx="0" cy="0"/>
+          <a:chOff x="0" y="0"/>
+          <a:chExt cx="0" cy="0"/>
+        </a:xfrm>
+      </p:grpSpPr>
+      <p:sp>
+        <p:nvSpPr>
+          <p:cNvPr id="18" name="Título 17">
+            <a:extLst>
+              <a:ext uri="{FF2B5EF4-FFF2-40B4-BE49-F238E27FC236}">
+                <a16:creationId xmlns:a16="http://schemas.microsoft.com/office/drawing/2014/main" id="{5EF6C4A2-8289-A4B6-8F82-776D61D0A91E}"/>
+              </a:ext>
+            </a:extLst>
+          </p:cNvPr>
+          <p:cNvSpPr>
+            <a:spLocks noGrp="1"/>
+          </p:cNvSpPr>
+          <p:nvPr>
+            <p:ph type="ctrTitle"/>
+          </p:nvPr>
+        </p:nvSpPr>
+        <p:spPr>
+          <a:xfrm>
+            <a:off x="2704071" y="543697"/>
+            <a:ext cx="6783858" cy="835576"/>
+          </a:xfrm>
+        </p:spPr>
+        <p:txBody>
+          <a:bodyPr/>
+          <a:lstStyle/>
+          <a:p>
+            <a:r>
+              <a:rPr lang="es-CL" sz="4000" dirty="0"/>
+              <a:t>Propuesta de Arquitectura</a:t>
+            </a:r>
+          </a:p>
+        </p:txBody>
+      </p:sp>
+      <p:graphicFrame>
+        <p:nvGraphicFramePr>
+          <p:cNvPr id="2" name="Diagrama 1">
+            <a:extLst>
+              <a:ext uri="{FF2B5EF4-FFF2-40B4-BE49-F238E27FC236}">
+                <a16:creationId xmlns:a16="http://schemas.microsoft.com/office/drawing/2014/main" id="{10F59399-E3BD-3924-F0C0-B89957E673BF}"/>
+              </a:ext>
+            </a:extLst>
+          </p:cNvPr>
+          <p:cNvGraphicFramePr/>
+          <p:nvPr>
+            <p:extLst>
+              <p:ext uri="{D42A27DB-BD31-4B8C-83A1-F6EECF244321}">
+                <p14:modId xmlns:p14="http://schemas.microsoft.com/office/powerpoint/2010/main" val="861373773"/>
+              </p:ext>
+            </p:extLst>
+          </p:nvPr>
+        </p:nvGraphicFramePr>
+        <p:xfrm>
+          <a:off x="3204519" y="1532238"/>
+          <a:ext cx="5782962" cy="4782065"/>
+        </p:xfrm>
+        <a:graphic>
+          <a:graphicData uri="http://schemas.openxmlformats.org/drawingml/2006/diagram">
+            <dgm:relIds xmlns:dgm="http://schemas.openxmlformats.org/drawingml/2006/diagram" xmlns:r="http://schemas.openxmlformats.org/officeDocument/2006/relationships" r:dm="rId2" r:lo="rId3" r:qs="rId4" r:cs="rId5"/>
+          </a:graphicData>
+        </a:graphic>
+      </p:graphicFrame>
+    </p:spTree>
+    <p:extLst>
+      <p:ext uri="{BB962C8B-B14F-4D97-AF65-F5344CB8AC3E}">
+        <p14:creationId xmlns:p14="http://schemas.microsoft.com/office/powerpoint/2010/main" val="574311403"/>
+      </p:ext>
+    </p:extLst>
+  </p:cSld>
+  <p:clrMapOvr>
+    <a:masterClrMapping/>
+  </p:clrMapOvr>
+</p:sld>
+</file>
+
+<file path=ppt/slides/slide7.xml><?xml version="1.0" encoding="utf-8"?>
+<p:sld xmlns:a="http://schemas.openxmlformats.org/drawingml/2006/main" xmlns:r="http://schemas.openxmlformats.org/officeDocument/2006/relationships" xmlns:p="http://schemas.openxmlformats.org/presentationml/2006/main">
+  <p:cSld>
+    <p:spTree>
+      <p:nvGrpSpPr>
+        <p:cNvPr id="1" name=""/>
+        <p:cNvGrpSpPr/>
+        <p:nvPr/>
+      </p:nvGrpSpPr>
+      <p:grpSpPr>
+        <a:xfrm>
+          <a:off x="0" y="0"/>
+          <a:ext cx="0" cy="0"/>
+          <a:chOff x="0" y="0"/>
+          <a:chExt cx="0" cy="0"/>
+        </a:xfrm>
+      </p:grpSpPr>
+      <p:sp>
+        <p:nvSpPr>
+          <p:cNvPr id="18" name="Título 17">
+            <a:extLst>
+              <a:ext uri="{FF2B5EF4-FFF2-40B4-BE49-F238E27FC236}">
+                <a16:creationId xmlns:a16="http://schemas.microsoft.com/office/drawing/2014/main" id="{5EF6C4A2-8289-A4B6-8F82-776D61D0A91E}"/>
+              </a:ext>
+            </a:extLst>
+          </p:cNvPr>
+          <p:cNvSpPr>
+            <a:spLocks noGrp="1"/>
+          </p:cNvSpPr>
+          <p:nvPr>
+            <p:ph type="ctrTitle"/>
+          </p:nvPr>
+        </p:nvSpPr>
+        <p:spPr>
+          <a:xfrm>
+            <a:off x="2704071" y="543697"/>
+            <a:ext cx="6783858" cy="835576"/>
+          </a:xfrm>
+        </p:spPr>
+        <p:txBody>
+          <a:bodyPr/>
+          <a:lstStyle/>
+          <a:p>
+            <a:r>
+              <a:rPr lang="es-CL" sz="4000" dirty="0"/>
+              <a:t>Propuesta de Arquitectura</a:t>
+            </a:r>
+          </a:p>
+        </p:txBody>
+      </p:sp>
+    </p:spTree>
+    <p:extLst>
+      <p:ext uri="{BB962C8B-B14F-4D97-AF65-F5344CB8AC3E}">
+        <p14:creationId xmlns:p14="http://schemas.microsoft.com/office/powerpoint/2010/main" val="3801692906"/>
+      </p:ext>
+    </p:extLst>
+  </p:cSld>
+  <p:clrMapOvr>
+    <a:masterClrMapping/>
+  </p:clrMapOvr>
+</p:sld>
+</file>
+
+<file path=ppt/slides/slide8.xml><?xml version="1.0" encoding="utf-8"?>
+<p:sld xmlns:a="http://schemas.openxmlformats.org/drawingml/2006/main" xmlns:r="http://schemas.openxmlformats.org/officeDocument/2006/relationships" xmlns:p="http://schemas.openxmlformats.org/presentationml/2006/main">
+  <p:cSld>
+    <p:spTree>
+      <p:nvGrpSpPr>
+        <p:cNvPr id="1" name=""/>
+        <p:cNvGrpSpPr/>
+        <p:nvPr/>
+      </p:nvGrpSpPr>
+      <p:grpSpPr>
+        <a:xfrm>
+          <a:off x="0" y="0"/>
+          <a:ext cx="0" cy="0"/>
+          <a:chOff x="0" y="0"/>
+          <a:chExt cx="0" cy="0"/>
+        </a:xfrm>
+      </p:grpSpPr>
+      <p:sp>
+        <p:nvSpPr>
+          <p:cNvPr id="18" name="Título 17">
+            <a:extLst>
+              <a:ext uri="{FF2B5EF4-FFF2-40B4-BE49-F238E27FC236}">
+                <a16:creationId xmlns:a16="http://schemas.microsoft.com/office/drawing/2014/main" id="{5EF6C4A2-8289-A4B6-8F82-776D61D0A91E}"/>
+              </a:ext>
+            </a:extLst>
+          </p:cNvPr>
+          <p:cNvSpPr>
+            <a:spLocks noGrp="1"/>
+          </p:cNvSpPr>
+          <p:nvPr>
+            <p:ph type="ctrTitle"/>
+          </p:nvPr>
+        </p:nvSpPr>
+        <p:spPr>
+          <a:xfrm>
+            <a:off x="2704071" y="543697"/>
+            <a:ext cx="6783858" cy="835576"/>
+          </a:xfrm>
+        </p:spPr>
+        <p:txBody>
+          <a:bodyPr/>
+          <a:lstStyle/>
+          <a:p>
+            <a:pPr algn="ctr"/>
+            <a:r>
+              <a:rPr lang="es-CL" sz="4000" dirty="0"/>
+              <a:t>Herramientas para nueva Arquitectura</a:t>
+            </a:r>
+          </a:p>
+        </p:txBody>
+      </p:sp>
+      <p:pic>
+        <p:nvPicPr>
+          <p:cNvPr id="17" name="Imagen 16">
+            <a:extLst>
+              <a:ext uri="{FF2B5EF4-FFF2-40B4-BE49-F238E27FC236}">
+                <a16:creationId xmlns:a16="http://schemas.microsoft.com/office/drawing/2014/main" id="{A545E643-D4D6-5923-12AC-A1B84E4322C5}"/>
+              </a:ext>
+            </a:extLst>
+          </p:cNvPr>
+          <p:cNvPicPr>
+            <a:picLocks noChangeAspect="1"/>
+          </p:cNvPicPr>
+          <p:nvPr/>
+        </p:nvPicPr>
+        <p:blipFill>
+          <a:blip r:embed="rId2"/>
+          <a:stretch>
+            <a:fillRect/>
+          </a:stretch>
+        </p:blipFill>
+        <p:spPr>
+          <a:xfrm>
+            <a:off x="691979" y="1811762"/>
+            <a:ext cx="2452041" cy="1379273"/>
+          </a:xfrm>
+          <a:prstGeom prst="rect">
+            <a:avLst/>
+          </a:prstGeom>
+        </p:spPr>
+      </p:pic>
+      <p:pic>
+        <p:nvPicPr>
+          <p:cNvPr id="20" name="Imagen 19">
+            <a:extLst>
+              <a:ext uri="{FF2B5EF4-FFF2-40B4-BE49-F238E27FC236}">
+                <a16:creationId xmlns:a16="http://schemas.microsoft.com/office/drawing/2014/main" id="{3B63E61F-0C34-ECD3-7992-3043D4A437EA}"/>
+              </a:ext>
+            </a:extLst>
+          </p:cNvPr>
+          <p:cNvPicPr>
+            <a:picLocks noChangeAspect="1"/>
+          </p:cNvPicPr>
+          <p:nvPr/>
+        </p:nvPicPr>
+        <p:blipFill>
+          <a:blip r:embed="rId3"/>
+          <a:stretch>
+            <a:fillRect/>
+          </a:stretch>
+        </p:blipFill>
+        <p:spPr>
+          <a:xfrm>
+            <a:off x="4470400" y="3241331"/>
+            <a:ext cx="3251200" cy="1625600"/>
+          </a:xfrm>
+          <a:prstGeom prst="rect">
+            <a:avLst/>
+          </a:prstGeom>
+        </p:spPr>
+      </p:pic>
+      <p:pic>
+        <p:nvPicPr>
+          <p:cNvPr id="22" name="Imagen 21">
+            <a:extLst>
+              <a:ext uri="{FF2B5EF4-FFF2-40B4-BE49-F238E27FC236}">
+                <a16:creationId xmlns:a16="http://schemas.microsoft.com/office/drawing/2014/main" id="{C4A1F494-E096-6593-1136-BF6D7B6E1D9B}"/>
+              </a:ext>
+            </a:extLst>
+          </p:cNvPr>
+          <p:cNvPicPr>
+            <a:picLocks noChangeAspect="1"/>
+          </p:cNvPicPr>
+          <p:nvPr/>
+        </p:nvPicPr>
+        <p:blipFill>
+          <a:blip r:embed="rId4"/>
+          <a:stretch>
+            <a:fillRect/>
+          </a:stretch>
+        </p:blipFill>
+        <p:spPr>
+          <a:xfrm>
+            <a:off x="5318095" y="1845741"/>
+            <a:ext cx="2331220" cy="1311311"/>
+          </a:xfrm>
+          <a:prstGeom prst="rect">
+            <a:avLst/>
+          </a:prstGeom>
+        </p:spPr>
+      </p:pic>
+      <p:pic>
+        <p:nvPicPr>
+          <p:cNvPr id="24" name="Imagen 23">
+            <a:extLst>
+              <a:ext uri="{FF2B5EF4-FFF2-40B4-BE49-F238E27FC236}">
+                <a16:creationId xmlns:a16="http://schemas.microsoft.com/office/drawing/2014/main" id="{DD603F83-84CB-8AF5-937B-D63922AA8A49}"/>
+              </a:ext>
+            </a:extLst>
+          </p:cNvPr>
+          <p:cNvPicPr>
+            <a:picLocks noChangeAspect="1"/>
+          </p:cNvPicPr>
+          <p:nvPr/>
+        </p:nvPicPr>
+        <p:blipFill>
+          <a:blip r:embed="rId5"/>
+          <a:stretch>
+            <a:fillRect/>
+          </a:stretch>
+        </p:blipFill>
+        <p:spPr>
+          <a:xfrm>
+            <a:off x="2704071" y="3510434"/>
+            <a:ext cx="1096952" cy="1087395"/>
+          </a:xfrm>
+          <a:prstGeom prst="rect">
+            <a:avLst/>
+          </a:prstGeom>
+        </p:spPr>
+      </p:pic>
+      <p:pic>
+        <p:nvPicPr>
+          <p:cNvPr id="26" name="Imagen 25">
+            <a:extLst>
+              <a:ext uri="{FF2B5EF4-FFF2-40B4-BE49-F238E27FC236}">
+                <a16:creationId xmlns:a16="http://schemas.microsoft.com/office/drawing/2014/main" id="{136722CF-C0FB-96A5-877B-B80C9177A6BC}"/>
+              </a:ext>
+            </a:extLst>
+          </p:cNvPr>
+          <p:cNvPicPr>
+            <a:picLocks noChangeAspect="1"/>
+          </p:cNvPicPr>
+          <p:nvPr/>
+        </p:nvPicPr>
+        <p:blipFill>
+          <a:blip r:embed="rId6"/>
+          <a:stretch>
+            <a:fillRect/>
+          </a:stretch>
+        </p:blipFill>
+        <p:spPr>
+          <a:xfrm>
+            <a:off x="3470051" y="1853672"/>
+            <a:ext cx="1295450" cy="1295450"/>
+          </a:xfrm>
+          <a:prstGeom prst="rect">
+            <a:avLst/>
+          </a:prstGeom>
+        </p:spPr>
+      </p:pic>
+      <p:pic>
+        <p:nvPicPr>
+          <p:cNvPr id="28" name="Gráfico 27">
+            <a:extLst>
+              <a:ext uri="{FF2B5EF4-FFF2-40B4-BE49-F238E27FC236}">
+                <a16:creationId xmlns:a16="http://schemas.microsoft.com/office/drawing/2014/main" id="{F0952AC3-DFD7-E2E9-F10E-622F135C8601}"/>
+              </a:ext>
+            </a:extLst>
+          </p:cNvPr>
+          <p:cNvPicPr>
+            <a:picLocks noChangeAspect="1"/>
+          </p:cNvPicPr>
+          <p:nvPr/>
+        </p:nvPicPr>
+        <p:blipFill>
+          <a:blip r:embed="rId7">
+            <a:extLst>
+              <a:ext uri="{96DAC541-7B7A-43D3-8B79-37D633B846F1}">
+                <asvg:svgBlip xmlns:asvg="http://schemas.microsoft.com/office/drawing/2016/SVG/main" r:embed="rId8"/>
+              </a:ext>
+            </a:extLst>
+          </a:blip>
+          <a:stretch>
+            <a:fillRect/>
+          </a:stretch>
+        </p:blipFill>
+        <p:spPr>
+          <a:xfrm>
+            <a:off x="2127948" y="3734411"/>
+            <a:ext cx="4355757" cy="2903838"/>
+          </a:xfrm>
+          <a:prstGeom prst="rect">
+            <a:avLst/>
+          </a:prstGeom>
+        </p:spPr>
+      </p:pic>
+      <p:pic>
+        <p:nvPicPr>
+          <p:cNvPr id="32" name="Imagen 31">
+            <a:extLst>
+              <a:ext uri="{FF2B5EF4-FFF2-40B4-BE49-F238E27FC236}">
+                <a16:creationId xmlns:a16="http://schemas.microsoft.com/office/drawing/2014/main" id="{60569088-03A2-01E1-B1DD-5216E8ED1BF3}"/>
+              </a:ext>
+            </a:extLst>
+          </p:cNvPr>
+          <p:cNvPicPr>
+            <a:picLocks noChangeAspect="1"/>
+          </p:cNvPicPr>
+          <p:nvPr/>
+        </p:nvPicPr>
+        <p:blipFill>
+          <a:blip r:embed="rId9"/>
+          <a:stretch>
+            <a:fillRect/>
+          </a:stretch>
+        </p:blipFill>
+        <p:spPr>
+          <a:xfrm>
+            <a:off x="6412103" y="4518011"/>
+            <a:ext cx="1295450" cy="1295450"/>
+          </a:xfrm>
+          <a:prstGeom prst="rect">
+            <a:avLst/>
+          </a:prstGeom>
+        </p:spPr>
+      </p:pic>
+      <p:pic>
+        <p:nvPicPr>
+          <p:cNvPr id="34" name="Imagen 33">
+            <a:extLst>
+              <a:ext uri="{FF2B5EF4-FFF2-40B4-BE49-F238E27FC236}">
+                <a16:creationId xmlns:a16="http://schemas.microsoft.com/office/drawing/2014/main" id="{4833965B-32A9-242D-9561-3B0E703BCBD1}"/>
+              </a:ext>
+            </a:extLst>
+          </p:cNvPr>
+          <p:cNvPicPr>
+            <a:picLocks noChangeAspect="1"/>
+          </p:cNvPicPr>
+          <p:nvPr/>
+        </p:nvPicPr>
+        <p:blipFill>
+          <a:blip r:embed="rId10"/>
+          <a:stretch>
+            <a:fillRect/>
+          </a:stretch>
+        </p:blipFill>
+        <p:spPr>
+          <a:xfrm>
+            <a:off x="1150317" y="4717217"/>
+            <a:ext cx="1080146" cy="1087395"/>
+          </a:xfrm>
+          <a:prstGeom prst="rect">
+            <a:avLst/>
+          </a:prstGeom>
+        </p:spPr>
+      </p:pic>
+      <p:sp>
+        <p:nvSpPr>
+          <p:cNvPr id="35" name="Cheurón 34">
+            <a:extLst>
+              <a:ext uri="{FF2B5EF4-FFF2-40B4-BE49-F238E27FC236}">
+                <a16:creationId xmlns:a16="http://schemas.microsoft.com/office/drawing/2014/main" id="{833B9CDD-2520-8E3B-DFDC-A8A7096302ED}"/>
+              </a:ext>
+            </a:extLst>
+          </p:cNvPr>
+          <p:cNvSpPr/>
+          <p:nvPr/>
+        </p:nvSpPr>
+        <p:spPr>
+          <a:xfrm>
+            <a:off x="8501220" y="2769645"/>
+            <a:ext cx="444844" cy="1929531"/>
+          </a:xfrm>
+          <a:prstGeom prst="chevron">
+            <a:avLst/>
+          </a:prstGeom>
+          <a:solidFill>
+            <a:schemeClr val="tx1">
+              <a:lumMod val="95000"/>
+            </a:schemeClr>
+          </a:solidFill>
+          <a:ln>
+            <a:noFill/>
+          </a:ln>
+        </p:spPr>
+        <p:style>
+          <a:lnRef idx="2">
+            <a:schemeClr val="accent1">
+              <a:shade val="15000"/>
+            </a:schemeClr>
+          </a:lnRef>
+          <a:fillRef idx="1">
+            <a:schemeClr val="accent1"/>
+          </a:fillRef>
+          <a:effectRef idx="0">
+            <a:schemeClr val="accent1"/>
+          </a:effectRef>
+          <a:fontRef idx="minor">
+            <a:schemeClr val="lt1"/>
+          </a:fontRef>
+        </p:style>
+        <p:txBody>
+          <a:bodyPr rtlCol="0" anchor="ctr"/>
+          <a:lstStyle/>
+          <a:p>
+            <a:pPr algn="ctr"/>
+            <a:endParaRPr lang="es-CL">
+              <a:solidFill>
+                <a:schemeClr val="tx1"/>
+              </a:solidFill>
+            </a:endParaRPr>
+          </a:p>
+        </p:txBody>
+      </p:sp>
+      <p:pic>
+        <p:nvPicPr>
+          <p:cNvPr id="37" name="Imagen 36">
+            <a:extLst>
+              <a:ext uri="{FF2B5EF4-FFF2-40B4-BE49-F238E27FC236}">
+                <a16:creationId xmlns:a16="http://schemas.microsoft.com/office/drawing/2014/main" id="{EA0B8D6F-EE98-4D3D-DBFA-A214F710BAE5}"/>
+              </a:ext>
+            </a:extLst>
+          </p:cNvPr>
+          <p:cNvPicPr>
+            <a:picLocks noChangeAspect="1"/>
+          </p:cNvPicPr>
+          <p:nvPr/>
+        </p:nvPicPr>
+        <p:blipFill>
+          <a:blip r:embed="rId11"/>
+          <a:stretch>
+            <a:fillRect/>
+          </a:stretch>
+        </p:blipFill>
+        <p:spPr>
+          <a:xfrm>
+            <a:off x="9600513" y="2697236"/>
+            <a:ext cx="1679669" cy="1292615"/>
+          </a:xfrm>
+          <a:prstGeom prst="rect">
+            <a:avLst/>
+          </a:prstGeom>
+        </p:spPr>
+      </p:pic>
+      <p:sp>
+        <p:nvSpPr>
+          <p:cNvPr id="38" name="CuadroTexto 37">
+            <a:extLst>
+              <a:ext uri="{FF2B5EF4-FFF2-40B4-BE49-F238E27FC236}">
+                <a16:creationId xmlns:a16="http://schemas.microsoft.com/office/drawing/2014/main" id="{1394ED54-78C6-B0BF-B986-A23C9B035783}"/>
+              </a:ext>
+            </a:extLst>
+          </p:cNvPr>
+          <p:cNvSpPr txBox="1"/>
+          <p:nvPr/>
+        </p:nvSpPr>
+        <p:spPr>
+          <a:xfrm>
+            <a:off x="9159300" y="4193997"/>
+            <a:ext cx="2743940" cy="523220"/>
+          </a:xfrm>
+          <a:prstGeom prst="rect">
+            <a:avLst/>
+          </a:prstGeom>
+          <a:noFill/>
+        </p:spPr>
+        <p:txBody>
+          <a:bodyPr wrap="square" rtlCol="0">
+            <a:spAutoFit/>
+          </a:bodyPr>
+          <a:lstStyle/>
+          <a:p>
+            <a:pPr algn="ctr"/>
+            <a:r>
+              <a:rPr lang="es-CL" sz="1400" dirty="0" err="1"/>
+              <a:t>Uptime</a:t>
+            </a:r>
+            <a:r>
+              <a:rPr lang="es-CL" sz="1400" dirty="0"/>
+              <a:t> de sistemas en periodos académicos críticos</a:t>
+            </a:r>
+          </a:p>
+        </p:txBody>
+      </p:sp>
+    </p:spTree>
+    <p:extLst>
+      <p:ext uri="{BB962C8B-B14F-4D97-AF65-F5344CB8AC3E}">
+        <p14:creationId xmlns:p14="http://schemas.microsoft.com/office/powerpoint/2010/main" val="990462347"/>
       </p:ext>
     </p:extLst>
   </p:cSld>

--- a/PPT_DevOps.pptx
+++ b/PPT_DevOps.pptx
@@ -2600,46 +2600,6 @@
         </a:p>
       </dgm:t>
     </dgm:pt>
-    <dgm:pt modelId="{A259826A-C01F-054B-B86E-C6B73C96D128}">
-      <dgm:prSet/>
-      <dgm:spPr>
-        <a:solidFill>
-          <a:srgbClr val="00B050"/>
-        </a:solidFill>
-      </dgm:spPr>
-      <dgm:t>
-        <a:bodyPr/>
-        <a:lstStyle/>
-        <a:p>
-          <a:r>
-            <a:rPr lang="es-MX"/>
-            <a:t>Pruebas</a:t>
-          </a:r>
-        </a:p>
-      </dgm:t>
-    </dgm:pt>
-    <dgm:pt modelId="{DFD6664D-062F-9F48-B1BC-6B71B5ABF82C}" type="parTrans" cxnId="{78951E95-81EF-DF4A-82CA-0465113D86E6}">
-      <dgm:prSet/>
-      <dgm:spPr/>
-      <dgm:t>
-        <a:bodyPr/>
-        <a:lstStyle/>
-        <a:p>
-          <a:endParaRPr lang="es-MX"/>
-        </a:p>
-      </dgm:t>
-    </dgm:pt>
-    <dgm:pt modelId="{D319552B-176E-1744-AB9B-B6C6E9B74A7A}" type="sibTrans" cxnId="{78951E95-81EF-DF4A-82CA-0465113D86E6}">
-      <dgm:prSet/>
-      <dgm:spPr/>
-      <dgm:t>
-        <a:bodyPr/>
-        <a:lstStyle/>
-        <a:p>
-          <a:endParaRPr lang="es-MX"/>
-        </a:p>
-      </dgm:t>
-    </dgm:pt>
     <dgm:pt modelId="{3EF2C8D8-A602-4D4E-86DC-7AAA5490B854}" type="pres">
       <dgm:prSet presAssocID="{1D26773A-8EBB-5B4A-9059-FB8C41A56393}" presName="Name0" presStyleCnt="0">
         <dgm:presLayoutVars>
@@ -2654,7 +2614,7 @@
       <dgm:spPr/>
     </dgm:pt>
     <dgm:pt modelId="{EAACFB85-5298-5A4A-A3C5-51061BB7014C}" type="pres">
-      <dgm:prSet presAssocID="{1376B9E1-09F4-AE45-BCB7-A2668ACAE626}" presName="nodeFirstNode" presStyleLbl="node1" presStyleIdx="0" presStyleCnt="6">
+      <dgm:prSet presAssocID="{1376B9E1-09F4-AE45-BCB7-A2668ACAE626}" presName="nodeFirstNode" presStyleLbl="node1" presStyleIdx="0" presStyleCnt="5">
         <dgm:presLayoutVars>
           <dgm:bulletEnabled val="1"/>
         </dgm:presLayoutVars>
@@ -2666,7 +2626,7 @@
       <dgm:spPr/>
     </dgm:pt>
     <dgm:pt modelId="{B50EBEE3-6C92-4444-A4F4-2A77181982DA}" type="pres">
-      <dgm:prSet presAssocID="{8F94BAC6-01CF-1846-A757-593C76D039DB}" presName="nodeFollowingNodes" presStyleLbl="node1" presStyleIdx="1" presStyleCnt="6">
+      <dgm:prSet presAssocID="{8F94BAC6-01CF-1846-A757-593C76D039DB}" presName="nodeFollowingNodes" presStyleLbl="node1" presStyleIdx="1" presStyleCnt="5">
         <dgm:presLayoutVars>
           <dgm:bulletEnabled val="1"/>
         </dgm:presLayoutVars>
@@ -2674,7 +2634,7 @@
       <dgm:spPr/>
     </dgm:pt>
     <dgm:pt modelId="{950EC70F-F46E-7747-B17D-64D38A81A96C}" type="pres">
-      <dgm:prSet presAssocID="{7422B817-005B-D64C-AB15-95E839BBE68B}" presName="nodeFollowingNodes" presStyleLbl="node1" presStyleIdx="2" presStyleCnt="6">
+      <dgm:prSet presAssocID="{7422B817-005B-D64C-AB15-95E839BBE68B}" presName="nodeFollowingNodes" presStyleLbl="node1" presStyleIdx="2" presStyleCnt="5">
         <dgm:presLayoutVars>
           <dgm:bulletEnabled val="1"/>
         </dgm:presLayoutVars>
@@ -2682,15 +2642,7 @@
       <dgm:spPr/>
     </dgm:pt>
     <dgm:pt modelId="{189CA02C-4AE8-BE4E-A846-B91976E1C660}" type="pres">
-      <dgm:prSet presAssocID="{9998E93D-CF3A-0D47-BCFC-993EC4BC6308}" presName="nodeFollowingNodes" presStyleLbl="node1" presStyleIdx="3" presStyleCnt="6">
-        <dgm:presLayoutVars>
-          <dgm:bulletEnabled val="1"/>
-        </dgm:presLayoutVars>
-      </dgm:prSet>
-      <dgm:spPr/>
-    </dgm:pt>
-    <dgm:pt modelId="{9B203C55-9AAC-5146-BD85-C627776F722B}" type="pres">
-      <dgm:prSet presAssocID="{A259826A-C01F-054B-B86E-C6B73C96D128}" presName="nodeFollowingNodes" presStyleLbl="node1" presStyleIdx="4" presStyleCnt="6">
+      <dgm:prSet presAssocID="{9998E93D-CF3A-0D47-BCFC-993EC4BC6308}" presName="nodeFollowingNodes" presStyleLbl="node1" presStyleIdx="3" presStyleCnt="5">
         <dgm:presLayoutVars>
           <dgm:bulletEnabled val="1"/>
         </dgm:presLayoutVars>
@@ -2698,7 +2650,7 @@
       <dgm:spPr/>
     </dgm:pt>
     <dgm:pt modelId="{8EE90D3B-3D12-9A4D-9CA1-2BE8D4D41225}" type="pres">
-      <dgm:prSet presAssocID="{A44682E8-70B4-A342-916F-E6EDE2EE1942}" presName="nodeFollowingNodes" presStyleLbl="node1" presStyleIdx="5" presStyleCnt="6">
+      <dgm:prSet presAssocID="{A44682E8-70B4-A342-916F-E6EDE2EE1942}" presName="nodeFollowingNodes" presStyleLbl="node1" presStyleIdx="4" presStyleCnt="5">
         <dgm:presLayoutVars>
           <dgm:bulletEnabled val="1"/>
         </dgm:presLayoutVars>
@@ -2713,22 +2665,19 @@
     <dgm:cxn modelId="{49AA5335-D6D4-9144-904D-1BC4F18A108B}" type="presOf" srcId="{9998E93D-CF3A-0D47-BCFC-993EC4BC6308}" destId="{189CA02C-4AE8-BE4E-A846-B91976E1C660}" srcOrd="0" destOrd="0" presId="urn:microsoft.com/office/officeart/2005/8/layout/cycle3"/>
     <dgm:cxn modelId="{6FECFE77-3449-9243-8AE2-F6E7CEB0F766}" srcId="{1D26773A-8EBB-5B4A-9059-FB8C41A56393}" destId="{9998E93D-CF3A-0D47-BCFC-993EC4BC6308}" srcOrd="3" destOrd="0" parTransId="{A99E8A5A-00E9-AF4A-B251-07992CA03087}" sibTransId="{7AC601E2-B451-8B43-ABE7-1B9A056F564C}"/>
     <dgm:cxn modelId="{E599B78B-D5FD-584D-9416-7611C58CBE15}" type="presOf" srcId="{7422B817-005B-D64C-AB15-95E839BBE68B}" destId="{950EC70F-F46E-7747-B17D-64D38A81A96C}" srcOrd="0" destOrd="0" presId="urn:microsoft.com/office/officeart/2005/8/layout/cycle3"/>
-    <dgm:cxn modelId="{78951E95-81EF-DF4A-82CA-0465113D86E6}" srcId="{1D26773A-8EBB-5B4A-9059-FB8C41A56393}" destId="{A259826A-C01F-054B-B86E-C6B73C96D128}" srcOrd="4" destOrd="0" parTransId="{DFD6664D-062F-9F48-B1BC-6B71B5ABF82C}" sibTransId="{D319552B-176E-1744-AB9B-B6C6E9B74A7A}"/>
     <dgm:cxn modelId="{38F9AD9E-9F67-7A4A-AAB5-E854B9F11C92}" type="presOf" srcId="{8F94BAC6-01CF-1846-A757-593C76D039DB}" destId="{B50EBEE3-6C92-4444-A4F4-2A77181982DA}" srcOrd="0" destOrd="0" presId="urn:microsoft.com/office/officeart/2005/8/layout/cycle3"/>
-    <dgm:cxn modelId="{905511A1-264D-EF43-8084-FC7E19C08FA8}" type="presOf" srcId="{A259826A-C01F-054B-B86E-C6B73C96D128}" destId="{9B203C55-9AAC-5146-BD85-C627776F722B}" srcOrd="0" destOrd="0" presId="urn:microsoft.com/office/officeart/2005/8/layout/cycle3"/>
     <dgm:cxn modelId="{2B4313A4-E1C3-5841-A91E-03ED388C83DF}" type="presOf" srcId="{1D26773A-8EBB-5B4A-9059-FB8C41A56393}" destId="{3EF2C8D8-A602-4D4E-86DC-7AAA5490B854}" srcOrd="0" destOrd="0" presId="urn:microsoft.com/office/officeart/2005/8/layout/cycle3"/>
     <dgm:cxn modelId="{A5425FCF-699C-004D-8097-A395CCAB35B2}" type="presOf" srcId="{1376B9E1-09F4-AE45-BCB7-A2668ACAE626}" destId="{EAACFB85-5298-5A4A-A3C5-51061BB7014C}" srcOrd="0" destOrd="0" presId="urn:microsoft.com/office/officeart/2005/8/layout/cycle3"/>
     <dgm:cxn modelId="{F52BF9D5-CC10-8C4C-A75D-EAB28E33870B}" srcId="{1D26773A-8EBB-5B4A-9059-FB8C41A56393}" destId="{7422B817-005B-D64C-AB15-95E839BBE68B}" srcOrd="2" destOrd="0" parTransId="{9D1F67FE-E286-A744-B277-509F5ADC972F}" sibTransId="{2237A4D2-25AC-0746-9672-4D87620CA375}"/>
     <dgm:cxn modelId="{2F0E3BF1-1E22-C947-BFC1-7C3D27E839DB}" srcId="{1D26773A-8EBB-5B4A-9059-FB8C41A56393}" destId="{1376B9E1-09F4-AE45-BCB7-A2668ACAE626}" srcOrd="0" destOrd="0" parTransId="{D64BBBD5-EFB9-CC40-BD99-895B97DF9A57}" sibTransId="{4B22E549-3F91-0D49-AC43-9FFCCEAB8664}"/>
-    <dgm:cxn modelId="{3C6BD8F9-90E8-E148-BE38-DBE0B4E2E7F6}" srcId="{1D26773A-8EBB-5B4A-9059-FB8C41A56393}" destId="{A44682E8-70B4-A342-916F-E6EDE2EE1942}" srcOrd="5" destOrd="0" parTransId="{24468068-2EEE-2D43-91E1-DE5728066B69}" sibTransId="{0EE313ED-2100-FC4F-A739-EAF08E9A269F}"/>
+    <dgm:cxn modelId="{3C6BD8F9-90E8-E148-BE38-DBE0B4E2E7F6}" srcId="{1D26773A-8EBB-5B4A-9059-FB8C41A56393}" destId="{A44682E8-70B4-A342-916F-E6EDE2EE1942}" srcOrd="4" destOrd="0" parTransId="{24468068-2EEE-2D43-91E1-DE5728066B69}" sibTransId="{0EE313ED-2100-FC4F-A739-EAF08E9A269F}"/>
     <dgm:cxn modelId="{4B3B8804-5709-2B43-A02C-DDD51DA709DC}" type="presParOf" srcId="{3EF2C8D8-A602-4D4E-86DC-7AAA5490B854}" destId="{CD135BF6-DB9F-974F-BFF7-5E0E72B95E22}" srcOrd="0" destOrd="0" presId="urn:microsoft.com/office/officeart/2005/8/layout/cycle3"/>
     <dgm:cxn modelId="{CF72FF45-05CA-3C46-855B-F0CC480B4DA3}" type="presParOf" srcId="{CD135BF6-DB9F-974F-BFF7-5E0E72B95E22}" destId="{EAACFB85-5298-5A4A-A3C5-51061BB7014C}" srcOrd="0" destOrd="0" presId="urn:microsoft.com/office/officeart/2005/8/layout/cycle3"/>
     <dgm:cxn modelId="{BBF72093-9BDA-4E47-85DA-648678B44386}" type="presParOf" srcId="{CD135BF6-DB9F-974F-BFF7-5E0E72B95E22}" destId="{9ECC31D0-1291-A546-AAE1-1354288281C5}" srcOrd="1" destOrd="0" presId="urn:microsoft.com/office/officeart/2005/8/layout/cycle3"/>
     <dgm:cxn modelId="{329E9380-58CD-A140-A24B-4EDB4B49A8C5}" type="presParOf" srcId="{CD135BF6-DB9F-974F-BFF7-5E0E72B95E22}" destId="{B50EBEE3-6C92-4444-A4F4-2A77181982DA}" srcOrd="2" destOrd="0" presId="urn:microsoft.com/office/officeart/2005/8/layout/cycle3"/>
     <dgm:cxn modelId="{84D7A848-E355-114C-860B-F43B589DF177}" type="presParOf" srcId="{CD135BF6-DB9F-974F-BFF7-5E0E72B95E22}" destId="{950EC70F-F46E-7747-B17D-64D38A81A96C}" srcOrd="3" destOrd="0" presId="urn:microsoft.com/office/officeart/2005/8/layout/cycle3"/>
     <dgm:cxn modelId="{F58DCA8B-4BE3-2547-9BD6-28E241F0723D}" type="presParOf" srcId="{CD135BF6-DB9F-974F-BFF7-5E0E72B95E22}" destId="{189CA02C-4AE8-BE4E-A846-B91976E1C660}" srcOrd="4" destOrd="0" presId="urn:microsoft.com/office/officeart/2005/8/layout/cycle3"/>
-    <dgm:cxn modelId="{84E40325-50E7-F140-B255-05C3A69921E5}" type="presParOf" srcId="{CD135BF6-DB9F-974F-BFF7-5E0E72B95E22}" destId="{9B203C55-9AAC-5146-BD85-C627776F722B}" srcOrd="5" destOrd="0" presId="urn:microsoft.com/office/officeart/2005/8/layout/cycle3"/>
-    <dgm:cxn modelId="{3BB62788-C778-224C-8A38-1C02661494E1}" type="presParOf" srcId="{CD135BF6-DB9F-974F-BFF7-5E0E72B95E22}" destId="{8EE90D3B-3D12-9A4D-9CA1-2BE8D4D41225}" srcOrd="6" destOrd="0" presId="urn:microsoft.com/office/officeart/2005/8/layout/cycle3"/>
+    <dgm:cxn modelId="{3BB62788-C778-224C-8A38-1C02661494E1}" type="presParOf" srcId="{CD135BF6-DB9F-974F-BFF7-5E0E72B95E22}" destId="{8EE90D3B-3D12-9A4D-9CA1-2BE8D4D41225}" srcOrd="5" destOrd="0" presId="urn:microsoft.com/office/officeart/2005/8/layout/cycle3"/>
   </dgm:cxnLst>
   <dgm:bg/>
   <dgm:whole/>
@@ -3663,16 +3612,16 @@
       </dsp:nvSpPr>
       <dsp:spPr>
         <a:xfrm>
-          <a:off x="1454684" y="-4017"/>
-          <a:ext cx="4832825" cy="4832825"/>
+          <a:off x="1465008" y="-29163"/>
+          <a:ext cx="4812177" cy="4812177"/>
         </a:xfrm>
         <a:prstGeom prst="circularArrow">
           <a:avLst>
-            <a:gd name="adj1" fmla="val 5274"/>
-            <a:gd name="adj2" fmla="val 312630"/>
-            <a:gd name="adj3" fmla="val 14233716"/>
-            <a:gd name="adj4" fmla="val 17123751"/>
-            <a:gd name="adj5" fmla="val 5477"/>
+            <a:gd name="adj1" fmla="val 5544"/>
+            <a:gd name="adj2" fmla="val 330680"/>
+            <a:gd name="adj3" fmla="val 13776199"/>
+            <a:gd name="adj4" fmla="val 17385797"/>
+            <a:gd name="adj5" fmla="val 5757"/>
           </a:avLst>
         </a:prstGeom>
         <a:solidFill>
@@ -3709,8 +3658,8 @@
       </dsp:nvSpPr>
       <dsp:spPr>
         <a:xfrm>
-          <a:off x="2955303" y="1961"/>
-          <a:ext cx="1831588" cy="915794"/>
+          <a:off x="2744547" y="1018"/>
+          <a:ext cx="2253099" cy="1126549"/>
         </a:xfrm>
         <a:prstGeom prst="roundRect">
           <a:avLst/>
@@ -3746,12 +3695,12 @@
         </a:fontRef>
       </dsp:style>
       <dsp:txBody>
-        <a:bodyPr spcFirstLastPara="0" vert="horz" wrap="square" lIns="64770" tIns="64770" rIns="64770" bIns="64770" numCol="1" spcCol="1270" anchor="ctr" anchorCtr="0">
+        <a:bodyPr spcFirstLastPara="0" vert="horz" wrap="square" lIns="80010" tIns="80010" rIns="80010" bIns="80010" numCol="1" spcCol="1270" anchor="ctr" anchorCtr="0">
           <a:noAutofit/>
         </a:bodyPr>
         <a:lstStyle/>
         <a:p>
-          <a:pPr marL="0" lvl="0" indent="0" algn="ctr" defTabSz="755650">
+          <a:pPr marL="0" lvl="0" indent="0" algn="ctr" defTabSz="933450">
             <a:lnSpc>
               <a:spcPct val="90000"/>
             </a:lnSpc>
@@ -3764,14 +3713,14 @@
             <a:buNone/>
           </a:pPr>
           <a:r>
-            <a:rPr lang="es-MX" sz="1700" kern="1200" dirty="0"/>
+            <a:rPr lang="es-MX" sz="2100" kern="1200" dirty="0"/>
             <a:t>Puesta en marcha (Prod)</a:t>
           </a:r>
         </a:p>
       </dsp:txBody>
       <dsp:txXfrm>
-        <a:off x="3000008" y="46666"/>
-        <a:ext cx="1742178" cy="826384"/>
+        <a:off x="2799541" y="56012"/>
+        <a:ext cx="2143111" cy="1016561"/>
       </dsp:txXfrm>
     </dsp:sp>
     <dsp:sp modelId="{B50EBEE3-6C92-4444-A4F4-2A77181982DA}">
@@ -3781,8 +3730,8 @@
       </dsp:nvSpPr>
       <dsp:spPr>
         <a:xfrm>
-          <a:off x="4653213" y="982250"/>
-          <a:ext cx="1831588" cy="915794"/>
+          <a:off x="4696212" y="1418986"/>
+          <a:ext cx="2253099" cy="1126549"/>
         </a:xfrm>
         <a:prstGeom prst="roundRect">
           <a:avLst/>
@@ -3818,12 +3767,12 @@
         </a:fontRef>
       </dsp:style>
       <dsp:txBody>
-        <a:bodyPr spcFirstLastPara="0" vert="horz" wrap="square" lIns="64770" tIns="64770" rIns="64770" bIns="64770" numCol="1" spcCol="1270" anchor="ctr" anchorCtr="0">
+        <a:bodyPr spcFirstLastPara="0" vert="horz" wrap="square" lIns="80010" tIns="80010" rIns="80010" bIns="80010" numCol="1" spcCol="1270" anchor="ctr" anchorCtr="0">
           <a:noAutofit/>
         </a:bodyPr>
         <a:lstStyle/>
         <a:p>
-          <a:pPr marL="0" lvl="0" indent="0" algn="ctr" defTabSz="755650">
+          <a:pPr marL="0" lvl="0" indent="0" algn="ctr" defTabSz="933450">
             <a:lnSpc>
               <a:spcPct val="90000"/>
             </a:lnSpc>
@@ -3836,14 +3785,14 @@
             <a:buNone/>
           </a:pPr>
           <a:r>
-            <a:rPr lang="es-MX" sz="1700" kern="1200" dirty="0"/>
+            <a:rPr lang="es-MX" sz="2100" kern="1200" dirty="0"/>
             <a:t>Análisis</a:t>
           </a:r>
         </a:p>
       </dsp:txBody>
       <dsp:txXfrm>
-        <a:off x="4697918" y="1026955"/>
-        <a:ext cx="1742178" cy="826384"/>
+        <a:off x="4751206" y="1473980"/>
+        <a:ext cx="2143111" cy="1016561"/>
       </dsp:txXfrm>
     </dsp:sp>
     <dsp:sp modelId="{950EC70F-F46E-7747-B17D-64D38A81A96C}">
@@ -3853,8 +3802,8 @@
       </dsp:nvSpPr>
       <dsp:spPr>
         <a:xfrm>
-          <a:off x="4653213" y="2942829"/>
-          <a:ext cx="1831588" cy="915794"/>
+          <a:off x="3950742" y="3713305"/>
+          <a:ext cx="2253099" cy="1126549"/>
         </a:xfrm>
         <a:prstGeom prst="roundRect">
           <a:avLst/>
@@ -3895,12 +3844,12 @@
         </a:fontRef>
       </dsp:style>
       <dsp:txBody>
-        <a:bodyPr spcFirstLastPara="0" vert="horz" wrap="square" lIns="64770" tIns="64770" rIns="64770" bIns="64770" numCol="1" spcCol="1270" anchor="ctr" anchorCtr="0">
+        <a:bodyPr spcFirstLastPara="0" vert="horz" wrap="square" lIns="80010" tIns="80010" rIns="80010" bIns="80010" numCol="1" spcCol="1270" anchor="ctr" anchorCtr="0">
           <a:noAutofit/>
         </a:bodyPr>
         <a:lstStyle/>
         <a:p>
-          <a:pPr marL="0" lvl="0" indent="0" algn="ctr" defTabSz="755650">
+          <a:pPr marL="0" lvl="0" indent="0" algn="ctr" defTabSz="933450">
             <a:lnSpc>
               <a:spcPct val="90000"/>
             </a:lnSpc>
@@ -3913,14 +3862,14 @@
             <a:buNone/>
           </a:pPr>
           <a:r>
-            <a:rPr lang="es-MX" sz="1700" kern="1200" dirty="0"/>
+            <a:rPr lang="es-MX" sz="2100" kern="1200" dirty="0"/>
             <a:t>Diseño</a:t>
           </a:r>
         </a:p>
       </dsp:txBody>
       <dsp:txXfrm>
-        <a:off x="4697918" y="2987534"/>
-        <a:ext cx="1742178" cy="826384"/>
+        <a:off x="4005736" y="3768299"/>
+        <a:ext cx="2143111" cy="1016561"/>
       </dsp:txXfrm>
     </dsp:sp>
     <dsp:sp modelId="{189CA02C-4AE8-BE4E-A846-B91976E1C660}">
@@ -3930,8 +3879,8 @@
       </dsp:nvSpPr>
       <dsp:spPr>
         <a:xfrm>
-          <a:off x="2955303" y="3923118"/>
-          <a:ext cx="1831588" cy="915794"/>
+          <a:off x="1538352" y="3713305"/>
+          <a:ext cx="2253099" cy="1126549"/>
         </a:xfrm>
         <a:prstGeom prst="roundRect">
           <a:avLst/>
@@ -3967,12 +3916,12 @@
         </a:fontRef>
       </dsp:style>
       <dsp:txBody>
-        <a:bodyPr spcFirstLastPara="0" vert="horz" wrap="square" lIns="64770" tIns="64770" rIns="64770" bIns="64770" numCol="1" spcCol="1270" anchor="ctr" anchorCtr="0">
+        <a:bodyPr spcFirstLastPara="0" vert="horz" wrap="square" lIns="80010" tIns="80010" rIns="80010" bIns="80010" numCol="1" spcCol="1270" anchor="ctr" anchorCtr="0">
           <a:noAutofit/>
         </a:bodyPr>
         <a:lstStyle/>
         <a:p>
-          <a:pPr marL="0" lvl="0" indent="0" algn="ctr" defTabSz="755650">
+          <a:pPr marL="0" lvl="0" indent="0" algn="ctr" defTabSz="933450">
             <a:lnSpc>
               <a:spcPct val="90000"/>
             </a:lnSpc>
@@ -3985,86 +3934,14 @@
             <a:buNone/>
           </a:pPr>
           <a:r>
-            <a:rPr lang="es-MX" sz="1700" kern="1200" dirty="0"/>
+            <a:rPr lang="es-MX" sz="2100" kern="1200" dirty="0"/>
             <a:t>Desarrollo</a:t>
           </a:r>
         </a:p>
       </dsp:txBody>
       <dsp:txXfrm>
-        <a:off x="3000008" y="3967823"/>
-        <a:ext cx="1742178" cy="826384"/>
-      </dsp:txXfrm>
-    </dsp:sp>
-    <dsp:sp modelId="{9B203C55-9AAC-5146-BD85-C627776F722B}">
-      <dsp:nvSpPr>
-        <dsp:cNvPr id="0" name=""/>
-        <dsp:cNvSpPr/>
-      </dsp:nvSpPr>
-      <dsp:spPr>
-        <a:xfrm>
-          <a:off x="1257392" y="2942829"/>
-          <a:ext cx="1831588" cy="915794"/>
-        </a:xfrm>
-        <a:prstGeom prst="roundRect">
-          <a:avLst/>
-        </a:prstGeom>
-        <a:solidFill>
-          <a:srgbClr val="00B050"/>
-        </a:solidFill>
-        <a:ln w="19050" cap="rnd" cmpd="sng" algn="ctr">
-          <a:solidFill>
-            <a:schemeClr val="lt1">
-              <a:hueOff val="0"/>
-              <a:satOff val="0"/>
-              <a:lumOff val="0"/>
-              <a:alphaOff val="0"/>
-            </a:schemeClr>
-          </a:solidFill>
-          <a:prstDash val="solid"/>
-        </a:ln>
-        <a:effectLst/>
-      </dsp:spPr>
-      <dsp:style>
-        <a:lnRef idx="2">
-          <a:scrgbClr r="0" g="0" b="0"/>
-        </a:lnRef>
-        <a:fillRef idx="1">
-          <a:scrgbClr r="0" g="0" b="0"/>
-        </a:fillRef>
-        <a:effectRef idx="0">
-          <a:scrgbClr r="0" g="0" b="0"/>
-        </a:effectRef>
-        <a:fontRef idx="minor">
-          <a:schemeClr val="lt1"/>
-        </a:fontRef>
-      </dsp:style>
-      <dsp:txBody>
-        <a:bodyPr spcFirstLastPara="0" vert="horz" wrap="square" lIns="64770" tIns="64770" rIns="64770" bIns="64770" numCol="1" spcCol="1270" anchor="ctr" anchorCtr="0">
-          <a:noAutofit/>
-        </a:bodyPr>
-        <a:lstStyle/>
-        <a:p>
-          <a:pPr marL="0" lvl="0" indent="0" algn="ctr" defTabSz="755650">
-            <a:lnSpc>
-              <a:spcPct val="90000"/>
-            </a:lnSpc>
-            <a:spcBef>
-              <a:spcPct val="0"/>
-            </a:spcBef>
-            <a:spcAft>
-              <a:spcPct val="35000"/>
-            </a:spcAft>
-            <a:buNone/>
-          </a:pPr>
-          <a:r>
-            <a:rPr lang="es-MX" sz="1700" kern="1200"/>
-            <a:t>Pruebas</a:t>
-          </a:r>
-        </a:p>
-      </dsp:txBody>
-      <dsp:txXfrm>
-        <a:off x="1302097" y="2987534"/>
-        <a:ext cx="1742178" cy="826384"/>
+        <a:off x="1593346" y="3768299"/>
+        <a:ext cx="2143111" cy="1016561"/>
       </dsp:txXfrm>
     </dsp:sp>
     <dsp:sp modelId="{8EE90D3B-3D12-9A4D-9CA1-2BE8D4D41225}">
@@ -4074,8 +3951,8 @@
       </dsp:nvSpPr>
       <dsp:spPr>
         <a:xfrm>
-          <a:off x="1257392" y="982250"/>
-          <a:ext cx="1831588" cy="915794"/>
+          <a:off x="792883" y="1418986"/>
+          <a:ext cx="2253099" cy="1126549"/>
         </a:xfrm>
         <a:prstGeom prst="roundRect">
           <a:avLst/>
@@ -4111,12 +3988,12 @@
         </a:fontRef>
       </dsp:style>
       <dsp:txBody>
-        <a:bodyPr spcFirstLastPara="0" vert="horz" wrap="square" lIns="64770" tIns="64770" rIns="64770" bIns="64770" numCol="1" spcCol="1270" anchor="ctr" anchorCtr="0">
+        <a:bodyPr spcFirstLastPara="0" vert="horz" wrap="square" lIns="80010" tIns="80010" rIns="80010" bIns="80010" numCol="1" spcCol="1270" anchor="ctr" anchorCtr="0">
           <a:noAutofit/>
         </a:bodyPr>
         <a:lstStyle/>
         <a:p>
-          <a:pPr marL="0" lvl="0" indent="0" algn="ctr" defTabSz="755650">
+          <a:pPr marL="0" lvl="0" indent="0" algn="ctr" defTabSz="933450">
             <a:lnSpc>
               <a:spcPct val="90000"/>
             </a:lnSpc>
@@ -4129,14 +4006,14 @@
             <a:buNone/>
           </a:pPr>
           <a:r>
-            <a:rPr lang="es-MX" sz="1700" kern="1200" dirty="0"/>
+            <a:rPr lang="es-MX" sz="2100" kern="1200" dirty="0"/>
             <a:t>Mantenimiento</a:t>
           </a:r>
         </a:p>
       </dsp:txBody>
       <dsp:txXfrm>
-        <a:off x="1302097" y="1026955"/>
-        <a:ext cx="1742178" cy="826384"/>
+        <a:off x="847877" y="1473980"/>
+        <a:ext cx="2143111" cy="1016561"/>
       </dsp:txXfrm>
     </dsp:sp>
   </dsp:spTree>
@@ -19507,7 +19384,7 @@
           <p:nvPr>
             <p:extLst>
               <p:ext uri="{D42A27DB-BD31-4B8C-83A1-F6EECF244321}">
-                <p14:modId xmlns:p14="http://schemas.microsoft.com/office/powerpoint/2010/main" val="4060426059"/>
+                <p14:modId xmlns:p14="http://schemas.microsoft.com/office/powerpoint/2010/main" val="1604499805"/>
               </p:ext>
             </p:extLst>
           </p:nvPr>
